--- a/Lecture/Joins 2/Joins_2_Lecture.pptx
+++ b/Lecture/Joins 2/Joins_2_Lecture.pptx
@@ -6,23 +6,26 @@
     <p:sldMasterId id="2147483676" r:id="rId2"/>
   </p:sldMasterIdLst>
   <p:notesMasterIdLst>
-    <p:notesMasterId r:id="rId9"/>
+    <p:notesMasterId r:id="rId12"/>
   </p:notesMasterIdLst>
   <p:handoutMasterIdLst>
-    <p:handoutMasterId r:id="rId10"/>
+    <p:handoutMasterId r:id="rId13"/>
   </p:handoutMasterIdLst>
   <p:sldIdLst>
     <p:sldId id="320" r:id="rId3"/>
-    <p:sldId id="390" r:id="rId4"/>
-    <p:sldId id="391" r:id="rId5"/>
-    <p:sldId id="392" r:id="rId6"/>
-    <p:sldId id="393" r:id="rId7"/>
-    <p:sldId id="329" r:id="rId8"/>
+    <p:sldId id="395" r:id="rId4"/>
+    <p:sldId id="396" r:id="rId5"/>
+    <p:sldId id="397" r:id="rId6"/>
+    <p:sldId id="390" r:id="rId7"/>
+    <p:sldId id="392" r:id="rId8"/>
+    <p:sldId id="394" r:id="rId9"/>
+    <p:sldId id="393" r:id="rId10"/>
+    <p:sldId id="329" r:id="rId11"/>
   </p:sldIdLst>
   <p:sldSz cx="9144000" cy="6858000" type="screen4x3"/>
   <p:notesSz cx="6858000" cy="9144000"/>
   <p:custDataLst>
-    <p:tags r:id="rId11"/>
+    <p:tags r:id="rId14"/>
   </p:custDataLst>
   <p:defaultTextStyle>
     <a:defPPr>
@@ -293,7 +296,7 @@
               <a:pPr>
                 <a:defRPr/>
               </a:pPr>
-              <a:t>4/4/2019</a:t>
+              <a:t>9/23/2020</a:t>
             </a:fld>
             <a:endParaRPr lang="en-US" dirty="0"/>
           </a:p>
@@ -505,7 +508,7 @@
               <a:pPr>
                 <a:defRPr/>
               </a:pPr>
-              <a:t>4/4/2019</a:t>
+              <a:t>9/23/2020</a:t>
             </a:fld>
             <a:endParaRPr lang="en-US" dirty="0"/>
           </a:p>
@@ -1024,7 +1027,7 @@
               <a:pPr>
                 <a:defRPr/>
               </a:pPr>
-              <a:t>4/4/2019</a:t>
+              <a:t>9/23/2020</a:t>
             </a:fld>
             <a:endParaRPr lang="en-US" dirty="0"/>
           </a:p>
@@ -1214,7 +1217,7 @@
               <a:pPr>
                 <a:defRPr/>
               </a:pPr>
-              <a:t>4/4/2019</a:t>
+              <a:t>9/23/2020</a:t>
             </a:fld>
             <a:endParaRPr lang="en-US" dirty="0"/>
           </a:p>
@@ -1414,7 +1417,7 @@
               <a:pPr>
                 <a:defRPr/>
               </a:pPr>
-              <a:t>4/4/2019</a:t>
+              <a:t>9/23/2020</a:t>
             </a:fld>
             <a:endParaRPr lang="en-US" dirty="0"/>
           </a:p>
@@ -1682,7 +1685,7 @@
               <a:pPr>
                 <a:defRPr/>
               </a:pPr>
-              <a:t>4/4/2019</a:t>
+              <a:t>9/23/2020</a:t>
             </a:fld>
             <a:endParaRPr lang="en-US" dirty="0">
               <a:solidFill>
@@ -1896,7 +1899,7 @@
               <a:pPr>
                 <a:defRPr/>
               </a:pPr>
-              <a:t>4/4/2019</a:t>
+              <a:t>9/23/2020</a:t>
             </a:fld>
             <a:endParaRPr lang="en-US" dirty="0">
               <a:solidFill>
@@ -2187,7 +2190,7 @@
               <a:pPr>
                 <a:defRPr/>
               </a:pPr>
-              <a:t>4/4/2019</a:t>
+              <a:t>9/23/2020</a:t>
             </a:fld>
             <a:endParaRPr lang="en-US" dirty="0">
               <a:solidFill>
@@ -2518,7 +2521,7 @@
               <a:pPr>
                 <a:defRPr/>
               </a:pPr>
-              <a:t>4/4/2019</a:t>
+              <a:t>9/23/2020</a:t>
             </a:fld>
             <a:endParaRPr lang="en-US" dirty="0">
               <a:solidFill>
@@ -2983,7 +2986,7 @@
               <a:pPr>
                 <a:defRPr/>
               </a:pPr>
-              <a:t>4/4/2019</a:t>
+              <a:t>9/23/2020</a:t>
             </a:fld>
             <a:endParaRPr lang="en-US" dirty="0">
               <a:solidFill>
@@ -3146,7 +3149,7 @@
               <a:pPr>
                 <a:defRPr/>
               </a:pPr>
-              <a:t>4/4/2019</a:t>
+              <a:t>9/23/2020</a:t>
             </a:fld>
             <a:endParaRPr lang="en-US" dirty="0">
               <a:solidFill>
@@ -3287,7 +3290,7 @@
               <a:pPr>
                 <a:defRPr/>
               </a:pPr>
-              <a:t>4/4/2019</a:t>
+              <a:t>9/23/2020</a:t>
             </a:fld>
             <a:endParaRPr lang="en-US" dirty="0">
               <a:solidFill>
@@ -3608,7 +3611,7 @@
               <a:pPr>
                 <a:defRPr/>
               </a:pPr>
-              <a:t>4/4/2019</a:t>
+              <a:t>9/23/2020</a:t>
             </a:fld>
             <a:endParaRPr lang="en-US" dirty="0">
               <a:solidFill>
@@ -3816,7 +3819,7 @@
               <a:pPr>
                 <a:defRPr/>
               </a:pPr>
-              <a:t>4/4/2019</a:t>
+              <a:t>9/23/2020</a:t>
             </a:fld>
             <a:endParaRPr lang="en-US" dirty="0"/>
           </a:p>
@@ -4099,7 +4102,7 @@
               <a:pPr>
                 <a:defRPr/>
               </a:pPr>
-              <a:t>4/4/2019</a:t>
+              <a:t>9/23/2020</a:t>
             </a:fld>
             <a:endParaRPr lang="en-US" dirty="0">
               <a:solidFill>
@@ -4313,7 +4316,7 @@
               <a:pPr>
                 <a:defRPr/>
               </a:pPr>
-              <a:t>4/4/2019</a:t>
+              <a:t>9/23/2020</a:t>
             </a:fld>
             <a:endParaRPr lang="en-US" dirty="0">
               <a:solidFill>
@@ -4537,7 +4540,7 @@
               <a:pPr>
                 <a:defRPr/>
               </a:pPr>
-              <a:t>4/4/2019</a:t>
+              <a:t>9/23/2020</a:t>
             </a:fld>
             <a:endParaRPr lang="en-US" dirty="0">
               <a:solidFill>
@@ -4747,7 +4750,7 @@
               <a:pPr>
                 <a:defRPr/>
               </a:pPr>
-              <a:t>4/4/2019</a:t>
+              <a:t>9/23/2020</a:t>
             </a:fld>
             <a:endParaRPr lang="en-US" dirty="0">
               <a:solidFill>
@@ -5024,7 +5027,7 @@
               <a:pPr>
                 <a:defRPr/>
               </a:pPr>
-              <a:t>4/4/2019</a:t>
+              <a:t>9/23/2020</a:t>
             </a:fld>
             <a:endParaRPr lang="en-US" dirty="0"/>
           </a:p>
@@ -5331,7 +5334,7 @@
               <a:pPr>
                 <a:defRPr/>
               </a:pPr>
-              <a:t>4/4/2019</a:t>
+              <a:t>9/23/2020</a:t>
             </a:fld>
             <a:endParaRPr lang="en-US" dirty="0"/>
           </a:p>
@@ -5772,7 +5775,7 @@
               <a:pPr>
                 <a:defRPr/>
               </a:pPr>
-              <a:t>4/4/2019</a:t>
+              <a:t>9/23/2020</a:t>
             </a:fld>
             <a:endParaRPr lang="en-US" dirty="0"/>
           </a:p>
@@ -5911,7 +5914,7 @@
               <a:pPr>
                 <a:defRPr/>
               </a:pPr>
-              <a:t>4/4/2019</a:t>
+              <a:t>9/23/2020</a:t>
             </a:fld>
             <a:endParaRPr lang="en-US" dirty="0"/>
           </a:p>
@@ -6028,7 +6031,7 @@
               <a:pPr>
                 <a:defRPr/>
               </a:pPr>
-              <a:t>4/4/2019</a:t>
+              <a:t>9/23/2020</a:t>
             </a:fld>
             <a:endParaRPr lang="en-US" dirty="0"/>
           </a:p>
@@ -6325,7 +6328,7 @@
               <a:pPr>
                 <a:defRPr/>
               </a:pPr>
-              <a:t>4/4/2019</a:t>
+              <a:t>9/23/2020</a:t>
             </a:fld>
             <a:endParaRPr lang="en-US" dirty="0"/>
           </a:p>
@@ -6602,7 +6605,7 @@
               <a:pPr>
                 <a:defRPr/>
               </a:pPr>
-              <a:t>4/4/2019</a:t>
+              <a:t>9/23/2020</a:t>
             </a:fld>
             <a:endParaRPr lang="en-US" dirty="0"/>
           </a:p>
@@ -6859,7 +6862,7 @@
               <a:pPr>
                 <a:defRPr/>
               </a:pPr>
-              <a:t>4/4/2019</a:t>
+              <a:t>9/23/2020</a:t>
             </a:fld>
             <a:endParaRPr lang="en-US" dirty="0"/>
           </a:p>
@@ -7569,7 +7572,7 @@
               <a:pPr>
                 <a:defRPr/>
               </a:pPr>
-              <a:t>4/4/2019</a:t>
+              <a:t>9/23/2020</a:t>
             </a:fld>
             <a:endParaRPr lang="en-US" dirty="0">
               <a:solidFill>
@@ -8614,26 +8617,7 @@
                 <a:ea typeface="+mj-ea"/>
                 <a:cs typeface="+mj-cs"/>
               </a:rPr>
-              <a:t>Joins</a:t>
-            </a:r>
-            <a:br>
-              <a:rPr lang="en-US" sz="2400" dirty="0">
-                <a:solidFill>
-                  <a:schemeClr val="bg1"/>
-                </a:solidFill>
-                <a:ea typeface="+mj-ea"/>
-                <a:cs typeface="+mj-cs"/>
-              </a:rPr>
-            </a:br>
-            <a:r>
-              <a:rPr lang="en-US" sz="2400" dirty="0">
-                <a:solidFill>
-                  <a:schemeClr val="bg1"/>
-                </a:solidFill>
-                <a:ea typeface="+mj-ea"/>
-                <a:cs typeface="+mj-cs"/>
-              </a:rPr>
-              <a:t>Assignment</a:t>
+              <a:t>Graphical Depiction</a:t>
             </a:r>
             <a:endParaRPr lang="en-US" sz="2400" kern="1200" dirty="0">
               <a:solidFill>
@@ -8691,7 +8675,7 @@
         <p:spPr>
           <a:xfrm>
             <a:off x="3810000" y="621916"/>
-            <a:ext cx="5334000" cy="4524315"/>
+            <a:ext cx="5334000" cy="5632311"/>
           </a:xfrm>
           <a:prstGeom prst="rect">
             <a:avLst/>
@@ -8714,11 +8698,132 @@
                   <a:srgbClr val="404040"/>
                 </a:solidFill>
               </a:rPr>
-              <a:t>Instructions</a:t>
-            </a:r>
-          </a:p>
-          <a:p>
-            <a:pPr marL="800100" lvl="1" indent="-342900">
+              <a:t>Inner Join</a:t>
+            </a:r>
+          </a:p>
+          <a:p>
+            <a:pPr marL="342900" indent="-342900">
+              <a:buFont typeface="Arial" panose="020B0604020202020204" pitchFamily="34" charset="0"/>
+              <a:buChar char="•"/>
+            </a:pPr>
+            <a:endParaRPr lang="en-US" dirty="0">
+              <a:solidFill>
+                <a:srgbClr val="404040"/>
+              </a:solidFill>
+            </a:endParaRPr>
+          </a:p>
+          <a:p>
+            <a:pPr marL="342900" indent="-342900">
+              <a:buFont typeface="Arial" panose="020B0604020202020204" pitchFamily="34" charset="0"/>
+              <a:buChar char="•"/>
+            </a:pPr>
+            <a:endParaRPr lang="en-US" dirty="0">
+              <a:solidFill>
+                <a:srgbClr val="404040"/>
+              </a:solidFill>
+            </a:endParaRPr>
+          </a:p>
+          <a:p>
+            <a:pPr marL="342900" indent="-342900">
+              <a:buFont typeface="Arial" panose="020B0604020202020204" pitchFamily="34" charset="0"/>
+              <a:buChar char="•"/>
+            </a:pPr>
+            <a:endParaRPr lang="en-US" dirty="0">
+              <a:solidFill>
+                <a:srgbClr val="404040"/>
+              </a:solidFill>
+            </a:endParaRPr>
+          </a:p>
+          <a:p>
+            <a:pPr marL="342900" indent="-342900">
+              <a:buFont typeface="Arial" panose="020B0604020202020204" pitchFamily="34" charset="0"/>
+              <a:buChar char="•"/>
+            </a:pPr>
+            <a:endParaRPr lang="en-US" dirty="0">
+              <a:solidFill>
+                <a:srgbClr val="404040"/>
+              </a:solidFill>
+            </a:endParaRPr>
+          </a:p>
+          <a:p>
+            <a:pPr marL="342900" indent="-342900">
+              <a:buFont typeface="Arial" panose="020B0604020202020204" pitchFamily="34" charset="0"/>
+              <a:buChar char="•"/>
+            </a:pPr>
+            <a:endParaRPr lang="en-US" dirty="0">
+              <a:solidFill>
+                <a:srgbClr val="404040"/>
+              </a:solidFill>
+            </a:endParaRPr>
+          </a:p>
+          <a:p>
+            <a:pPr marL="342900" indent="-342900">
+              <a:buFont typeface="Arial" panose="020B0604020202020204" pitchFamily="34" charset="0"/>
+              <a:buChar char="•"/>
+            </a:pPr>
+            <a:endParaRPr lang="en-US" dirty="0">
+              <a:solidFill>
+                <a:srgbClr val="404040"/>
+              </a:solidFill>
+            </a:endParaRPr>
+          </a:p>
+          <a:p>
+            <a:pPr marL="342900" indent="-342900">
+              <a:buFont typeface="Arial" panose="020B0604020202020204" pitchFamily="34" charset="0"/>
+              <a:buChar char="•"/>
+            </a:pPr>
+            <a:endParaRPr lang="en-US" dirty="0">
+              <a:solidFill>
+                <a:srgbClr val="404040"/>
+              </a:solidFill>
+            </a:endParaRPr>
+          </a:p>
+          <a:p>
+            <a:pPr marL="342900" indent="-342900">
+              <a:buFont typeface="Arial" panose="020B0604020202020204" pitchFamily="34" charset="0"/>
+              <a:buChar char="•"/>
+            </a:pPr>
+            <a:endParaRPr lang="en-US" dirty="0">
+              <a:solidFill>
+                <a:srgbClr val="404040"/>
+              </a:solidFill>
+            </a:endParaRPr>
+          </a:p>
+          <a:p>
+            <a:pPr marL="342900" indent="-342900">
+              <a:buFont typeface="Arial" panose="020B0604020202020204" pitchFamily="34" charset="0"/>
+              <a:buChar char="•"/>
+            </a:pPr>
+            <a:endParaRPr lang="en-US" dirty="0">
+              <a:solidFill>
+                <a:srgbClr val="404040"/>
+              </a:solidFill>
+            </a:endParaRPr>
+          </a:p>
+          <a:p>
+            <a:pPr marL="342900" indent="-342900">
+              <a:buFont typeface="Arial" panose="020B0604020202020204" pitchFamily="34" charset="0"/>
+              <a:buChar char="•"/>
+            </a:pPr>
+            <a:endParaRPr lang="en-US" dirty="0">
+              <a:solidFill>
+                <a:srgbClr val="404040"/>
+              </a:solidFill>
+            </a:endParaRPr>
+          </a:p>
+          <a:p>
+            <a:pPr marL="342900" indent="-342900">
+              <a:buFont typeface="Arial" panose="020B0604020202020204" pitchFamily="34" charset="0"/>
+              <a:buChar char="•"/>
+            </a:pPr>
+            <a:endParaRPr lang="en-US" dirty="0">
+              <a:solidFill>
+                <a:srgbClr val="404040"/>
+              </a:solidFill>
+            </a:endParaRPr>
+          </a:p>
+          <a:p>
+            <a:pPr marL="342900" indent="-342900">
               <a:buFont typeface="Arial" panose="020B0604020202020204" pitchFamily="34" charset="0"/>
               <a:buChar char="•"/>
             </a:pPr>
@@ -8728,7 +8833,7 @@
                   <a:srgbClr val="404040"/>
                 </a:solidFill>
               </a:rPr>
-              <a:t>Download Analysis 2 Zip Folder</a:t>
+              <a:t>Notes on Inner Join</a:t>
             </a:r>
           </a:p>
           <a:p>
@@ -8742,7 +8847,7 @@
                   <a:srgbClr val="404040"/>
                 </a:solidFill>
               </a:rPr>
-              <a:t>Unzip Folder</a:t>
+              <a:t>Generally Inappropriate</a:t>
             </a:r>
           </a:p>
           <a:p>
@@ -8756,146 +8861,158 @@
                   <a:srgbClr val="404040"/>
                 </a:solidFill>
               </a:rPr>
-              <a:t>Open Analysis 2 </a:t>
-            </a:r>
-            <a:r>
-              <a:rPr lang="en-US" dirty="0" err="1">
-                <a:solidFill>
-                  <a:srgbClr val="404040"/>
-                </a:solidFill>
-              </a:rPr>
-              <a:t>Rmd</a:t>
-            </a:r>
-            <a:r>
-              <a:rPr lang="en-US" dirty="0">
-                <a:solidFill>
-                  <a:srgbClr val="404040"/>
-                </a:solidFill>
-              </a:rPr>
-              <a:t> File</a:t>
-            </a:r>
-          </a:p>
-          <a:p>
-            <a:pPr marL="800100" lvl="1" indent="-342900">
-              <a:buFont typeface="Arial" panose="020B0604020202020204" pitchFamily="34" charset="0"/>
-              <a:buChar char="•"/>
-            </a:pPr>
-            <a:r>
-              <a:rPr lang="en-US" dirty="0">
-                <a:solidFill>
-                  <a:srgbClr val="404040"/>
-                </a:solidFill>
-              </a:rPr>
-              <a:t>Knit to HTML</a:t>
-            </a:r>
-          </a:p>
-          <a:p>
-            <a:pPr marL="800100" lvl="1" indent="-342900">
-              <a:buFont typeface="Arial" panose="020B0604020202020204" pitchFamily="34" charset="0"/>
-              <a:buChar char="•"/>
-            </a:pPr>
-            <a:r>
-              <a:rPr lang="en-US" dirty="0">
-                <a:solidFill>
-                  <a:srgbClr val="404040"/>
-                </a:solidFill>
-              </a:rPr>
-              <a:t>Read Introduction</a:t>
-            </a:r>
-          </a:p>
-          <a:p>
-            <a:pPr marL="800100" lvl="1" indent="-342900">
-              <a:buFont typeface="Arial" panose="020B0604020202020204" pitchFamily="34" charset="0"/>
-              <a:buChar char="•"/>
-            </a:pPr>
-            <a:endParaRPr lang="en-US" dirty="0">
-              <a:solidFill>
-                <a:srgbClr val="404040"/>
-              </a:solidFill>
-            </a:endParaRPr>
-          </a:p>
-          <a:p>
-            <a:pPr marL="342900" indent="-342900">
-              <a:buFont typeface="Arial" panose="020B0604020202020204" pitchFamily="34" charset="0"/>
-              <a:buChar char="•"/>
-            </a:pPr>
-            <a:r>
-              <a:rPr lang="en-US" dirty="0">
-                <a:solidFill>
-                  <a:srgbClr val="404040"/>
-                </a:solidFill>
-              </a:rPr>
-              <a:t>Three Part Assignment</a:t>
-            </a:r>
-          </a:p>
-          <a:p>
-            <a:pPr marL="800100" lvl="1" indent="-342900">
-              <a:buFont typeface="Arial" panose="020B0604020202020204" pitchFamily="34" charset="0"/>
-              <a:buChar char="•"/>
-            </a:pPr>
-            <a:r>
-              <a:rPr lang="en-US" dirty="0">
-                <a:solidFill>
-                  <a:srgbClr val="404040"/>
-                </a:solidFill>
-              </a:rPr>
-              <a:t>Each Part Self-Contained</a:t>
-            </a:r>
-          </a:p>
-          <a:p>
-            <a:pPr marL="800100" lvl="1" indent="-342900">
-              <a:buFont typeface="Arial" panose="020B0604020202020204" pitchFamily="34" charset="0"/>
-              <a:buChar char="•"/>
-            </a:pPr>
-            <a:r>
-              <a:rPr lang="en-US" dirty="0">
-                <a:solidFill>
-                  <a:srgbClr val="404040"/>
-                </a:solidFill>
-              </a:rPr>
-              <a:t>Part 1: Gather/Spread</a:t>
-            </a:r>
-          </a:p>
-          <a:p>
-            <a:pPr marL="800100" lvl="1" indent="-342900">
-              <a:buFont typeface="Arial" panose="020B0604020202020204" pitchFamily="34" charset="0"/>
-              <a:buChar char="•"/>
-            </a:pPr>
-            <a:r>
-              <a:rPr lang="en-US" dirty="0">
-                <a:solidFill>
-                  <a:srgbClr val="404040"/>
-                </a:solidFill>
-              </a:rPr>
-              <a:t>Part 2: Joins</a:t>
-            </a:r>
-          </a:p>
-          <a:p>
-            <a:pPr marL="800100" lvl="1" indent="-342900">
-              <a:buFont typeface="Arial" panose="020B0604020202020204" pitchFamily="34" charset="0"/>
-              <a:buChar char="•"/>
-            </a:pPr>
-            <a:r>
-              <a:rPr lang="en-US" dirty="0">
-                <a:solidFill>
-                  <a:srgbClr val="404040"/>
-                </a:solidFill>
-              </a:rPr>
-              <a:t>Part 3: </a:t>
-            </a:r>
-            <a:r>
-              <a:rPr lang="en-US" dirty="0" err="1">
-                <a:solidFill>
-                  <a:srgbClr val="404040"/>
-                </a:solidFill>
-              </a:rPr>
-              <a:t>Webscraping</a:t>
-            </a:r>
-            <a:endParaRPr lang="en-US" dirty="0">
-              <a:solidFill>
-                <a:srgbClr val="404040"/>
-              </a:solidFill>
-            </a:endParaRPr>
+              <a:t>Easy to Lose Observations</a:t>
+            </a:r>
+          </a:p>
+        </p:txBody>
+      </p:sp>
+      <p:pic>
+        <p:nvPicPr>
+          <p:cNvPr id="3" name="Picture 2">
+            <a:extLst>
+              <a:ext uri="{FF2B5EF4-FFF2-40B4-BE49-F238E27FC236}">
+                <a16:creationId xmlns:a16="http://schemas.microsoft.com/office/drawing/2014/main" id="{DF450530-0C9F-43BC-9576-A29CBE64F944}"/>
+              </a:ext>
+            </a:extLst>
+          </p:cNvPr>
+          <p:cNvPicPr>
+            <a:picLocks noChangeAspect="1"/>
+          </p:cNvPicPr>
+          <p:nvPr/>
+        </p:nvPicPr>
+        <p:blipFill>
+          <a:blip r:embed="rId4"/>
+          <a:stretch>
+            <a:fillRect/>
+          </a:stretch>
+        </p:blipFill>
+        <p:spPr>
+          <a:xfrm>
+            <a:off x="5453062" y="1245982"/>
+            <a:ext cx="2047875" cy="1152525"/>
+          </a:xfrm>
+          <a:prstGeom prst="rect">
+            <a:avLst/>
+          </a:prstGeom>
+          <a:ln>
+            <a:solidFill>
+              <a:srgbClr val="404040"/>
+            </a:solidFill>
+          </a:ln>
+        </p:spPr>
+        <p:style>
+          <a:lnRef idx="2">
+            <a:schemeClr val="dk1"/>
+          </a:lnRef>
+          <a:fillRef idx="1">
+            <a:schemeClr val="lt1"/>
+          </a:fillRef>
+          <a:effectRef idx="0">
+            <a:schemeClr val="dk1"/>
+          </a:effectRef>
+          <a:fontRef idx="minor">
+            <a:schemeClr val="dk1"/>
+          </a:fontRef>
+        </p:style>
+      </p:pic>
+      <p:pic>
+        <p:nvPicPr>
+          <p:cNvPr id="4" name="Picture 3">
+            <a:extLst>
+              <a:ext uri="{FF2B5EF4-FFF2-40B4-BE49-F238E27FC236}">
+                <a16:creationId xmlns:a16="http://schemas.microsoft.com/office/drawing/2014/main" id="{0C03F809-9A33-4603-9396-287936290BA2}"/>
+              </a:ext>
+            </a:extLst>
+          </p:cNvPr>
+          <p:cNvPicPr>
+            <a:picLocks noChangeAspect="1"/>
+          </p:cNvPicPr>
+          <p:nvPr/>
+        </p:nvPicPr>
+        <p:blipFill>
+          <a:blip r:embed="rId5"/>
+          <a:stretch>
+            <a:fillRect/>
+          </a:stretch>
+        </p:blipFill>
+        <p:spPr>
+          <a:xfrm>
+            <a:off x="4810124" y="3200400"/>
+            <a:ext cx="3333750" cy="1371600"/>
+          </a:xfrm>
+          <a:prstGeom prst="rect">
+            <a:avLst/>
+          </a:prstGeom>
+          <a:ln>
+            <a:solidFill>
+              <a:srgbClr val="404040"/>
+            </a:solidFill>
+          </a:ln>
+        </p:spPr>
+        <p:style>
+          <a:lnRef idx="2">
+            <a:schemeClr val="dk1"/>
+          </a:lnRef>
+          <a:fillRef idx="1">
+            <a:schemeClr val="lt1"/>
+          </a:fillRef>
+          <a:effectRef idx="0">
+            <a:schemeClr val="dk1"/>
+          </a:effectRef>
+          <a:fontRef idx="minor">
+            <a:schemeClr val="dk1"/>
+          </a:fontRef>
+        </p:style>
+      </p:pic>
+      <p:sp>
+        <p:nvSpPr>
+          <p:cNvPr id="5" name="Arrow: Down 4">
+            <a:extLst>
+              <a:ext uri="{FF2B5EF4-FFF2-40B4-BE49-F238E27FC236}">
+                <a16:creationId xmlns:a16="http://schemas.microsoft.com/office/drawing/2014/main" id="{1FD0E388-0B28-480F-B8A2-CD6978D617A3}"/>
+              </a:ext>
+            </a:extLst>
+          </p:cNvPr>
+          <p:cNvSpPr/>
+          <p:nvPr/>
+        </p:nvSpPr>
+        <p:spPr>
+          <a:xfrm>
+            <a:off x="6248399" y="2514600"/>
+            <a:ext cx="457200" cy="533400"/>
+          </a:xfrm>
+          <a:prstGeom prst="downArrow">
+            <a:avLst/>
+          </a:prstGeom>
+          <a:solidFill>
+            <a:srgbClr val="404040"/>
+          </a:solidFill>
+          <a:ln>
+            <a:solidFill>
+              <a:srgbClr val="404040"/>
+            </a:solidFill>
+          </a:ln>
+        </p:spPr>
+        <p:style>
+          <a:lnRef idx="2">
+            <a:schemeClr val="dk1"/>
+          </a:lnRef>
+          <a:fillRef idx="1">
+            <a:schemeClr val="lt1"/>
+          </a:fillRef>
+          <a:effectRef idx="0">
+            <a:schemeClr val="dk1"/>
+          </a:effectRef>
+          <a:fontRef idx="minor">
+            <a:schemeClr val="dk1"/>
+          </a:fontRef>
+        </p:style>
+        <p:txBody>
+          <a:bodyPr rtlCol="0" anchor="ctr"/>
+          <a:lstStyle/>
+          <a:p>
+            <a:pPr algn="ctr"/>
+            <a:endParaRPr lang="en-US"/>
           </a:p>
         </p:txBody>
       </p:sp>
@@ -8905,7 +9022,7 @@
     </p:custDataLst>
     <p:extLst>
       <p:ext uri="{BB962C8B-B14F-4D97-AF65-F5344CB8AC3E}">
-        <p14:creationId xmlns:p14="http://schemas.microsoft.com/office/powerpoint/2010/main" val="2811406856"/>
+        <p14:creationId xmlns:p14="http://schemas.microsoft.com/office/powerpoint/2010/main" val="2987687305"/>
       </p:ext>
     </p:extLst>
   </p:cSld>
@@ -9069,16 +9186,23 @@
               </a:lnSpc>
             </a:pPr>
             <a:r>
-              <a:rPr lang="en-US" sz="2400" kern="1200" dirty="0">
+              <a:rPr lang="en-US" sz="2400" dirty="0">
                 <a:solidFill>
                   <a:schemeClr val="bg1"/>
                 </a:solidFill>
-                <a:latin typeface="+mj-lt"/>
                 <a:ea typeface="+mj-ea"/>
                 <a:cs typeface="+mj-cs"/>
               </a:rPr>
-              <a:t>Part 1: Cholesterol</a:t>
-            </a:r>
+              <a:t>Graphical Depiction</a:t>
+            </a:r>
+            <a:endParaRPr lang="en-US" sz="2400" kern="1200" dirty="0">
+              <a:solidFill>
+                <a:schemeClr val="bg1"/>
+              </a:solidFill>
+              <a:latin typeface="+mj-lt"/>
+              <a:ea typeface="+mj-ea"/>
+              <a:cs typeface="+mj-cs"/>
+            </a:endParaRPr>
           </a:p>
         </p:txBody>
       </p:sp>
@@ -9114,10 +9238,10 @@
       </p:pic>
       <p:sp>
         <p:nvSpPr>
-          <p:cNvPr id="7" name="TextBox 6">
+          <p:cNvPr id="6" name="TextBox 5">
             <a:extLst>
               <a:ext uri="{FF2B5EF4-FFF2-40B4-BE49-F238E27FC236}">
-                <a16:creationId xmlns:a16="http://schemas.microsoft.com/office/drawing/2014/main" id="{313C0D66-7964-4225-8C79-22268E7FE93F}"/>
+                <a16:creationId xmlns:a16="http://schemas.microsoft.com/office/drawing/2014/main" id="{E58EF064-51FF-48A9-8810-E84BE6F6F09D}"/>
               </a:ext>
             </a:extLst>
           </p:cNvPr>
@@ -9127,7 +9251,7 @@
         <p:spPr>
           <a:xfrm>
             <a:off x="3810000" y="621916"/>
-            <a:ext cx="5029200" cy="6001643"/>
+            <a:ext cx="5334000" cy="1200329"/>
           </a:xfrm>
           <a:prstGeom prst="rect">
             <a:avLst/>
@@ -9150,39 +9274,11 @@
                   <a:srgbClr val="404040"/>
                 </a:solidFill>
               </a:rPr>
-              <a:t>Closely Examine Datasets</a:t>
-            </a:r>
-          </a:p>
-          <a:p>
-            <a:pPr marL="800100" lvl="1" indent="-342900">
-              <a:buFont typeface="Arial" panose="020B0604020202020204" pitchFamily="34" charset="0"/>
-              <a:buChar char="•"/>
-            </a:pPr>
-            <a:r>
-              <a:rPr lang="en-US" dirty="0">
-                <a:solidFill>
-                  <a:srgbClr val="404040"/>
-                </a:solidFill>
-              </a:rPr>
-              <a:t>Cholesterol</a:t>
-            </a:r>
-          </a:p>
-          <a:p>
-            <a:pPr marL="800100" lvl="1" indent="-342900">
-              <a:buFont typeface="Arial" panose="020B0604020202020204" pitchFamily="34" charset="0"/>
-              <a:buChar char="•"/>
-            </a:pPr>
-            <a:r>
-              <a:rPr lang="en-US" dirty="0">
-                <a:solidFill>
-                  <a:srgbClr val="404040"/>
-                </a:solidFill>
-              </a:rPr>
-              <a:t>Cholesterol2</a:t>
-            </a:r>
-          </a:p>
-          <a:p>
-            <a:pPr marL="800100" lvl="1" indent="-342900">
+              <a:t>Outer Join</a:t>
+            </a:r>
+          </a:p>
+          <a:p>
+            <a:pPr marL="342900" indent="-342900">
               <a:buFont typeface="Arial" panose="020B0604020202020204" pitchFamily="34" charset="0"/>
               <a:buChar char="•"/>
             </a:pPr>
@@ -9197,116 +9293,171 @@
               <a:buFont typeface="Arial" panose="020B0604020202020204" pitchFamily="34" charset="0"/>
               <a:buChar char="•"/>
             </a:pPr>
-            <a:r>
-              <a:rPr lang="en-US" dirty="0">
-                <a:solidFill>
-                  <a:srgbClr val="404040"/>
-                </a:solidFill>
-              </a:rPr>
-              <a:t>Goals</a:t>
-            </a:r>
-          </a:p>
-          <a:p>
-            <a:pPr marL="800100" lvl="1" indent="-342900">
-              <a:buFont typeface="Arial" panose="020B0604020202020204" pitchFamily="34" charset="0"/>
-              <a:buChar char="•"/>
-            </a:pPr>
-            <a:r>
-              <a:rPr lang="en-US" dirty="0">
-                <a:solidFill>
-                  <a:srgbClr val="404040"/>
-                </a:solidFill>
-              </a:rPr>
-              <a:t>Clean Datasets Separately</a:t>
-            </a:r>
-          </a:p>
-          <a:p>
-            <a:pPr marL="800100" lvl="1" indent="-342900">
-              <a:buFont typeface="Arial" panose="020B0604020202020204" pitchFamily="34" charset="0"/>
-              <a:buChar char="•"/>
-            </a:pPr>
-            <a:r>
-              <a:rPr lang="en-US" dirty="0">
-                <a:solidFill>
-                  <a:srgbClr val="404040"/>
-                </a:solidFill>
-              </a:rPr>
-              <a:t>Merge According to According to Brand</a:t>
-            </a:r>
-          </a:p>
-          <a:p>
-            <a:pPr marL="800100" lvl="1" indent="-342900">
-              <a:buFont typeface="Arial" panose="020B0604020202020204" pitchFamily="34" charset="0"/>
-              <a:buChar char="•"/>
-            </a:pPr>
             <a:endParaRPr lang="en-US" dirty="0">
               <a:solidFill>
                 <a:srgbClr val="404040"/>
               </a:solidFill>
             </a:endParaRPr>
           </a:p>
-          <a:p>
-            <a:pPr marL="342900" indent="-342900">
-              <a:buFont typeface="Arial" panose="020B0604020202020204" pitchFamily="34" charset="0"/>
-              <a:buChar char="•"/>
-            </a:pPr>
-            <a:r>
-              <a:rPr lang="en-US" dirty="0">
-                <a:solidFill>
-                  <a:srgbClr val="404040"/>
-                </a:solidFill>
-              </a:rPr>
-              <a:t>Things to Consider</a:t>
-            </a:r>
-          </a:p>
-          <a:p>
-            <a:pPr marL="800100" lvl="1" indent="-342900">
-              <a:buFont typeface="Arial" panose="020B0604020202020204" pitchFamily="34" charset="0"/>
-              <a:buChar char="•"/>
-            </a:pPr>
-            <a:r>
-              <a:rPr lang="en-US" dirty="0">
-                <a:solidFill>
-                  <a:srgbClr val="404040"/>
-                </a:solidFill>
-              </a:rPr>
-              <a:t>Experimental Dataset is the “Main” Dataset</a:t>
-            </a:r>
-          </a:p>
-          <a:p>
-            <a:pPr marL="800100" lvl="1" indent="-342900">
-              <a:buFont typeface="Arial" panose="020B0604020202020204" pitchFamily="34" charset="0"/>
-              <a:buChar char="•"/>
-            </a:pPr>
-            <a:r>
-              <a:rPr lang="en-US" dirty="0">
-                <a:solidFill>
-                  <a:srgbClr val="404040"/>
-                </a:solidFill>
-              </a:rPr>
-              <a:t>Requires Knowledge of How to Merge When Variable Names are Different</a:t>
-            </a:r>
-          </a:p>
-          <a:p>
-            <a:pPr marL="800100" lvl="1" indent="-342900">
-              <a:buFont typeface="Arial" panose="020B0604020202020204" pitchFamily="34" charset="0"/>
-              <a:buChar char="•"/>
-            </a:pPr>
-            <a:endParaRPr lang="en-US" dirty="0">
-              <a:solidFill>
-                <a:srgbClr val="404040"/>
-              </a:solidFill>
-            </a:endParaRPr>
-          </a:p>
-        </p:txBody>
-      </p:sp>
+        </p:txBody>
+      </p:sp>
+      <p:pic>
+        <p:nvPicPr>
+          <p:cNvPr id="3" name="Picture 2">
+            <a:extLst>
+              <a:ext uri="{FF2B5EF4-FFF2-40B4-BE49-F238E27FC236}">
+                <a16:creationId xmlns:a16="http://schemas.microsoft.com/office/drawing/2014/main" id="{DF450530-0C9F-43BC-9576-A29CBE64F944}"/>
+              </a:ext>
+            </a:extLst>
+          </p:cNvPr>
+          <p:cNvPicPr>
+            <a:picLocks noChangeAspect="1"/>
+          </p:cNvPicPr>
+          <p:nvPr/>
+        </p:nvPicPr>
+        <p:blipFill>
+          <a:blip r:embed="rId4"/>
+          <a:stretch>
+            <a:fillRect/>
+          </a:stretch>
+        </p:blipFill>
+        <p:spPr>
+          <a:xfrm>
+            <a:off x="5453062" y="1245982"/>
+            <a:ext cx="2047875" cy="1152525"/>
+          </a:xfrm>
+          <a:prstGeom prst="rect">
+            <a:avLst/>
+          </a:prstGeom>
+          <a:ln>
+            <a:solidFill>
+              <a:srgbClr val="404040"/>
+            </a:solidFill>
+          </a:ln>
+        </p:spPr>
+        <p:style>
+          <a:lnRef idx="2">
+            <a:schemeClr val="dk1"/>
+          </a:lnRef>
+          <a:fillRef idx="1">
+            <a:schemeClr val="lt1"/>
+          </a:fillRef>
+          <a:effectRef idx="0">
+            <a:schemeClr val="dk1"/>
+          </a:effectRef>
+          <a:fontRef idx="minor">
+            <a:schemeClr val="dk1"/>
+          </a:fontRef>
+        </p:style>
+      </p:pic>
+      <p:sp>
+        <p:nvSpPr>
+          <p:cNvPr id="5" name="Arrow: Down 4">
+            <a:extLst>
+              <a:ext uri="{FF2B5EF4-FFF2-40B4-BE49-F238E27FC236}">
+                <a16:creationId xmlns:a16="http://schemas.microsoft.com/office/drawing/2014/main" id="{1FD0E388-0B28-480F-B8A2-CD6978D617A3}"/>
+              </a:ext>
+            </a:extLst>
+          </p:cNvPr>
+          <p:cNvSpPr/>
+          <p:nvPr/>
+        </p:nvSpPr>
+        <p:spPr>
+          <a:xfrm>
+            <a:off x="6248399" y="2514600"/>
+            <a:ext cx="457200" cy="533400"/>
+          </a:xfrm>
+          <a:prstGeom prst="downArrow">
+            <a:avLst/>
+          </a:prstGeom>
+          <a:solidFill>
+            <a:srgbClr val="404040"/>
+          </a:solidFill>
+          <a:ln>
+            <a:solidFill>
+              <a:srgbClr val="404040"/>
+            </a:solidFill>
+          </a:ln>
+        </p:spPr>
+        <p:style>
+          <a:lnRef idx="2">
+            <a:schemeClr val="dk1"/>
+          </a:lnRef>
+          <a:fillRef idx="1">
+            <a:schemeClr val="lt1"/>
+          </a:fillRef>
+          <a:effectRef idx="0">
+            <a:schemeClr val="dk1"/>
+          </a:effectRef>
+          <a:fontRef idx="minor">
+            <a:schemeClr val="dk1"/>
+          </a:fontRef>
+        </p:style>
+        <p:txBody>
+          <a:bodyPr rtlCol="0" anchor="ctr"/>
+          <a:lstStyle/>
+          <a:p>
+            <a:pPr algn="ctr"/>
+            <a:endParaRPr lang="en-US"/>
+          </a:p>
+        </p:txBody>
+      </p:sp>
+      <p:pic>
+        <p:nvPicPr>
+          <p:cNvPr id="7" name="Picture 6">
+            <a:extLst>
+              <a:ext uri="{FF2B5EF4-FFF2-40B4-BE49-F238E27FC236}">
+                <a16:creationId xmlns:a16="http://schemas.microsoft.com/office/drawing/2014/main" id="{BAD59DB2-05CC-4807-995B-AE56E818EC33}"/>
+              </a:ext>
+            </a:extLst>
+          </p:cNvPr>
+          <p:cNvPicPr>
+            <a:picLocks noChangeAspect="1"/>
+          </p:cNvPicPr>
+          <p:nvPr/>
+        </p:nvPicPr>
+        <p:blipFill>
+          <a:blip r:embed="rId5"/>
+          <a:stretch>
+            <a:fillRect/>
+          </a:stretch>
+        </p:blipFill>
+        <p:spPr>
+          <a:xfrm>
+            <a:off x="5181600" y="3191215"/>
+            <a:ext cx="2581275" cy="3589703"/>
+          </a:xfrm>
+          <a:prstGeom prst="rect">
+            <a:avLst/>
+          </a:prstGeom>
+          <a:ln>
+            <a:solidFill>
+              <a:srgbClr val="404040"/>
+            </a:solidFill>
+          </a:ln>
+        </p:spPr>
+        <p:style>
+          <a:lnRef idx="2">
+            <a:schemeClr val="dk1"/>
+          </a:lnRef>
+          <a:fillRef idx="1">
+            <a:schemeClr val="lt1"/>
+          </a:fillRef>
+          <a:effectRef idx="0">
+            <a:schemeClr val="dk1"/>
+          </a:effectRef>
+          <a:fontRef idx="minor">
+            <a:schemeClr val="dk1"/>
+          </a:fontRef>
+        </p:style>
+      </p:pic>
     </p:spTree>
     <p:custDataLst>
       <p:tags r:id="rId1"/>
     </p:custDataLst>
     <p:extLst>
       <p:ext uri="{BB962C8B-B14F-4D97-AF65-F5344CB8AC3E}">
-        <p14:creationId xmlns:p14="http://schemas.microsoft.com/office/powerpoint/2010/main" val="2493366720"/>
+        <p14:creationId xmlns:p14="http://schemas.microsoft.com/office/powerpoint/2010/main" val="993943139"/>
       </p:ext>
     </p:extLst>
   </p:cSld>
@@ -9470,16 +9621,23 @@
               </a:lnSpc>
             </a:pPr>
             <a:r>
-              <a:rPr lang="en-US" sz="2400" kern="1200" dirty="0">
+              <a:rPr lang="en-US" sz="2400" dirty="0">
                 <a:solidFill>
                   <a:schemeClr val="bg1"/>
                 </a:solidFill>
-                <a:latin typeface="+mj-lt"/>
                 <a:ea typeface="+mj-ea"/>
                 <a:cs typeface="+mj-cs"/>
               </a:rPr>
-              <a:t>Part 2: Crimes</a:t>
-            </a:r>
+              <a:t>Graphical Depiction</a:t>
+            </a:r>
+            <a:endParaRPr lang="en-US" sz="2400" kern="1200" dirty="0">
+              <a:solidFill>
+                <a:schemeClr val="bg1"/>
+              </a:solidFill>
+              <a:latin typeface="+mj-lt"/>
+              <a:ea typeface="+mj-ea"/>
+              <a:cs typeface="+mj-cs"/>
+            </a:endParaRPr>
           </a:p>
         </p:txBody>
       </p:sp>
@@ -9515,10 +9673,10 @@
       </p:pic>
       <p:sp>
         <p:nvSpPr>
-          <p:cNvPr id="7" name="TextBox 6">
+          <p:cNvPr id="6" name="TextBox 5">
             <a:extLst>
               <a:ext uri="{FF2B5EF4-FFF2-40B4-BE49-F238E27FC236}">
-                <a16:creationId xmlns:a16="http://schemas.microsoft.com/office/drawing/2014/main" id="{313C0D66-7964-4225-8C79-22268E7FE93F}"/>
+                <a16:creationId xmlns:a16="http://schemas.microsoft.com/office/drawing/2014/main" id="{E58EF064-51FF-48A9-8810-E84BE6F6F09D}"/>
               </a:ext>
             </a:extLst>
           </p:cNvPr>
@@ -9528,7 +9686,7 @@
         <p:spPr>
           <a:xfrm>
             <a:off x="3810000" y="621916"/>
-            <a:ext cx="5257800" cy="5632311"/>
+            <a:ext cx="5334000" cy="4893647"/>
           </a:xfrm>
           <a:prstGeom prst="rect">
             <a:avLst/>
@@ -9551,8 +9709,19 @@
                   <a:srgbClr val="404040"/>
                 </a:solidFill>
               </a:rPr>
-              <a:t>Goals</a:t>
-            </a:r>
+              <a:t>Duplicate Keys</a:t>
+            </a:r>
+          </a:p>
+          <a:p>
+            <a:pPr marL="800100" lvl="1" indent="-342900">
+              <a:buFont typeface="Arial" panose="020B0604020202020204" pitchFamily="34" charset="0"/>
+              <a:buChar char="•"/>
+            </a:pPr>
+            <a:endParaRPr lang="en-US" dirty="0">
+              <a:solidFill>
+                <a:srgbClr val="404040"/>
+              </a:solidFill>
+            </a:endParaRPr>
           </a:p>
           <a:p>
             <a:pPr marL="800100" lvl="1" indent="-342900">
@@ -9565,8 +9734,19 @@
                   <a:srgbClr val="404040"/>
                 </a:solidFill>
               </a:rPr>
-              <a:t>Attention to Detail</a:t>
-            </a:r>
+              <a:t>Using Left Join</a:t>
+            </a:r>
+          </a:p>
+          <a:p>
+            <a:pPr marL="800100" lvl="1" indent="-342900">
+              <a:buFont typeface="Arial" panose="020B0604020202020204" pitchFamily="34" charset="0"/>
+              <a:buChar char="•"/>
+            </a:pPr>
+            <a:endParaRPr lang="en-US" dirty="0">
+              <a:solidFill>
+                <a:srgbClr val="404040"/>
+              </a:solidFill>
+            </a:endParaRPr>
           </a:p>
           <a:p>
             <a:pPr marL="800100" lvl="1" indent="-342900">
@@ -9579,8 +9759,60 @@
                   <a:srgbClr val="404040"/>
                 </a:solidFill>
               </a:rPr>
-              <a:t>Merge All 5 Datasets</a:t>
-            </a:r>
+              <a:t>One Table Has Duplicates</a:t>
+            </a:r>
+          </a:p>
+          <a:p>
+            <a:pPr marL="800100" lvl="1" indent="-342900">
+              <a:buFont typeface="Arial" panose="020B0604020202020204" pitchFamily="34" charset="0"/>
+              <a:buChar char="•"/>
+            </a:pPr>
+            <a:endParaRPr lang="en-US" dirty="0">
+              <a:solidFill>
+                <a:srgbClr val="404040"/>
+              </a:solidFill>
+            </a:endParaRPr>
+          </a:p>
+          <a:p>
+            <a:pPr marL="800100" lvl="1" indent="-342900">
+              <a:buFont typeface="Arial" panose="020B0604020202020204" pitchFamily="34" charset="0"/>
+              <a:buChar char="•"/>
+            </a:pPr>
+            <a:endParaRPr lang="en-US" dirty="0">
+              <a:solidFill>
+                <a:srgbClr val="404040"/>
+              </a:solidFill>
+            </a:endParaRPr>
+          </a:p>
+          <a:p>
+            <a:pPr marL="800100" lvl="1" indent="-342900">
+              <a:buFont typeface="Arial" panose="020B0604020202020204" pitchFamily="34" charset="0"/>
+              <a:buChar char="•"/>
+            </a:pPr>
+            <a:endParaRPr lang="en-US" dirty="0">
+              <a:solidFill>
+                <a:srgbClr val="404040"/>
+              </a:solidFill>
+            </a:endParaRPr>
+          </a:p>
+          <a:p>
+            <a:pPr marL="800100" lvl="1" indent="-342900">
+              <a:buFont typeface="Arial" panose="020B0604020202020204" pitchFamily="34" charset="0"/>
+              <a:buChar char="•"/>
+            </a:pPr>
+            <a:endParaRPr lang="en-US" dirty="0">
+              <a:solidFill>
+                <a:srgbClr val="404040"/>
+              </a:solidFill>
+            </a:endParaRPr>
+          </a:p>
+          <a:p>
+            <a:pPr lvl="1"/>
+            <a:endParaRPr lang="en-US" dirty="0">
+              <a:solidFill>
+                <a:srgbClr val="404040"/>
+              </a:solidFill>
+            </a:endParaRPr>
           </a:p>
           <a:p>
             <a:pPr marL="800100" lvl="1" indent="-342900">
@@ -9593,11 +9825,11 @@
                   <a:srgbClr val="404040"/>
                 </a:solidFill>
               </a:rPr>
-              <a:t>Practice with the Practical</a:t>
-            </a:r>
-          </a:p>
-          <a:p>
-            <a:pPr marL="800100" lvl="1" indent="-342900">
+              <a:t>Both Tables Have Duplicates</a:t>
+            </a:r>
+          </a:p>
+          <a:p>
+            <a:pPr marL="342900" indent="-342900">
               <a:buFont typeface="Arial" panose="020B0604020202020204" pitchFamily="34" charset="0"/>
               <a:buChar char="•"/>
             </a:pPr>
@@ -9612,159 +9844,119 @@
               <a:buFont typeface="Arial" panose="020B0604020202020204" pitchFamily="34" charset="0"/>
               <a:buChar char="•"/>
             </a:pPr>
-            <a:r>
-              <a:rPr lang="en-US" dirty="0">
-                <a:solidFill>
-                  <a:srgbClr val="404040"/>
-                </a:solidFill>
-              </a:rPr>
-              <a:t>Things to Consider</a:t>
-            </a:r>
-          </a:p>
-          <a:p>
-            <a:pPr marL="800100" lvl="1" indent="-342900">
-              <a:buFont typeface="Arial" panose="020B0604020202020204" pitchFamily="34" charset="0"/>
-              <a:buChar char="•"/>
-            </a:pPr>
-            <a:r>
-              <a:rPr lang="en-US" dirty="0">
-                <a:solidFill>
-                  <a:srgbClr val="404040"/>
-                </a:solidFill>
-              </a:rPr>
-              <a:t>Violent Crimes Data is the “Main” Dataset</a:t>
-            </a:r>
-          </a:p>
-          <a:p>
-            <a:pPr marL="800100" lvl="1" indent="-342900">
-              <a:buFont typeface="Arial" panose="020B0604020202020204" pitchFamily="34" charset="0"/>
-              <a:buChar char="•"/>
-            </a:pPr>
-            <a:r>
-              <a:rPr lang="en-US" dirty="0">
-                <a:solidFill>
-                  <a:srgbClr val="404040"/>
-                </a:solidFill>
-              </a:rPr>
-              <a:t>Only Want Information for States Not Classified as Safe or Dangerous</a:t>
-            </a:r>
-          </a:p>
-          <a:p>
-            <a:pPr marL="800100" lvl="1" indent="-342900">
-              <a:buFont typeface="Arial" panose="020B0604020202020204" pitchFamily="34" charset="0"/>
-              <a:buChar char="•"/>
-            </a:pPr>
-            <a:r>
-              <a:rPr lang="en-US" dirty="0">
-                <a:solidFill>
-                  <a:srgbClr val="404040"/>
-                </a:solidFill>
-              </a:rPr>
-              <a:t>Requires Cleaning</a:t>
-            </a:r>
-          </a:p>
-          <a:p>
-            <a:pPr marL="800100" lvl="1" indent="-342900">
-              <a:buFont typeface="Arial" panose="020B0604020202020204" pitchFamily="34" charset="0"/>
-              <a:buChar char="•"/>
-            </a:pPr>
             <a:endParaRPr lang="en-US" dirty="0">
               <a:solidFill>
                 <a:srgbClr val="404040"/>
               </a:solidFill>
             </a:endParaRPr>
           </a:p>
-          <a:p>
-            <a:pPr marL="800100" lvl="1" indent="-342900">
-              <a:buFont typeface="Arial" panose="020B0604020202020204" pitchFamily="34" charset="0"/>
-              <a:buChar char="•"/>
-            </a:pPr>
-            <a:endParaRPr lang="en-US" dirty="0">
-              <a:solidFill>
-                <a:srgbClr val="404040"/>
-              </a:solidFill>
-            </a:endParaRPr>
-          </a:p>
-          <a:p>
-            <a:pPr marL="800100" lvl="1" indent="-342900">
-              <a:buFont typeface="Arial" panose="020B0604020202020204" pitchFamily="34" charset="0"/>
-              <a:buChar char="•"/>
-            </a:pPr>
-            <a:r>
-              <a:rPr lang="en-US" dirty="0">
-                <a:solidFill>
-                  <a:srgbClr val="404040"/>
-                </a:solidFill>
-              </a:rPr>
-              <a:t>Repeatedly Use View Function</a:t>
-            </a:r>
-          </a:p>
-        </p:txBody>
-      </p:sp>
-      <p:sp>
-        <p:nvSpPr>
-          <p:cNvPr id="3" name="TextBox 2">
+        </p:txBody>
+      </p:sp>
+      <p:pic>
+        <p:nvPicPr>
+          <p:cNvPr id="4" name="Picture 3">
             <a:extLst>
               <a:ext uri="{FF2B5EF4-FFF2-40B4-BE49-F238E27FC236}">
-                <a16:creationId xmlns:a16="http://schemas.microsoft.com/office/drawing/2014/main" id="{B938B2BA-5484-43E4-A4C5-F6E6E302B4E9}"/>
+                <a16:creationId xmlns:a16="http://schemas.microsoft.com/office/drawing/2014/main" id="{B1B4DB49-6A84-414E-871B-9DB8DEA4DE88}"/>
               </a:ext>
             </a:extLst>
           </p:cNvPr>
-          <p:cNvSpPr txBox="1"/>
+          <p:cNvPicPr>
+            <a:picLocks noChangeAspect="1"/>
+          </p:cNvPicPr>
           <p:nvPr/>
-        </p:nvSpPr>
+        </p:nvPicPr>
+        <p:blipFill>
+          <a:blip r:embed="rId4"/>
+          <a:stretch>
+            <a:fillRect/>
+          </a:stretch>
+        </p:blipFill>
         <p:spPr>
           <a:xfrm>
-            <a:off x="4724400" y="5162490"/>
-            <a:ext cx="4242399" cy="400110"/>
+            <a:off x="5105400" y="2667000"/>
+            <a:ext cx="3152775" cy="1409700"/>
           </a:xfrm>
           <a:prstGeom prst="rect">
             <a:avLst/>
           </a:prstGeom>
-          <a:solidFill>
-            <a:srgbClr val="404040"/>
-          </a:solidFill>
+          <a:ln>
+            <a:solidFill>
+              <a:srgbClr val="404040"/>
+            </a:solidFill>
+          </a:ln>
         </p:spPr>
-        <p:txBody>
-          <a:bodyPr wrap="square" rtlCol="0">
-            <a:spAutoFit/>
-          </a:bodyPr>
-          <a:lstStyle/>
-          <a:p>
-            <a:r>
-              <a:rPr lang="en-US" sz="2000" dirty="0">
-                <a:solidFill>
-                  <a:schemeClr val="bg1"/>
-                </a:solidFill>
-              </a:rPr>
-              <a:t>&gt; </a:t>
-            </a:r>
-            <a:r>
-              <a:rPr lang="en-US" sz="2000" dirty="0" err="1">
-                <a:solidFill>
-                  <a:schemeClr val="bg1"/>
-                </a:solidFill>
-              </a:rPr>
-              <a:t>ifelse</a:t>
-            </a:r>
-            <a:r>
-              <a:rPr lang="en-US" sz="2000" dirty="0">
-                <a:solidFill>
-                  <a:schemeClr val="bg1"/>
-                </a:solidFill>
-              </a:rPr>
-              <a:t>(VAR==“OLD”, “NEW”, VAR)</a:t>
-            </a:r>
-          </a:p>
-        </p:txBody>
-      </p:sp>
+        <p:style>
+          <a:lnRef idx="2">
+            <a:schemeClr val="dk1"/>
+          </a:lnRef>
+          <a:fillRef idx="1">
+            <a:schemeClr val="lt1"/>
+          </a:fillRef>
+          <a:effectRef idx="0">
+            <a:schemeClr val="dk1"/>
+          </a:effectRef>
+          <a:fontRef idx="minor">
+            <a:schemeClr val="dk1"/>
+          </a:fontRef>
+        </p:style>
+      </p:pic>
+      <p:pic>
+        <p:nvPicPr>
+          <p:cNvPr id="9" name="Picture 8">
+            <a:extLst>
+              <a:ext uri="{FF2B5EF4-FFF2-40B4-BE49-F238E27FC236}">
+                <a16:creationId xmlns:a16="http://schemas.microsoft.com/office/drawing/2014/main" id="{271AAC8D-2D31-4DA7-8334-F000829974BA}"/>
+              </a:ext>
+            </a:extLst>
+          </p:cNvPr>
+          <p:cNvPicPr>
+            <a:picLocks noChangeAspect="1"/>
+          </p:cNvPicPr>
+          <p:nvPr/>
+        </p:nvPicPr>
+        <p:blipFill>
+          <a:blip r:embed="rId5"/>
+          <a:stretch>
+            <a:fillRect/>
+          </a:stretch>
+        </p:blipFill>
+        <p:spPr>
+          <a:xfrm>
+            <a:off x="5105400" y="4800600"/>
+            <a:ext cx="3152775" cy="1843017"/>
+          </a:xfrm>
+          <a:prstGeom prst="rect">
+            <a:avLst/>
+          </a:prstGeom>
+          <a:ln>
+            <a:solidFill>
+              <a:srgbClr val="404040"/>
+            </a:solidFill>
+          </a:ln>
+        </p:spPr>
+        <p:style>
+          <a:lnRef idx="2">
+            <a:schemeClr val="dk1"/>
+          </a:lnRef>
+          <a:fillRef idx="1">
+            <a:schemeClr val="lt1"/>
+          </a:fillRef>
+          <a:effectRef idx="0">
+            <a:schemeClr val="dk1"/>
+          </a:effectRef>
+          <a:fontRef idx="minor">
+            <a:schemeClr val="dk1"/>
+          </a:fontRef>
+        </p:style>
+      </p:pic>
     </p:spTree>
     <p:custDataLst>
       <p:tags r:id="rId1"/>
     </p:custDataLst>
     <p:extLst>
       <p:ext uri="{BB962C8B-B14F-4D97-AF65-F5344CB8AC3E}">
-        <p14:creationId xmlns:p14="http://schemas.microsoft.com/office/powerpoint/2010/main" val="1851462061"/>
+        <p14:creationId xmlns:p14="http://schemas.microsoft.com/office/powerpoint/2010/main" val="2765533718"/>
       </p:ext>
     </p:extLst>
   </p:cSld>
@@ -9928,16 +10120,42 @@
               </a:lnSpc>
             </a:pPr>
             <a:r>
-              <a:rPr lang="en-US" sz="2400" kern="1200" dirty="0">
+              <a:rPr lang="en-US" sz="2400" dirty="0">
                 <a:solidFill>
                   <a:schemeClr val="bg1"/>
                 </a:solidFill>
-                <a:latin typeface="+mj-lt"/>
                 <a:ea typeface="+mj-ea"/>
                 <a:cs typeface="+mj-cs"/>
               </a:rPr>
-              <a:t>Part 3: Wikipedia</a:t>
-            </a:r>
+              <a:t>Joins</a:t>
+            </a:r>
+            <a:br>
+              <a:rPr lang="en-US" sz="2400" dirty="0">
+                <a:solidFill>
+                  <a:schemeClr val="bg1"/>
+                </a:solidFill>
+                <a:ea typeface="+mj-ea"/>
+                <a:cs typeface="+mj-cs"/>
+              </a:rPr>
+            </a:br>
+            <a:r>
+              <a:rPr lang="en-US" sz="2400" dirty="0">
+                <a:solidFill>
+                  <a:schemeClr val="bg1"/>
+                </a:solidFill>
+                <a:ea typeface="+mj-ea"/>
+                <a:cs typeface="+mj-cs"/>
+              </a:rPr>
+              <a:t>Assignment</a:t>
+            </a:r>
+            <a:endParaRPr lang="en-US" sz="2400" kern="1200" dirty="0">
+              <a:solidFill>
+                <a:schemeClr val="bg1"/>
+              </a:solidFill>
+              <a:latin typeface="+mj-lt"/>
+              <a:ea typeface="+mj-ea"/>
+              <a:cs typeface="+mj-cs"/>
+            </a:endParaRPr>
           </a:p>
         </p:txBody>
       </p:sp>
@@ -9973,6 +10191,426 @@
       </p:pic>
       <p:sp>
         <p:nvSpPr>
+          <p:cNvPr id="6" name="TextBox 5">
+            <a:extLst>
+              <a:ext uri="{FF2B5EF4-FFF2-40B4-BE49-F238E27FC236}">
+                <a16:creationId xmlns:a16="http://schemas.microsoft.com/office/drawing/2014/main" id="{E58EF064-51FF-48A9-8810-E84BE6F6F09D}"/>
+              </a:ext>
+            </a:extLst>
+          </p:cNvPr>
+          <p:cNvSpPr txBox="1"/>
+          <p:nvPr/>
+        </p:nvSpPr>
+        <p:spPr>
+          <a:xfrm>
+            <a:off x="3810000" y="621916"/>
+            <a:ext cx="5334000" cy="4524315"/>
+          </a:xfrm>
+          <a:prstGeom prst="rect">
+            <a:avLst/>
+          </a:prstGeom>
+          <a:noFill/>
+        </p:spPr>
+        <p:txBody>
+          <a:bodyPr wrap="square" rtlCol="0">
+            <a:spAutoFit/>
+          </a:bodyPr>
+          <a:lstStyle/>
+          <a:p>
+            <a:pPr marL="342900" indent="-342900">
+              <a:buFont typeface="Arial" panose="020B0604020202020204" pitchFamily="34" charset="0"/>
+              <a:buChar char="•"/>
+            </a:pPr>
+            <a:r>
+              <a:rPr lang="en-US" dirty="0">
+                <a:solidFill>
+                  <a:srgbClr val="404040"/>
+                </a:solidFill>
+              </a:rPr>
+              <a:t>Instructions</a:t>
+            </a:r>
+          </a:p>
+          <a:p>
+            <a:pPr marL="800100" lvl="1" indent="-342900">
+              <a:buFont typeface="Arial" panose="020B0604020202020204" pitchFamily="34" charset="0"/>
+              <a:buChar char="•"/>
+            </a:pPr>
+            <a:r>
+              <a:rPr lang="en-US" dirty="0">
+                <a:solidFill>
+                  <a:srgbClr val="404040"/>
+                </a:solidFill>
+              </a:rPr>
+              <a:t>Download Analysis 2 File</a:t>
+            </a:r>
+          </a:p>
+          <a:p>
+            <a:pPr marL="800100" lvl="1" indent="-342900">
+              <a:buFont typeface="Arial" panose="020B0604020202020204" pitchFamily="34" charset="0"/>
+              <a:buChar char="•"/>
+            </a:pPr>
+            <a:r>
+              <a:rPr lang="en-US" dirty="0">
+                <a:solidFill>
+                  <a:srgbClr val="404040"/>
+                </a:solidFill>
+              </a:rPr>
+              <a:t>Open Analysis 2 </a:t>
+            </a:r>
+            <a:r>
+              <a:rPr lang="en-US" dirty="0" err="1">
+                <a:solidFill>
+                  <a:srgbClr val="404040"/>
+                </a:solidFill>
+              </a:rPr>
+              <a:t>Rmd</a:t>
+            </a:r>
+            <a:r>
+              <a:rPr lang="en-US" dirty="0">
+                <a:solidFill>
+                  <a:srgbClr val="404040"/>
+                </a:solidFill>
+              </a:rPr>
+              <a:t> File</a:t>
+            </a:r>
+          </a:p>
+          <a:p>
+            <a:pPr marL="800100" lvl="1" indent="-342900">
+              <a:buFont typeface="Arial" panose="020B0604020202020204" pitchFamily="34" charset="0"/>
+              <a:buChar char="•"/>
+            </a:pPr>
+            <a:r>
+              <a:rPr lang="en-US" dirty="0">
+                <a:solidFill>
+                  <a:srgbClr val="404040"/>
+                </a:solidFill>
+              </a:rPr>
+              <a:t>Knit to HTML</a:t>
+            </a:r>
+          </a:p>
+          <a:p>
+            <a:pPr marL="800100" lvl="1" indent="-342900">
+              <a:buFont typeface="Arial" panose="020B0604020202020204" pitchFamily="34" charset="0"/>
+              <a:buChar char="•"/>
+            </a:pPr>
+            <a:r>
+              <a:rPr lang="en-US" dirty="0">
+                <a:solidFill>
+                  <a:srgbClr val="404040"/>
+                </a:solidFill>
+              </a:rPr>
+              <a:t>Read Introduction</a:t>
+            </a:r>
+          </a:p>
+          <a:p>
+            <a:pPr marL="800100" lvl="1" indent="-342900">
+              <a:buFont typeface="Arial" panose="020B0604020202020204" pitchFamily="34" charset="0"/>
+              <a:buChar char="•"/>
+            </a:pPr>
+            <a:endParaRPr lang="en-US" dirty="0">
+              <a:solidFill>
+                <a:srgbClr val="404040"/>
+              </a:solidFill>
+            </a:endParaRPr>
+          </a:p>
+          <a:p>
+            <a:pPr marL="342900" indent="-342900">
+              <a:buFont typeface="Arial" panose="020B0604020202020204" pitchFamily="34" charset="0"/>
+              <a:buChar char="•"/>
+            </a:pPr>
+            <a:r>
+              <a:rPr lang="en-US" dirty="0">
+                <a:solidFill>
+                  <a:srgbClr val="404040"/>
+                </a:solidFill>
+              </a:rPr>
+              <a:t>Three Part Assignment</a:t>
+            </a:r>
+          </a:p>
+          <a:p>
+            <a:pPr marL="800100" lvl="1" indent="-342900">
+              <a:buFont typeface="Arial" panose="020B0604020202020204" pitchFamily="34" charset="0"/>
+              <a:buChar char="•"/>
+            </a:pPr>
+            <a:r>
+              <a:rPr lang="en-US" dirty="0">
+                <a:solidFill>
+                  <a:srgbClr val="404040"/>
+                </a:solidFill>
+              </a:rPr>
+              <a:t>Part 1: Scrape GDP Data</a:t>
+            </a:r>
+          </a:p>
+          <a:p>
+            <a:pPr marL="800100" lvl="1" indent="-342900">
+              <a:buFont typeface="Arial" panose="020B0604020202020204" pitchFamily="34" charset="0"/>
+              <a:buChar char="•"/>
+            </a:pPr>
+            <a:r>
+              <a:rPr lang="en-US" dirty="0">
+                <a:solidFill>
+                  <a:srgbClr val="404040"/>
+                </a:solidFill>
+              </a:rPr>
+              <a:t>Part 2: Scrape Additional Data</a:t>
+            </a:r>
+          </a:p>
+          <a:p>
+            <a:pPr marL="800100" lvl="1" indent="-342900">
+              <a:buFont typeface="Arial" panose="020B0604020202020204" pitchFamily="34" charset="0"/>
+              <a:buChar char="•"/>
+            </a:pPr>
+            <a:r>
+              <a:rPr lang="en-US" dirty="0">
+                <a:solidFill>
+                  <a:srgbClr val="404040"/>
+                </a:solidFill>
+              </a:rPr>
+              <a:t>Part 3: Merge Datasets</a:t>
+            </a:r>
+          </a:p>
+          <a:p>
+            <a:pPr marL="800100" lvl="1" indent="-342900">
+              <a:buFont typeface="Arial" panose="020B0604020202020204" pitchFamily="34" charset="0"/>
+              <a:buChar char="•"/>
+            </a:pPr>
+            <a:endParaRPr lang="en-US" dirty="0">
+              <a:solidFill>
+                <a:srgbClr val="404040"/>
+              </a:solidFill>
+            </a:endParaRPr>
+          </a:p>
+          <a:p>
+            <a:pPr marL="342900" indent="-342900">
+              <a:buFont typeface="Arial" panose="020B0604020202020204" pitchFamily="34" charset="0"/>
+              <a:buChar char="•"/>
+            </a:pPr>
+            <a:r>
+              <a:rPr lang="en-US" dirty="0">
+                <a:solidFill>
+                  <a:srgbClr val="404040"/>
+                </a:solidFill>
+              </a:rPr>
+              <a:t>All Data in HTML Tables</a:t>
+            </a:r>
+          </a:p>
+        </p:txBody>
+      </p:sp>
+    </p:spTree>
+    <p:custDataLst>
+      <p:tags r:id="rId1"/>
+    </p:custDataLst>
+    <p:extLst>
+      <p:ext uri="{BB962C8B-B14F-4D97-AF65-F5344CB8AC3E}">
+        <p14:creationId xmlns:p14="http://schemas.microsoft.com/office/powerpoint/2010/main" val="2811406856"/>
+      </p:ext>
+    </p:extLst>
+  </p:cSld>
+  <p:clrMapOvr>
+    <a:masterClrMapping/>
+  </p:clrMapOvr>
+</p:sld>
+</file>
+
+<file path=ppt/slides/slide6.xml><?xml version="1.0" encoding="utf-8"?>
+<p:sld xmlns:a="http://schemas.openxmlformats.org/drawingml/2006/main" xmlns:r="http://schemas.openxmlformats.org/officeDocument/2006/relationships" xmlns:p="http://schemas.openxmlformats.org/presentationml/2006/main">
+  <p:cSld>
+    <p:bg>
+      <p:bgPr>
+        <a:solidFill>
+          <a:schemeClr val="bg1">
+            <a:lumMod val="85000"/>
+          </a:schemeClr>
+        </a:solidFill>
+        <a:effectLst/>
+      </p:bgPr>
+    </p:bg>
+    <p:spTree>
+      <p:nvGrpSpPr>
+        <p:cNvPr id="1" name=""/>
+        <p:cNvGrpSpPr/>
+        <p:nvPr/>
+      </p:nvGrpSpPr>
+      <p:grpSpPr>
+        <a:xfrm>
+          <a:off x="0" y="0"/>
+          <a:ext cx="0" cy="0"/>
+          <a:chOff x="0" y="0"/>
+          <a:chExt cx="0" cy="0"/>
+        </a:xfrm>
+      </p:grpSpPr>
+      <p:sp>
+        <p:nvSpPr>
+          <p:cNvPr id="15" name="Rectangle 12">
+            <a:extLst>
+              <a:ext uri="{FF2B5EF4-FFF2-40B4-BE49-F238E27FC236}">
+                <a16:creationId xmlns:a16="http://schemas.microsoft.com/office/drawing/2014/main" id="{867D4867-5BA7-4462-B2F6-A23F4A622AA7}"/>
+              </a:ext>
+              <a:ext uri="{C183D7F6-B498-43B3-948B-1728B52AA6E4}">
+                <adec:decorative xmlns:adec="http://schemas.microsoft.com/office/drawing/2017/decorative" val="1"/>
+              </a:ext>
+            </a:extLst>
+          </p:cNvPr>
+          <p:cNvSpPr>
+            <a:spLocks noGrp="1" noRot="1" noChangeAspect="1" noMove="1" noResize="1" noEditPoints="1" noAdjustHandles="1" noChangeArrowheads="1" noChangeShapeType="1" noTextEdit="1"/>
+          </p:cNvSpPr>
+          <p:nvPr>
+            <p:extLst>
+              <p:ext uri="{386F3935-93C4-4BCD-93E2-E3B085C9AB24}">
+                <p16:designElem xmlns:p16="http://schemas.microsoft.com/office/powerpoint/2015/main" val="1"/>
+              </p:ext>
+            </p:extLst>
+          </p:nvPr>
+        </p:nvSpPr>
+        <p:spPr>
+          <a:xfrm>
+            <a:off x="0" y="0"/>
+            <a:ext cx="3490722" cy="6858000"/>
+          </a:xfrm>
+          <a:prstGeom prst="rect">
+            <a:avLst/>
+          </a:prstGeom>
+          <a:solidFill>
+            <a:schemeClr val="tx1">
+              <a:lumMod val="75000"/>
+              <a:lumOff val="25000"/>
+            </a:schemeClr>
+          </a:solidFill>
+          <a:ln>
+            <a:noFill/>
+          </a:ln>
+        </p:spPr>
+        <p:style>
+          <a:lnRef idx="0">
+            <a:scrgbClr r="0" g="0" b="0"/>
+          </a:lnRef>
+          <a:fillRef idx="0">
+            <a:scrgbClr r="0" g="0" b="0"/>
+          </a:fillRef>
+          <a:effectRef idx="0">
+            <a:scrgbClr r="0" g="0" b="0"/>
+          </a:effectRef>
+          <a:fontRef idx="minor">
+            <a:schemeClr val="lt1"/>
+          </a:fontRef>
+        </p:style>
+        <p:txBody>
+          <a:bodyPr rtlCol="0" anchor="ctr"/>
+          <a:lstStyle/>
+          <a:p>
+            <a:pPr marL="0" marR="0" lvl="0" indent="0" algn="ctr" defTabSz="457200" rtl="0" eaLnBrk="1" fontAlgn="base" latinLnBrk="0" hangingPunct="1">
+              <a:lnSpc>
+                <a:spcPct val="100000"/>
+              </a:lnSpc>
+              <a:spcBef>
+                <a:spcPct val="0"/>
+              </a:spcBef>
+              <a:spcAft>
+                <a:spcPct val="0"/>
+              </a:spcAft>
+              <a:buClrTx/>
+              <a:buSzTx/>
+              <a:buFontTx/>
+              <a:buNone/>
+              <a:tabLst/>
+              <a:defRPr/>
+            </a:pPr>
+            <a:endParaRPr kumimoji="0" lang="en-US" sz="2400" b="0" i="0" u="none" strike="noStrike" kern="1200" cap="none" spc="0" normalizeH="0" baseline="0" noProof="0">
+              <a:ln>
+                <a:noFill/>
+              </a:ln>
+              <a:solidFill>
+                <a:prstClr val="white"/>
+              </a:solidFill>
+              <a:effectLst/>
+              <a:uLnTx/>
+              <a:uFillTx/>
+              <a:latin typeface="Calibri"/>
+              <a:ea typeface="+mn-ea"/>
+              <a:cs typeface="+mn-cs"/>
+            </a:endParaRPr>
+          </a:p>
+        </p:txBody>
+      </p:sp>
+      <p:sp>
+        <p:nvSpPr>
+          <p:cNvPr id="2" name="Title 1"/>
+          <p:cNvSpPr>
+            <a:spLocks noGrp="1"/>
+          </p:cNvSpPr>
+          <p:nvPr>
+            <p:ph type="title"/>
+          </p:nvPr>
+        </p:nvSpPr>
+        <p:spPr>
+          <a:xfrm>
+            <a:off x="482600" y="643467"/>
+            <a:ext cx="2522980" cy="1597315"/>
+          </a:xfrm>
+          <a:noFill/>
+          <a:ln w="19050">
+            <a:solidFill>
+              <a:schemeClr val="bg1"/>
+            </a:solidFill>
+          </a:ln>
+        </p:spPr>
+        <p:txBody>
+          <a:bodyPr vert="horz" wrap="square" lIns="91440" tIns="45720" rIns="91440" bIns="45720" rtlCol="0" anchor="ctr">
+            <a:normAutofit/>
+          </a:bodyPr>
+          <a:lstStyle/>
+          <a:p>
+            <a:pPr defTabSz="914400" eaLnBrk="1" hangingPunct="1">
+              <a:lnSpc>
+                <a:spcPct val="90000"/>
+              </a:lnSpc>
+            </a:pPr>
+            <a:r>
+              <a:rPr lang="en-US" sz="2400" kern="1200" dirty="0">
+                <a:solidFill>
+                  <a:schemeClr val="bg1"/>
+                </a:solidFill>
+                <a:latin typeface="+mj-lt"/>
+                <a:ea typeface="+mj-ea"/>
+                <a:cs typeface="+mj-cs"/>
+              </a:rPr>
+              <a:t>Part 1: GDP</a:t>
+            </a:r>
+          </a:p>
+        </p:txBody>
+      </p:sp>
+      <p:pic>
+        <p:nvPicPr>
+          <p:cNvPr id="8" name="Picture 7">
+            <a:extLst>
+              <a:ext uri="{FF2B5EF4-FFF2-40B4-BE49-F238E27FC236}">
+                <a16:creationId xmlns:a16="http://schemas.microsoft.com/office/drawing/2014/main" id="{521D4292-9ECC-4DA5-8CC0-C561A0DA118E}"/>
+              </a:ext>
+            </a:extLst>
+          </p:cNvPr>
+          <p:cNvPicPr>
+            <a:picLocks noChangeAspect="1"/>
+          </p:cNvPicPr>
+          <p:nvPr/>
+        </p:nvPicPr>
+        <p:blipFill rotWithShape="1">
+          <a:blip r:embed="rId3"/>
+          <a:srcRect l="8000" r="9400"/>
+          <a:stretch/>
+        </p:blipFill>
+        <p:spPr>
+          <a:xfrm>
+            <a:off x="660103" y="3048000"/>
+            <a:ext cx="2167974" cy="2624666"/>
+          </a:xfrm>
+          <a:prstGeom prst="rect">
+            <a:avLst/>
+          </a:prstGeom>
+          <a:noFill/>
+        </p:spPr>
+      </p:pic>
+      <p:sp>
+        <p:nvSpPr>
           <p:cNvPr id="7" name="TextBox 6">
             <a:extLst>
               <a:ext uri="{FF2B5EF4-FFF2-40B4-BE49-F238E27FC236}">
@@ -9986,7 +10624,7 @@
         <p:spPr>
           <a:xfrm>
             <a:off x="3810000" y="621916"/>
-            <a:ext cx="5029200" cy="5262979"/>
+            <a:ext cx="5257800" cy="6370975"/>
           </a:xfrm>
           <a:prstGeom prst="rect">
             <a:avLst/>
@@ -10009,25 +10647,156 @@
                   <a:srgbClr val="404040"/>
                 </a:solidFill>
               </a:rPr>
-              <a:t>Goals</a:t>
-            </a:r>
-          </a:p>
-          <a:p>
-            <a:pPr marL="800100" lvl="1" indent="-342900">
+              <a:t>GDP Data by Country</a:t>
+            </a:r>
+          </a:p>
+          <a:p>
+            <a:pPr marL="342900" indent="-342900">
               <a:buFont typeface="Arial" panose="020B0604020202020204" pitchFamily="34" charset="0"/>
               <a:buChar char="•"/>
             </a:pPr>
+            <a:endParaRPr lang="en-US" dirty="0">
+              <a:solidFill>
+                <a:srgbClr val="404040"/>
+              </a:solidFill>
+            </a:endParaRPr>
+          </a:p>
+          <a:p>
+            <a:pPr marL="342900" indent="-342900">
+              <a:buFont typeface="Arial" panose="020B0604020202020204" pitchFamily="34" charset="0"/>
+              <a:buChar char="•"/>
+            </a:pPr>
+            <a:endParaRPr lang="en-US" dirty="0">
+              <a:solidFill>
+                <a:srgbClr val="404040"/>
+              </a:solidFill>
+            </a:endParaRPr>
+          </a:p>
+          <a:p>
+            <a:pPr marL="342900" indent="-342900">
+              <a:buFont typeface="Arial" panose="020B0604020202020204" pitchFamily="34" charset="0"/>
+              <a:buChar char="•"/>
+            </a:pPr>
+            <a:endParaRPr lang="en-US" dirty="0">
+              <a:solidFill>
+                <a:srgbClr val="404040"/>
+              </a:solidFill>
+            </a:endParaRPr>
+          </a:p>
+          <a:p>
+            <a:pPr marL="342900" indent="-342900">
+              <a:buFont typeface="Arial" panose="020B0604020202020204" pitchFamily="34" charset="0"/>
+              <a:buChar char="•"/>
+            </a:pPr>
+            <a:endParaRPr lang="en-US" dirty="0">
+              <a:solidFill>
+                <a:srgbClr val="404040"/>
+              </a:solidFill>
+            </a:endParaRPr>
+          </a:p>
+          <a:p>
+            <a:pPr marL="342900" indent="-342900">
+              <a:buFont typeface="Arial" panose="020B0604020202020204" pitchFamily="34" charset="0"/>
+              <a:buChar char="•"/>
+            </a:pPr>
+            <a:endParaRPr lang="en-US" dirty="0">
+              <a:solidFill>
+                <a:srgbClr val="404040"/>
+              </a:solidFill>
+            </a:endParaRPr>
+          </a:p>
+          <a:p>
+            <a:pPr marL="342900" indent="-342900">
+              <a:buFont typeface="Arial" panose="020B0604020202020204" pitchFamily="34" charset="0"/>
+              <a:buChar char="•"/>
+            </a:pPr>
+            <a:endParaRPr lang="en-US" dirty="0">
+              <a:solidFill>
+                <a:srgbClr val="404040"/>
+              </a:solidFill>
+            </a:endParaRPr>
+          </a:p>
+          <a:p>
+            <a:pPr marL="342900" indent="-342900">
+              <a:buFont typeface="Arial" panose="020B0604020202020204" pitchFamily="34" charset="0"/>
+              <a:buChar char="•"/>
+            </a:pPr>
+            <a:endParaRPr lang="en-US" dirty="0">
+              <a:solidFill>
+                <a:srgbClr val="404040"/>
+              </a:solidFill>
+            </a:endParaRPr>
+          </a:p>
+          <a:p>
+            <a:pPr marL="342900" indent="-342900">
+              <a:buFont typeface="Arial" panose="020B0604020202020204" pitchFamily="34" charset="0"/>
+              <a:buChar char="•"/>
+            </a:pPr>
+            <a:endParaRPr lang="en-US" dirty="0">
+              <a:solidFill>
+                <a:srgbClr val="404040"/>
+              </a:solidFill>
+            </a:endParaRPr>
+          </a:p>
+          <a:p>
+            <a:pPr marL="342900" indent="-342900">
+              <a:buFont typeface="Arial" panose="020B0604020202020204" pitchFamily="34" charset="0"/>
+              <a:buChar char="•"/>
+            </a:pPr>
+            <a:endParaRPr lang="en-US" dirty="0">
+              <a:solidFill>
+                <a:srgbClr val="404040"/>
+              </a:solidFill>
+            </a:endParaRPr>
+          </a:p>
+          <a:p>
+            <a:pPr marL="342900" indent="-342900">
+              <a:buFont typeface="Arial" panose="020B0604020202020204" pitchFamily="34" charset="0"/>
+              <a:buChar char="•"/>
+            </a:pPr>
+            <a:r>
+              <a:rPr lang="en-US" dirty="0" err="1">
+                <a:solidFill>
+                  <a:srgbClr val="404040"/>
+                </a:solidFill>
+              </a:rPr>
+              <a:t>Webscrape</a:t>
+            </a:r>
             <a:r>
               <a:rPr lang="en-US" dirty="0">
                 <a:solidFill>
                   <a:srgbClr val="404040"/>
                 </a:solidFill>
               </a:rPr>
-              <a:t>Search Through Wikipedia for a Table</a:t>
-            </a:r>
-          </a:p>
-          <a:p>
-            <a:pPr marL="800100" lvl="1" indent="-342900">
+              <a:t> Data Using </a:t>
+            </a:r>
+            <a:r>
+              <a:rPr lang="en-US" dirty="0" err="1">
+                <a:solidFill>
+                  <a:srgbClr val="404040"/>
+                </a:solidFill>
+              </a:rPr>
+              <a:t>rvest</a:t>
+            </a:r>
+            <a:endParaRPr lang="en-US" dirty="0">
+              <a:solidFill>
+                <a:srgbClr val="404040"/>
+              </a:solidFill>
+            </a:endParaRPr>
+          </a:p>
+          <a:p>
+            <a:pPr marL="342900" indent="-342900">
+              <a:buFont typeface="Arial" panose="020B0604020202020204" pitchFamily="34" charset="0"/>
+              <a:buChar char="•"/>
+            </a:pPr>
+            <a:endParaRPr lang="en-US" dirty="0">
+              <a:solidFill>
+                <a:srgbClr val="404040"/>
+              </a:solidFill>
+            </a:endParaRPr>
+          </a:p>
+          <a:p>
+            <a:pPr marL="342900" indent="-342900">
               <a:buFont typeface="Arial" panose="020B0604020202020204" pitchFamily="34" charset="0"/>
               <a:buChar char="•"/>
             </a:pPr>
@@ -10037,15 +10806,21 @@
                   <a:srgbClr val="404040"/>
                 </a:solidFill>
               </a:rPr>
-              <a:t>Copy the URL to </a:t>
-            </a:r>
+              <a:t>Clean Data Using</a:t>
+            </a:r>
+          </a:p>
+          <a:p>
+            <a:pPr marL="800100" lvl="1" indent="-342900">
+              <a:buFont typeface="Arial" panose="020B0604020202020204" pitchFamily="34" charset="0"/>
+              <a:buChar char="•"/>
+            </a:pPr>
             <a:r>
               <a:rPr lang="en-US" dirty="0" err="1">
                 <a:solidFill>
                   <a:srgbClr val="404040"/>
                 </a:solidFill>
               </a:rPr>
-              <a:t>Rmd</a:t>
+              <a:t>str_replace</a:t>
             </a:r>
             <a:r>
               <a:rPr lang="en-US" dirty="0">
@@ -10053,7 +10828,7 @@
                   <a:srgbClr val="404040"/>
                 </a:solidFill>
               </a:rPr>
-              <a:t> File</a:t>
+              <a:t>()</a:t>
             </a:r>
           </a:p>
           <a:p>
@@ -10061,13 +10836,21 @@
               <a:buFont typeface="Arial" panose="020B0604020202020204" pitchFamily="34" charset="0"/>
               <a:buChar char="•"/>
             </a:pPr>
+            <a:r>
+              <a:rPr lang="en-US" dirty="0" err="1">
+                <a:solidFill>
+                  <a:srgbClr val="404040"/>
+                </a:solidFill>
+              </a:rPr>
+              <a:t>str_replace_all</a:t>
+            </a:r>
             <a:r>
               <a:rPr lang="en-US" dirty="0">
                 <a:solidFill>
                   <a:srgbClr val="404040"/>
                 </a:solidFill>
               </a:rPr>
-              <a:t>Describe Table</a:t>
+              <a:t>()</a:t>
             </a:r>
           </a:p>
           <a:p>
@@ -10081,11 +10864,11 @@
                   <a:srgbClr val="404040"/>
                 </a:solidFill>
               </a:rPr>
-              <a:t>Scrape Table</a:t>
-            </a:r>
-          </a:p>
-          <a:p>
-            <a:pPr marL="800100" lvl="1" indent="-342900">
+              <a:t>Special Character: “$”</a:t>
+            </a:r>
+          </a:p>
+          <a:p>
+            <a:pPr marL="342900" indent="-342900">
               <a:buFont typeface="Arial" panose="020B0604020202020204" pitchFamily="34" charset="0"/>
               <a:buChar char="•"/>
             </a:pPr>
@@ -10095,6 +10878,300 @@
               </a:solidFill>
             </a:endParaRPr>
           </a:p>
+        </p:txBody>
+      </p:sp>
+      <p:pic>
+        <p:nvPicPr>
+          <p:cNvPr id="4" name="Picture 3">
+            <a:extLst>
+              <a:ext uri="{FF2B5EF4-FFF2-40B4-BE49-F238E27FC236}">
+                <a16:creationId xmlns:a16="http://schemas.microsoft.com/office/drawing/2014/main" id="{825FF9F4-7E84-4845-9298-1B351FE48D6B}"/>
+              </a:ext>
+            </a:extLst>
+          </p:cNvPr>
+          <p:cNvPicPr>
+            <a:picLocks noChangeAspect="1"/>
+          </p:cNvPicPr>
+          <p:nvPr/>
+        </p:nvPicPr>
+        <p:blipFill>
+          <a:blip r:embed="rId4"/>
+          <a:stretch>
+            <a:fillRect/>
+          </a:stretch>
+        </p:blipFill>
+        <p:spPr>
+          <a:xfrm>
+            <a:off x="3693686" y="1095366"/>
+            <a:ext cx="5387819" cy="3019434"/>
+          </a:xfrm>
+          <a:prstGeom prst="rect">
+            <a:avLst/>
+          </a:prstGeom>
+          <a:solidFill>
+            <a:srgbClr val="404040"/>
+          </a:solidFill>
+          <a:ln>
+            <a:solidFill>
+              <a:srgbClr val="404040"/>
+            </a:solidFill>
+          </a:ln>
+        </p:spPr>
+        <p:style>
+          <a:lnRef idx="2">
+            <a:schemeClr val="dk1"/>
+          </a:lnRef>
+          <a:fillRef idx="1">
+            <a:schemeClr val="lt1"/>
+          </a:fillRef>
+          <a:effectRef idx="0">
+            <a:schemeClr val="dk1"/>
+          </a:effectRef>
+          <a:fontRef idx="minor">
+            <a:schemeClr val="dk1"/>
+          </a:fontRef>
+        </p:style>
+      </p:pic>
+    </p:spTree>
+    <p:custDataLst>
+      <p:tags r:id="rId1"/>
+    </p:custDataLst>
+    <p:extLst>
+      <p:ext uri="{BB962C8B-B14F-4D97-AF65-F5344CB8AC3E}">
+        <p14:creationId xmlns:p14="http://schemas.microsoft.com/office/powerpoint/2010/main" val="1851462061"/>
+      </p:ext>
+    </p:extLst>
+  </p:cSld>
+  <p:clrMapOvr>
+    <a:masterClrMapping/>
+  </p:clrMapOvr>
+</p:sld>
+</file>
+
+<file path=ppt/slides/slide7.xml><?xml version="1.0" encoding="utf-8"?>
+<p:sld xmlns:a="http://schemas.openxmlformats.org/drawingml/2006/main" xmlns:r="http://schemas.openxmlformats.org/officeDocument/2006/relationships" xmlns:p="http://schemas.openxmlformats.org/presentationml/2006/main">
+  <p:cSld>
+    <p:bg>
+      <p:bgPr>
+        <a:solidFill>
+          <a:schemeClr val="bg1">
+            <a:lumMod val="85000"/>
+          </a:schemeClr>
+        </a:solidFill>
+        <a:effectLst/>
+      </p:bgPr>
+    </p:bg>
+    <p:spTree>
+      <p:nvGrpSpPr>
+        <p:cNvPr id="1" name=""/>
+        <p:cNvGrpSpPr/>
+        <p:nvPr/>
+      </p:nvGrpSpPr>
+      <p:grpSpPr>
+        <a:xfrm>
+          <a:off x="0" y="0"/>
+          <a:ext cx="0" cy="0"/>
+          <a:chOff x="0" y="0"/>
+          <a:chExt cx="0" cy="0"/>
+        </a:xfrm>
+      </p:grpSpPr>
+      <p:sp>
+        <p:nvSpPr>
+          <p:cNvPr id="15" name="Rectangle 12">
+            <a:extLst>
+              <a:ext uri="{FF2B5EF4-FFF2-40B4-BE49-F238E27FC236}">
+                <a16:creationId xmlns:a16="http://schemas.microsoft.com/office/drawing/2014/main" id="{867D4867-5BA7-4462-B2F6-A23F4A622AA7}"/>
+              </a:ext>
+              <a:ext uri="{C183D7F6-B498-43B3-948B-1728B52AA6E4}">
+                <adec:decorative xmlns:adec="http://schemas.microsoft.com/office/drawing/2017/decorative" val="1"/>
+              </a:ext>
+            </a:extLst>
+          </p:cNvPr>
+          <p:cNvSpPr>
+            <a:spLocks noGrp="1" noRot="1" noChangeAspect="1" noMove="1" noResize="1" noEditPoints="1" noAdjustHandles="1" noChangeArrowheads="1" noChangeShapeType="1" noTextEdit="1"/>
+          </p:cNvSpPr>
+          <p:nvPr>
+            <p:extLst>
+              <p:ext uri="{386F3935-93C4-4BCD-93E2-E3B085C9AB24}">
+                <p16:designElem xmlns:p16="http://schemas.microsoft.com/office/powerpoint/2015/main" val="1"/>
+              </p:ext>
+            </p:extLst>
+          </p:nvPr>
+        </p:nvSpPr>
+        <p:spPr>
+          <a:xfrm>
+            <a:off x="0" y="0"/>
+            <a:ext cx="3490722" cy="6858000"/>
+          </a:xfrm>
+          <a:prstGeom prst="rect">
+            <a:avLst/>
+          </a:prstGeom>
+          <a:solidFill>
+            <a:schemeClr val="tx1">
+              <a:lumMod val="75000"/>
+              <a:lumOff val="25000"/>
+            </a:schemeClr>
+          </a:solidFill>
+          <a:ln>
+            <a:noFill/>
+          </a:ln>
+        </p:spPr>
+        <p:style>
+          <a:lnRef idx="0">
+            <a:scrgbClr r="0" g="0" b="0"/>
+          </a:lnRef>
+          <a:fillRef idx="0">
+            <a:scrgbClr r="0" g="0" b="0"/>
+          </a:fillRef>
+          <a:effectRef idx="0">
+            <a:scrgbClr r="0" g="0" b="0"/>
+          </a:effectRef>
+          <a:fontRef idx="minor">
+            <a:schemeClr val="lt1"/>
+          </a:fontRef>
+        </p:style>
+        <p:txBody>
+          <a:bodyPr rtlCol="0" anchor="ctr"/>
+          <a:lstStyle/>
+          <a:p>
+            <a:pPr marL="0" marR="0" lvl="0" indent="0" algn="ctr" defTabSz="457200" rtl="0" eaLnBrk="1" fontAlgn="base" latinLnBrk="0" hangingPunct="1">
+              <a:lnSpc>
+                <a:spcPct val="100000"/>
+              </a:lnSpc>
+              <a:spcBef>
+                <a:spcPct val="0"/>
+              </a:spcBef>
+              <a:spcAft>
+                <a:spcPct val="0"/>
+              </a:spcAft>
+              <a:buClrTx/>
+              <a:buSzTx/>
+              <a:buFontTx/>
+              <a:buNone/>
+              <a:tabLst/>
+              <a:defRPr/>
+            </a:pPr>
+            <a:endParaRPr kumimoji="0" lang="en-US" sz="2400" b="0" i="0" u="none" strike="noStrike" kern="1200" cap="none" spc="0" normalizeH="0" baseline="0" noProof="0">
+              <a:ln>
+                <a:noFill/>
+              </a:ln>
+              <a:solidFill>
+                <a:prstClr val="white"/>
+              </a:solidFill>
+              <a:effectLst/>
+              <a:uLnTx/>
+              <a:uFillTx/>
+              <a:latin typeface="Calibri"/>
+              <a:ea typeface="+mn-ea"/>
+              <a:cs typeface="+mn-cs"/>
+            </a:endParaRPr>
+          </a:p>
+        </p:txBody>
+      </p:sp>
+      <p:sp>
+        <p:nvSpPr>
+          <p:cNvPr id="2" name="Title 1"/>
+          <p:cNvSpPr>
+            <a:spLocks noGrp="1"/>
+          </p:cNvSpPr>
+          <p:nvPr>
+            <p:ph type="title"/>
+          </p:nvPr>
+        </p:nvSpPr>
+        <p:spPr>
+          <a:xfrm>
+            <a:off x="482600" y="643467"/>
+            <a:ext cx="2522980" cy="1597315"/>
+          </a:xfrm>
+          <a:noFill/>
+          <a:ln w="19050">
+            <a:solidFill>
+              <a:schemeClr val="bg1"/>
+            </a:solidFill>
+          </a:ln>
+        </p:spPr>
+        <p:txBody>
+          <a:bodyPr vert="horz" wrap="square" lIns="91440" tIns="45720" rIns="91440" bIns="45720" rtlCol="0" anchor="ctr">
+            <a:normAutofit/>
+          </a:bodyPr>
+          <a:lstStyle/>
+          <a:p>
+            <a:pPr defTabSz="914400" eaLnBrk="1" hangingPunct="1">
+              <a:lnSpc>
+                <a:spcPct val="90000"/>
+              </a:lnSpc>
+            </a:pPr>
+            <a:r>
+              <a:rPr lang="en-US" sz="2400" kern="1200" dirty="0">
+                <a:solidFill>
+                  <a:schemeClr val="bg1"/>
+                </a:solidFill>
+                <a:latin typeface="+mj-lt"/>
+                <a:ea typeface="+mj-ea"/>
+                <a:cs typeface="+mj-cs"/>
+              </a:rPr>
+              <a:t>Part 2: More Data</a:t>
+            </a:r>
+          </a:p>
+        </p:txBody>
+      </p:sp>
+      <p:pic>
+        <p:nvPicPr>
+          <p:cNvPr id="8" name="Picture 7">
+            <a:extLst>
+              <a:ext uri="{FF2B5EF4-FFF2-40B4-BE49-F238E27FC236}">
+                <a16:creationId xmlns:a16="http://schemas.microsoft.com/office/drawing/2014/main" id="{521D4292-9ECC-4DA5-8CC0-C561A0DA118E}"/>
+              </a:ext>
+            </a:extLst>
+          </p:cNvPr>
+          <p:cNvPicPr>
+            <a:picLocks noChangeAspect="1"/>
+          </p:cNvPicPr>
+          <p:nvPr/>
+        </p:nvPicPr>
+        <p:blipFill rotWithShape="1">
+          <a:blip r:embed="rId3"/>
+          <a:srcRect l="8000" r="9400"/>
+          <a:stretch/>
+        </p:blipFill>
+        <p:spPr>
+          <a:xfrm>
+            <a:off x="660103" y="3048000"/>
+            <a:ext cx="2167974" cy="2624666"/>
+          </a:xfrm>
+          <a:prstGeom prst="rect">
+            <a:avLst/>
+          </a:prstGeom>
+          <a:noFill/>
+        </p:spPr>
+      </p:pic>
+      <p:sp>
+        <p:nvSpPr>
+          <p:cNvPr id="7" name="TextBox 6">
+            <a:extLst>
+              <a:ext uri="{FF2B5EF4-FFF2-40B4-BE49-F238E27FC236}">
+                <a16:creationId xmlns:a16="http://schemas.microsoft.com/office/drawing/2014/main" id="{313C0D66-7964-4225-8C79-22268E7FE93F}"/>
+              </a:ext>
+            </a:extLst>
+          </p:cNvPr>
+          <p:cNvSpPr txBox="1"/>
+          <p:nvPr/>
+        </p:nvSpPr>
+        <p:spPr>
+          <a:xfrm>
+            <a:off x="3810000" y="621916"/>
+            <a:ext cx="5257800" cy="3416320"/>
+          </a:xfrm>
+          <a:prstGeom prst="rect">
+            <a:avLst/>
+          </a:prstGeom>
+          <a:noFill/>
+        </p:spPr>
+        <p:txBody>
+          <a:bodyPr wrap="square" rtlCol="0">
+            <a:spAutoFit/>
+          </a:bodyPr>
+          <a:lstStyle/>
           <a:p>
             <a:pPr marL="342900" indent="-342900">
               <a:buFont typeface="Arial" panose="020B0604020202020204" pitchFamily="34" charset="0"/>
@@ -10106,11 +11183,88 @@
                   <a:srgbClr val="404040"/>
                 </a:solidFill>
               </a:rPr>
-              <a:t>Things to Consider</a:t>
-            </a:r>
-          </a:p>
-          <a:p>
-            <a:pPr marL="800100" lvl="1" indent="-342900">
+              <a:t>Education Data</a:t>
+            </a:r>
+          </a:p>
+          <a:p>
+            <a:pPr marL="342900" indent="-342900">
+              <a:buFont typeface="Arial" panose="020B0604020202020204" pitchFamily="34" charset="0"/>
+              <a:buChar char="•"/>
+            </a:pPr>
+            <a:endParaRPr lang="en-US" dirty="0">
+              <a:solidFill>
+                <a:srgbClr val="404040"/>
+              </a:solidFill>
+            </a:endParaRPr>
+          </a:p>
+          <a:p>
+            <a:pPr marL="342900" indent="-342900">
+              <a:buFont typeface="Arial" panose="020B0604020202020204" pitchFamily="34" charset="0"/>
+              <a:buChar char="•"/>
+            </a:pPr>
+            <a:endParaRPr lang="en-US" dirty="0">
+              <a:solidFill>
+                <a:srgbClr val="404040"/>
+              </a:solidFill>
+            </a:endParaRPr>
+          </a:p>
+          <a:p>
+            <a:pPr marL="342900" indent="-342900">
+              <a:buFont typeface="Arial" panose="020B0604020202020204" pitchFamily="34" charset="0"/>
+              <a:buChar char="•"/>
+            </a:pPr>
+            <a:endParaRPr lang="en-US" dirty="0">
+              <a:solidFill>
+                <a:srgbClr val="404040"/>
+              </a:solidFill>
+            </a:endParaRPr>
+          </a:p>
+          <a:p>
+            <a:pPr marL="342900" indent="-342900">
+              <a:buFont typeface="Arial" panose="020B0604020202020204" pitchFamily="34" charset="0"/>
+              <a:buChar char="•"/>
+            </a:pPr>
+            <a:endParaRPr lang="en-US" dirty="0">
+              <a:solidFill>
+                <a:srgbClr val="404040"/>
+              </a:solidFill>
+            </a:endParaRPr>
+          </a:p>
+          <a:p>
+            <a:pPr marL="342900" indent="-342900">
+              <a:buFont typeface="Arial" panose="020B0604020202020204" pitchFamily="34" charset="0"/>
+              <a:buChar char="•"/>
+            </a:pPr>
+            <a:endParaRPr lang="en-US" dirty="0">
+              <a:solidFill>
+                <a:srgbClr val="404040"/>
+              </a:solidFill>
+            </a:endParaRPr>
+          </a:p>
+          <a:p>
+            <a:pPr marL="342900" indent="-342900">
+              <a:buFont typeface="Arial" panose="020B0604020202020204" pitchFamily="34" charset="0"/>
+              <a:buChar char="•"/>
+            </a:pPr>
+            <a:endParaRPr lang="en-US" dirty="0">
+              <a:solidFill>
+                <a:srgbClr val="404040"/>
+              </a:solidFill>
+            </a:endParaRPr>
+          </a:p>
+          <a:p>
+            <a:pPr marL="342900" indent="-342900">
+              <a:buFont typeface="Arial" panose="020B0604020202020204" pitchFamily="34" charset="0"/>
+              <a:buChar char="•"/>
+            </a:pPr>
+            <a:endParaRPr lang="en-US" dirty="0">
+              <a:solidFill>
+                <a:srgbClr val="404040"/>
+              </a:solidFill>
+            </a:endParaRPr>
+          </a:p>
+          <a:p>
+            <a:pPr marL="342900" indent="-342900">
               <a:buFont typeface="Arial" panose="020B0604020202020204" pitchFamily="34" charset="0"/>
               <a:buChar char="•"/>
             </a:pPr>
@@ -10120,23 +11274,361 @@
                   <a:srgbClr val="404040"/>
                 </a:solidFill>
               </a:rPr>
-              <a:t>Utilize Code from </a:t>
-            </a:r>
-            <a:r>
-              <a:rPr lang="en-US" dirty="0" err="1">
+              <a:t>Coronavirus Data</a:t>
+            </a:r>
+          </a:p>
+        </p:txBody>
+      </p:sp>
+      <p:pic>
+        <p:nvPicPr>
+          <p:cNvPr id="3" name="Picture 2">
+            <a:extLst>
+              <a:ext uri="{FF2B5EF4-FFF2-40B4-BE49-F238E27FC236}">
+                <a16:creationId xmlns:a16="http://schemas.microsoft.com/office/drawing/2014/main" id="{FB6E9C2A-B2ED-4566-B8C4-5606C6AEC172}"/>
+              </a:ext>
+            </a:extLst>
+          </p:cNvPr>
+          <p:cNvPicPr>
+            <a:picLocks noChangeAspect="1"/>
+          </p:cNvPicPr>
+          <p:nvPr/>
+        </p:nvPicPr>
+        <p:blipFill>
+          <a:blip r:embed="rId4"/>
+          <a:stretch>
+            <a:fillRect/>
+          </a:stretch>
+        </p:blipFill>
+        <p:spPr>
+          <a:xfrm>
+            <a:off x="3581400" y="1143000"/>
+            <a:ext cx="5486400" cy="2128723"/>
+          </a:xfrm>
+          <a:prstGeom prst="rect">
+            <a:avLst/>
+          </a:prstGeom>
+          <a:ln>
+            <a:solidFill>
+              <a:srgbClr val="404040"/>
+            </a:solidFill>
+          </a:ln>
+        </p:spPr>
+        <p:style>
+          <a:lnRef idx="2">
+            <a:schemeClr val="dk1"/>
+          </a:lnRef>
+          <a:fillRef idx="1">
+            <a:schemeClr val="lt1"/>
+          </a:fillRef>
+          <a:effectRef idx="0">
+            <a:schemeClr val="dk1"/>
+          </a:effectRef>
+          <a:fontRef idx="minor">
+            <a:schemeClr val="dk1"/>
+          </a:fontRef>
+        </p:style>
+      </p:pic>
+      <p:pic>
+        <p:nvPicPr>
+          <p:cNvPr id="5" name="Picture 4">
+            <a:extLst>
+              <a:ext uri="{FF2B5EF4-FFF2-40B4-BE49-F238E27FC236}">
+                <a16:creationId xmlns:a16="http://schemas.microsoft.com/office/drawing/2014/main" id="{AF5B14F4-B99F-4CF0-9B77-CC5C3DCFA7D6}"/>
+              </a:ext>
+            </a:extLst>
+          </p:cNvPr>
+          <p:cNvPicPr>
+            <a:picLocks noChangeAspect="1"/>
+          </p:cNvPicPr>
+          <p:nvPr/>
+        </p:nvPicPr>
+        <p:blipFill>
+          <a:blip r:embed="rId5"/>
+          <a:stretch>
+            <a:fillRect/>
+          </a:stretch>
+        </p:blipFill>
+        <p:spPr>
+          <a:xfrm>
+            <a:off x="3657600" y="4038236"/>
+            <a:ext cx="5334000" cy="2043348"/>
+          </a:xfrm>
+          <a:prstGeom prst="rect">
+            <a:avLst/>
+          </a:prstGeom>
+          <a:ln>
+            <a:solidFill>
+              <a:srgbClr val="404040"/>
+            </a:solidFill>
+          </a:ln>
+        </p:spPr>
+        <p:style>
+          <a:lnRef idx="2">
+            <a:schemeClr val="dk1"/>
+          </a:lnRef>
+          <a:fillRef idx="1">
+            <a:schemeClr val="lt1"/>
+          </a:fillRef>
+          <a:effectRef idx="0">
+            <a:schemeClr val="dk1"/>
+          </a:effectRef>
+          <a:fontRef idx="minor">
+            <a:schemeClr val="dk1"/>
+          </a:fontRef>
+        </p:style>
+      </p:pic>
+    </p:spTree>
+    <p:custDataLst>
+      <p:tags r:id="rId1"/>
+    </p:custDataLst>
+    <p:extLst>
+      <p:ext uri="{BB962C8B-B14F-4D97-AF65-F5344CB8AC3E}">
+        <p14:creationId xmlns:p14="http://schemas.microsoft.com/office/powerpoint/2010/main" val="4278742092"/>
+      </p:ext>
+    </p:extLst>
+  </p:cSld>
+  <p:clrMapOvr>
+    <a:masterClrMapping/>
+  </p:clrMapOvr>
+</p:sld>
+</file>
+
+<file path=ppt/slides/slide8.xml><?xml version="1.0" encoding="utf-8"?>
+<p:sld xmlns:a="http://schemas.openxmlformats.org/drawingml/2006/main" xmlns:r="http://schemas.openxmlformats.org/officeDocument/2006/relationships" xmlns:p="http://schemas.openxmlformats.org/presentationml/2006/main">
+  <p:cSld>
+    <p:bg>
+      <p:bgPr>
+        <a:solidFill>
+          <a:schemeClr val="bg1">
+            <a:lumMod val="85000"/>
+          </a:schemeClr>
+        </a:solidFill>
+        <a:effectLst/>
+      </p:bgPr>
+    </p:bg>
+    <p:spTree>
+      <p:nvGrpSpPr>
+        <p:cNvPr id="1" name=""/>
+        <p:cNvGrpSpPr/>
+        <p:nvPr/>
+      </p:nvGrpSpPr>
+      <p:grpSpPr>
+        <a:xfrm>
+          <a:off x="0" y="0"/>
+          <a:ext cx="0" cy="0"/>
+          <a:chOff x="0" y="0"/>
+          <a:chExt cx="0" cy="0"/>
+        </a:xfrm>
+      </p:grpSpPr>
+      <p:sp>
+        <p:nvSpPr>
+          <p:cNvPr id="15" name="Rectangle 12">
+            <a:extLst>
+              <a:ext uri="{FF2B5EF4-FFF2-40B4-BE49-F238E27FC236}">
+                <a16:creationId xmlns:a16="http://schemas.microsoft.com/office/drawing/2014/main" id="{867D4867-5BA7-4462-B2F6-A23F4A622AA7}"/>
+              </a:ext>
+              <a:ext uri="{C183D7F6-B498-43B3-948B-1728B52AA6E4}">
+                <adec:decorative xmlns:adec="http://schemas.microsoft.com/office/drawing/2017/decorative" val="1"/>
+              </a:ext>
+            </a:extLst>
+          </p:cNvPr>
+          <p:cNvSpPr>
+            <a:spLocks noGrp="1" noRot="1" noChangeAspect="1" noMove="1" noResize="1" noEditPoints="1" noAdjustHandles="1" noChangeArrowheads="1" noChangeShapeType="1" noTextEdit="1"/>
+          </p:cNvSpPr>
+          <p:nvPr>
+            <p:extLst>
+              <p:ext uri="{386F3935-93C4-4BCD-93E2-E3B085C9AB24}">
+                <p16:designElem xmlns:p16="http://schemas.microsoft.com/office/powerpoint/2015/main" val="1"/>
+              </p:ext>
+            </p:extLst>
+          </p:nvPr>
+        </p:nvSpPr>
+        <p:spPr>
+          <a:xfrm>
+            <a:off x="0" y="0"/>
+            <a:ext cx="3490722" cy="6858000"/>
+          </a:xfrm>
+          <a:prstGeom prst="rect">
+            <a:avLst/>
+          </a:prstGeom>
+          <a:solidFill>
+            <a:schemeClr val="tx1">
+              <a:lumMod val="75000"/>
+              <a:lumOff val="25000"/>
+            </a:schemeClr>
+          </a:solidFill>
+          <a:ln>
+            <a:noFill/>
+          </a:ln>
+        </p:spPr>
+        <p:style>
+          <a:lnRef idx="0">
+            <a:scrgbClr r="0" g="0" b="0"/>
+          </a:lnRef>
+          <a:fillRef idx="0">
+            <a:scrgbClr r="0" g="0" b="0"/>
+          </a:fillRef>
+          <a:effectRef idx="0">
+            <a:scrgbClr r="0" g="0" b="0"/>
+          </a:effectRef>
+          <a:fontRef idx="minor">
+            <a:schemeClr val="lt1"/>
+          </a:fontRef>
+        </p:style>
+        <p:txBody>
+          <a:bodyPr rtlCol="0" anchor="ctr"/>
+          <a:lstStyle/>
+          <a:p>
+            <a:pPr marL="0" marR="0" lvl="0" indent="0" algn="ctr" defTabSz="457200" rtl="0" eaLnBrk="1" fontAlgn="base" latinLnBrk="0" hangingPunct="1">
+              <a:lnSpc>
+                <a:spcPct val="100000"/>
+              </a:lnSpc>
+              <a:spcBef>
+                <a:spcPct val="0"/>
+              </a:spcBef>
+              <a:spcAft>
+                <a:spcPct val="0"/>
+              </a:spcAft>
+              <a:buClrTx/>
+              <a:buSzTx/>
+              <a:buFontTx/>
+              <a:buNone/>
+              <a:tabLst/>
+              <a:defRPr/>
+            </a:pPr>
+            <a:endParaRPr kumimoji="0" lang="en-US" sz="2400" b="0" i="0" u="none" strike="noStrike" kern="1200" cap="none" spc="0" normalizeH="0" baseline="0" noProof="0">
+              <a:ln>
+                <a:noFill/>
+              </a:ln>
+              <a:solidFill>
+                <a:prstClr val="white"/>
+              </a:solidFill>
+              <a:effectLst/>
+              <a:uLnTx/>
+              <a:uFillTx/>
+              <a:latin typeface="Calibri"/>
+              <a:ea typeface="+mn-ea"/>
+              <a:cs typeface="+mn-cs"/>
+            </a:endParaRPr>
+          </a:p>
+        </p:txBody>
+      </p:sp>
+      <p:sp>
+        <p:nvSpPr>
+          <p:cNvPr id="2" name="Title 1"/>
+          <p:cNvSpPr>
+            <a:spLocks noGrp="1"/>
+          </p:cNvSpPr>
+          <p:nvPr>
+            <p:ph type="title"/>
+          </p:nvPr>
+        </p:nvSpPr>
+        <p:spPr>
+          <a:xfrm>
+            <a:off x="482600" y="643467"/>
+            <a:ext cx="2522980" cy="1597315"/>
+          </a:xfrm>
+          <a:noFill/>
+          <a:ln w="19050">
+            <a:solidFill>
+              <a:schemeClr val="bg1"/>
+            </a:solidFill>
+          </a:ln>
+        </p:spPr>
+        <p:txBody>
+          <a:bodyPr vert="horz" wrap="square" lIns="91440" tIns="45720" rIns="91440" bIns="45720" rtlCol="0" anchor="ctr">
+            <a:normAutofit/>
+          </a:bodyPr>
+          <a:lstStyle/>
+          <a:p>
+            <a:pPr defTabSz="914400" eaLnBrk="1" hangingPunct="1">
+              <a:lnSpc>
+                <a:spcPct val="90000"/>
+              </a:lnSpc>
+            </a:pPr>
+            <a:r>
+              <a:rPr lang="en-US" sz="2400" kern="1200" dirty="0">
                 <a:solidFill>
-                  <a:srgbClr val="404040"/>
+                  <a:schemeClr val="bg1"/>
                 </a:solidFill>
+                <a:latin typeface="+mj-lt"/>
+                <a:ea typeface="+mj-ea"/>
+                <a:cs typeface="+mj-cs"/>
               </a:rPr>
-              <a:t>Webscraping</a:t>
-            </a:r>
+              <a:t>Part 3: Merges</a:t>
+            </a:r>
+          </a:p>
+        </p:txBody>
+      </p:sp>
+      <p:pic>
+        <p:nvPicPr>
+          <p:cNvPr id="8" name="Picture 7">
+            <a:extLst>
+              <a:ext uri="{FF2B5EF4-FFF2-40B4-BE49-F238E27FC236}">
+                <a16:creationId xmlns:a16="http://schemas.microsoft.com/office/drawing/2014/main" id="{521D4292-9ECC-4DA5-8CC0-C561A0DA118E}"/>
+              </a:ext>
+            </a:extLst>
+          </p:cNvPr>
+          <p:cNvPicPr>
+            <a:picLocks noChangeAspect="1"/>
+          </p:cNvPicPr>
+          <p:nvPr/>
+        </p:nvPicPr>
+        <p:blipFill rotWithShape="1">
+          <a:blip r:embed="rId3"/>
+          <a:srcRect l="8000" r="9400"/>
+          <a:stretch/>
+        </p:blipFill>
+        <p:spPr>
+          <a:xfrm>
+            <a:off x="660103" y="3048000"/>
+            <a:ext cx="2167974" cy="2624666"/>
+          </a:xfrm>
+          <a:prstGeom prst="rect">
+            <a:avLst/>
+          </a:prstGeom>
+          <a:noFill/>
+        </p:spPr>
+      </p:pic>
+      <p:sp>
+        <p:nvSpPr>
+          <p:cNvPr id="7" name="TextBox 6">
+            <a:extLst>
+              <a:ext uri="{FF2B5EF4-FFF2-40B4-BE49-F238E27FC236}">
+                <a16:creationId xmlns:a16="http://schemas.microsoft.com/office/drawing/2014/main" id="{313C0D66-7964-4225-8C79-22268E7FE93F}"/>
+              </a:ext>
+            </a:extLst>
+          </p:cNvPr>
+          <p:cNvSpPr txBox="1"/>
+          <p:nvPr/>
+        </p:nvSpPr>
+        <p:spPr>
+          <a:xfrm>
+            <a:off x="3810000" y="621916"/>
+            <a:ext cx="5029200" cy="3785652"/>
+          </a:xfrm>
+          <a:prstGeom prst="rect">
+            <a:avLst/>
+          </a:prstGeom>
+          <a:noFill/>
+        </p:spPr>
+        <p:txBody>
+          <a:bodyPr wrap="square" rtlCol="0">
+            <a:spAutoFit/>
+          </a:bodyPr>
+          <a:lstStyle/>
+          <a:p>
+            <a:pPr marL="342900" indent="-342900">
+              <a:buFont typeface="Arial" panose="020B0604020202020204" pitchFamily="34" charset="0"/>
+              <a:buChar char="•"/>
+            </a:pPr>
             <a:r>
               <a:rPr lang="en-US" dirty="0">
                 <a:solidFill>
                   <a:srgbClr val="404040"/>
                 </a:solidFill>
               </a:rPr>
-              <a:t> Tutorial</a:t>
+              <a:t>Two Different Merges</a:t>
             </a:r>
           </a:p>
           <a:p>
@@ -10150,7 +11642,7 @@
                   <a:srgbClr val="404040"/>
                 </a:solidFill>
               </a:rPr>
-              <a:t>Run Code in Parts</a:t>
+              <a:t>Education Into GDP</a:t>
             </a:r>
           </a:p>
           <a:p>
@@ -10164,7 +11656,7 @@
                   <a:srgbClr val="404040"/>
                 </a:solidFill>
               </a:rPr>
-              <a:t>Check Final Table to Make Sure It Worked</a:t>
+              <a:t>GDP Into COVID</a:t>
             </a:r>
           </a:p>
           <a:p>
@@ -10177,6 +11669,138 @@
                 <a:srgbClr val="404040"/>
               </a:solidFill>
             </a:endParaRPr>
+          </a:p>
+          <a:p>
+            <a:pPr marL="342900" indent="-342900">
+              <a:buFont typeface="Arial" panose="020B0604020202020204" pitchFamily="34" charset="0"/>
+              <a:buChar char="•"/>
+            </a:pPr>
+            <a:r>
+              <a:rPr lang="en-US" dirty="0">
+                <a:solidFill>
+                  <a:srgbClr val="404040"/>
+                </a:solidFill>
+              </a:rPr>
+              <a:t>Use Appropriate Join -&gt; “Into”</a:t>
+            </a:r>
+          </a:p>
+          <a:p>
+            <a:pPr marL="342900" indent="-342900">
+              <a:buFont typeface="Arial" panose="020B0604020202020204" pitchFamily="34" charset="0"/>
+              <a:buChar char="•"/>
+            </a:pPr>
+            <a:endParaRPr lang="en-US" dirty="0">
+              <a:solidFill>
+                <a:srgbClr val="404040"/>
+              </a:solidFill>
+            </a:endParaRPr>
+          </a:p>
+          <a:p>
+            <a:pPr marL="342900" indent="-342900">
+              <a:buFont typeface="Arial" panose="020B0604020202020204" pitchFamily="34" charset="0"/>
+              <a:buChar char="•"/>
+            </a:pPr>
+            <a:r>
+              <a:rPr lang="en-US" dirty="0">
+                <a:solidFill>
+                  <a:srgbClr val="404040"/>
+                </a:solidFill>
+              </a:rPr>
+              <a:t>Answer All Follow-Up Questions</a:t>
+            </a:r>
+          </a:p>
+          <a:p>
+            <a:pPr marL="342900" indent="-342900">
+              <a:buFont typeface="Arial" panose="020B0604020202020204" pitchFamily="34" charset="0"/>
+              <a:buChar char="•"/>
+            </a:pPr>
+            <a:endParaRPr lang="en-US" dirty="0">
+              <a:solidFill>
+                <a:srgbClr val="404040"/>
+              </a:solidFill>
+            </a:endParaRPr>
+          </a:p>
+          <a:p>
+            <a:pPr marL="342900" indent="-342900">
+              <a:buFont typeface="Arial" panose="020B0604020202020204" pitchFamily="34" charset="0"/>
+              <a:buChar char="•"/>
+            </a:pPr>
+            <a:r>
+              <a:rPr lang="en-US" dirty="0">
+                <a:solidFill>
+                  <a:srgbClr val="404040"/>
+                </a:solidFill>
+              </a:rPr>
+              <a:t>Fix Specific Instances</a:t>
+            </a:r>
+          </a:p>
+          <a:p>
+            <a:pPr marL="800100" lvl="1" indent="-342900">
+              <a:buFont typeface="Arial" panose="020B0604020202020204" pitchFamily="34" charset="0"/>
+              <a:buChar char="•"/>
+            </a:pPr>
+            <a:endParaRPr lang="en-US" dirty="0">
+              <a:solidFill>
+                <a:srgbClr val="404040"/>
+              </a:solidFill>
+            </a:endParaRPr>
+          </a:p>
+        </p:txBody>
+      </p:sp>
+      <p:sp>
+        <p:nvSpPr>
+          <p:cNvPr id="3" name="TextBox 2">
+            <a:extLst>
+              <a:ext uri="{FF2B5EF4-FFF2-40B4-BE49-F238E27FC236}">
+                <a16:creationId xmlns:a16="http://schemas.microsoft.com/office/drawing/2014/main" id="{1583623D-6E30-4A28-9476-0A3F654BA91D}"/>
+              </a:ext>
+            </a:extLst>
+          </p:cNvPr>
+          <p:cNvSpPr txBox="1"/>
+          <p:nvPr/>
+        </p:nvSpPr>
+        <p:spPr>
+          <a:xfrm>
+            <a:off x="4203400" y="4031521"/>
+            <a:ext cx="4242399" cy="400110"/>
+          </a:xfrm>
+          <a:prstGeom prst="rect">
+            <a:avLst/>
+          </a:prstGeom>
+          <a:solidFill>
+            <a:srgbClr val="404040"/>
+          </a:solidFill>
+        </p:spPr>
+        <p:txBody>
+          <a:bodyPr wrap="square" rtlCol="0">
+            <a:spAutoFit/>
+          </a:bodyPr>
+          <a:lstStyle/>
+          <a:p>
+            <a:r>
+              <a:rPr lang="en-US" sz="2000" dirty="0">
+                <a:solidFill>
+                  <a:schemeClr val="bg1"/>
+                </a:solidFill>
+              </a:rPr>
+              <a:t>&gt; </a:t>
+            </a:r>
+            <a:r>
+              <a:rPr lang="en-US" sz="2000" dirty="0" err="1">
+                <a:solidFill>
+                  <a:schemeClr val="bg1"/>
+                </a:solidFill>
+              </a:rPr>
+              <a:t>ifelse</a:t>
+            </a:r>
+            <a:r>
+              <a:rPr lang="en-US" sz="2000" dirty="0">
+                <a:solidFill>
+                  <a:schemeClr val="bg1"/>
+                </a:solidFill>
+              </a:rPr>
+              <a:t>(VAR==“OLD”, “NEW”, VAR)</a:t>
+            </a:r>
           </a:p>
         </p:txBody>
       </p:sp>
@@ -10196,7 +11820,7 @@
 </p:sld>
 </file>
 
-<file path=ppt/slides/slide6.xml><?xml version="1.0" encoding="utf-8"?>
+<file path=ppt/slides/slide9.xml><?xml version="1.0" encoding="utf-8"?>
 <p:sld xmlns:a="http://schemas.openxmlformats.org/drawingml/2006/main" xmlns:r="http://schemas.openxmlformats.org/officeDocument/2006/relationships" xmlns:p="http://schemas.openxmlformats.org/presentationml/2006/main">
   <p:cSld>
     <p:bg>
@@ -10962,6 +12586,12 @@
 </p:tagLst>
 </file>
 
+<file path=ppt/tags/tag10.xml><?xml version="1.0" encoding="utf-8"?>
+<p:tagLst xmlns:a="http://schemas.openxmlformats.org/drawingml/2006/main" xmlns:r="http://schemas.openxmlformats.org/officeDocument/2006/relationships" xmlns:p="http://schemas.openxmlformats.org/presentationml/2006/main">
+  <p:tag name="DELIMITERS" val="3.1"/>
+</p:tagLst>
+</file>
+
 <file path=ppt/tags/tag2.xml><?xml version="1.0" encoding="utf-8"?>
 <p:tagLst xmlns:a="http://schemas.openxmlformats.org/drawingml/2006/main" xmlns:r="http://schemas.openxmlformats.org/officeDocument/2006/relationships" xmlns:p="http://schemas.openxmlformats.org/presentationml/2006/main">
   <p:tag name="DELIMITERS" val="3.1"/>
@@ -10993,6 +12623,18 @@
 </file>
 
 <file path=ppt/tags/tag7.xml><?xml version="1.0" encoding="utf-8"?>
+<p:tagLst xmlns:a="http://schemas.openxmlformats.org/drawingml/2006/main" xmlns:r="http://schemas.openxmlformats.org/officeDocument/2006/relationships" xmlns:p="http://schemas.openxmlformats.org/presentationml/2006/main">
+  <p:tag name="DELIMITERS" val="3.1"/>
+</p:tagLst>
+</file>
+
+<file path=ppt/tags/tag8.xml><?xml version="1.0" encoding="utf-8"?>
+<p:tagLst xmlns:a="http://schemas.openxmlformats.org/drawingml/2006/main" xmlns:r="http://schemas.openxmlformats.org/officeDocument/2006/relationships" xmlns:p="http://schemas.openxmlformats.org/presentationml/2006/main">
+  <p:tag name="DELIMITERS" val="3.1"/>
+</p:tagLst>
+</file>
+
+<file path=ppt/tags/tag9.xml><?xml version="1.0" encoding="utf-8"?>
 <p:tagLst xmlns:a="http://schemas.openxmlformats.org/drawingml/2006/main" xmlns:r="http://schemas.openxmlformats.org/officeDocument/2006/relationships" xmlns:p="http://schemas.openxmlformats.org/presentationml/2006/main">
   <p:tag name="DELIMITERS" val="3.1"/>
 </p:tagLst>

--- a/Lecture/Joins 2/Joins_2_Lecture.pptx
+++ b/Lecture/Joins 2/Joins_2_Lecture.pptx
@@ -296,7 +296,7 @@
               <a:pPr>
                 <a:defRPr/>
               </a:pPr>
-              <a:t>9/23/2020</a:t>
+              <a:t>6/30/2022</a:t>
             </a:fld>
             <a:endParaRPr lang="en-US" dirty="0"/>
           </a:p>
@@ -508,7 +508,7 @@
               <a:pPr>
                 <a:defRPr/>
               </a:pPr>
-              <a:t>9/23/2020</a:t>
+              <a:t>6/30/2022</a:t>
             </a:fld>
             <a:endParaRPr lang="en-US" dirty="0"/>
           </a:p>
@@ -1027,7 +1027,7 @@
               <a:pPr>
                 <a:defRPr/>
               </a:pPr>
-              <a:t>9/23/2020</a:t>
+              <a:t>6/30/2022</a:t>
             </a:fld>
             <a:endParaRPr lang="en-US" dirty="0"/>
           </a:p>
@@ -1217,7 +1217,7 @@
               <a:pPr>
                 <a:defRPr/>
               </a:pPr>
-              <a:t>9/23/2020</a:t>
+              <a:t>6/30/2022</a:t>
             </a:fld>
             <a:endParaRPr lang="en-US" dirty="0"/>
           </a:p>
@@ -1417,7 +1417,7 @@
               <a:pPr>
                 <a:defRPr/>
               </a:pPr>
-              <a:t>9/23/2020</a:t>
+              <a:t>6/30/2022</a:t>
             </a:fld>
             <a:endParaRPr lang="en-US" dirty="0"/>
           </a:p>
@@ -1685,7 +1685,7 @@
               <a:pPr>
                 <a:defRPr/>
               </a:pPr>
-              <a:t>9/23/2020</a:t>
+              <a:t>6/30/2022</a:t>
             </a:fld>
             <a:endParaRPr lang="en-US" dirty="0">
               <a:solidFill>
@@ -1899,7 +1899,7 @@
               <a:pPr>
                 <a:defRPr/>
               </a:pPr>
-              <a:t>9/23/2020</a:t>
+              <a:t>6/30/2022</a:t>
             </a:fld>
             <a:endParaRPr lang="en-US" dirty="0">
               <a:solidFill>
@@ -2190,7 +2190,7 @@
               <a:pPr>
                 <a:defRPr/>
               </a:pPr>
-              <a:t>9/23/2020</a:t>
+              <a:t>6/30/2022</a:t>
             </a:fld>
             <a:endParaRPr lang="en-US" dirty="0">
               <a:solidFill>
@@ -2521,7 +2521,7 @@
               <a:pPr>
                 <a:defRPr/>
               </a:pPr>
-              <a:t>9/23/2020</a:t>
+              <a:t>6/30/2022</a:t>
             </a:fld>
             <a:endParaRPr lang="en-US" dirty="0">
               <a:solidFill>
@@ -2986,7 +2986,7 @@
               <a:pPr>
                 <a:defRPr/>
               </a:pPr>
-              <a:t>9/23/2020</a:t>
+              <a:t>6/30/2022</a:t>
             </a:fld>
             <a:endParaRPr lang="en-US" dirty="0">
               <a:solidFill>
@@ -3149,7 +3149,7 @@
               <a:pPr>
                 <a:defRPr/>
               </a:pPr>
-              <a:t>9/23/2020</a:t>
+              <a:t>6/30/2022</a:t>
             </a:fld>
             <a:endParaRPr lang="en-US" dirty="0">
               <a:solidFill>
@@ -3290,7 +3290,7 @@
               <a:pPr>
                 <a:defRPr/>
               </a:pPr>
-              <a:t>9/23/2020</a:t>
+              <a:t>6/30/2022</a:t>
             </a:fld>
             <a:endParaRPr lang="en-US" dirty="0">
               <a:solidFill>
@@ -3611,7 +3611,7 @@
               <a:pPr>
                 <a:defRPr/>
               </a:pPr>
-              <a:t>9/23/2020</a:t>
+              <a:t>6/30/2022</a:t>
             </a:fld>
             <a:endParaRPr lang="en-US" dirty="0">
               <a:solidFill>
@@ -3819,7 +3819,7 @@
               <a:pPr>
                 <a:defRPr/>
               </a:pPr>
-              <a:t>9/23/2020</a:t>
+              <a:t>6/30/2022</a:t>
             </a:fld>
             <a:endParaRPr lang="en-US" dirty="0"/>
           </a:p>
@@ -4102,7 +4102,7 @@
               <a:pPr>
                 <a:defRPr/>
               </a:pPr>
-              <a:t>9/23/2020</a:t>
+              <a:t>6/30/2022</a:t>
             </a:fld>
             <a:endParaRPr lang="en-US" dirty="0">
               <a:solidFill>
@@ -4316,7 +4316,7 @@
               <a:pPr>
                 <a:defRPr/>
               </a:pPr>
-              <a:t>9/23/2020</a:t>
+              <a:t>6/30/2022</a:t>
             </a:fld>
             <a:endParaRPr lang="en-US" dirty="0">
               <a:solidFill>
@@ -4540,7 +4540,7 @@
               <a:pPr>
                 <a:defRPr/>
               </a:pPr>
-              <a:t>9/23/2020</a:t>
+              <a:t>6/30/2022</a:t>
             </a:fld>
             <a:endParaRPr lang="en-US" dirty="0">
               <a:solidFill>
@@ -4750,7 +4750,7 @@
               <a:pPr>
                 <a:defRPr/>
               </a:pPr>
-              <a:t>9/23/2020</a:t>
+              <a:t>6/30/2022</a:t>
             </a:fld>
             <a:endParaRPr lang="en-US" dirty="0">
               <a:solidFill>
@@ -5027,7 +5027,7 @@
               <a:pPr>
                 <a:defRPr/>
               </a:pPr>
-              <a:t>9/23/2020</a:t>
+              <a:t>6/30/2022</a:t>
             </a:fld>
             <a:endParaRPr lang="en-US" dirty="0"/>
           </a:p>
@@ -5334,7 +5334,7 @@
               <a:pPr>
                 <a:defRPr/>
               </a:pPr>
-              <a:t>9/23/2020</a:t>
+              <a:t>6/30/2022</a:t>
             </a:fld>
             <a:endParaRPr lang="en-US" dirty="0"/>
           </a:p>
@@ -5775,7 +5775,7 @@
               <a:pPr>
                 <a:defRPr/>
               </a:pPr>
-              <a:t>9/23/2020</a:t>
+              <a:t>6/30/2022</a:t>
             </a:fld>
             <a:endParaRPr lang="en-US" dirty="0"/>
           </a:p>
@@ -5914,7 +5914,7 @@
               <a:pPr>
                 <a:defRPr/>
               </a:pPr>
-              <a:t>9/23/2020</a:t>
+              <a:t>6/30/2022</a:t>
             </a:fld>
             <a:endParaRPr lang="en-US" dirty="0"/>
           </a:p>
@@ -6031,7 +6031,7 @@
               <a:pPr>
                 <a:defRPr/>
               </a:pPr>
-              <a:t>9/23/2020</a:t>
+              <a:t>6/30/2022</a:t>
             </a:fld>
             <a:endParaRPr lang="en-US" dirty="0"/>
           </a:p>
@@ -6328,7 +6328,7 @@
               <a:pPr>
                 <a:defRPr/>
               </a:pPr>
-              <a:t>9/23/2020</a:t>
+              <a:t>6/30/2022</a:t>
             </a:fld>
             <a:endParaRPr lang="en-US" dirty="0"/>
           </a:p>
@@ -6605,7 +6605,7 @@
               <a:pPr>
                 <a:defRPr/>
               </a:pPr>
-              <a:t>9/23/2020</a:t>
+              <a:t>6/30/2022</a:t>
             </a:fld>
             <a:endParaRPr lang="en-US" dirty="0"/>
           </a:p>
@@ -6862,7 +6862,7 @@
               <a:pPr>
                 <a:defRPr/>
               </a:pPr>
-              <a:t>9/23/2020</a:t>
+              <a:t>6/30/2022</a:t>
             </a:fld>
             <a:endParaRPr lang="en-US" dirty="0"/>
           </a:p>
@@ -7572,7 +7572,7 @@
               <a:pPr>
                 <a:defRPr/>
               </a:pPr>
-              <a:t>9/23/2020</a:t>
+              <a:t>6/30/2022</a:t>
             </a:fld>
             <a:endParaRPr lang="en-US" dirty="0">
               <a:solidFill>
@@ -11160,7 +11160,7 @@
         <p:spPr>
           <a:xfrm>
             <a:off x="3810000" y="621916"/>
-            <a:ext cx="5257800" cy="3416320"/>
+            <a:ext cx="5257800" cy="4154984"/>
           </a:xfrm>
           <a:prstGeom prst="rect">
             <a:avLst/>
@@ -11268,6 +11268,28 @@
               <a:buFont typeface="Arial" panose="020B0604020202020204" pitchFamily="34" charset="0"/>
               <a:buChar char="•"/>
             </a:pPr>
+            <a:endParaRPr lang="en-US" dirty="0">
+              <a:solidFill>
+                <a:srgbClr val="404040"/>
+              </a:solidFill>
+            </a:endParaRPr>
+          </a:p>
+          <a:p>
+            <a:pPr marL="342900" indent="-342900">
+              <a:buFont typeface="Arial" panose="020B0604020202020204" pitchFamily="34" charset="0"/>
+              <a:buChar char="•"/>
+            </a:pPr>
+            <a:endParaRPr lang="en-US" dirty="0">
+              <a:solidFill>
+                <a:srgbClr val="404040"/>
+              </a:solidFill>
+            </a:endParaRPr>
+          </a:p>
+          <a:p>
+            <a:pPr marL="342900" indent="-342900">
+              <a:buFont typeface="Arial" panose="020B0604020202020204" pitchFamily="34" charset="0"/>
+              <a:buChar char="•"/>
+            </a:pPr>
             <a:r>
               <a:rPr lang="en-US" dirty="0">
                 <a:solidFill>
@@ -11281,10 +11303,10 @@
       </p:sp>
       <p:pic>
         <p:nvPicPr>
-          <p:cNvPr id="3" name="Picture 2">
+          <p:cNvPr id="5" name="Picture 4">
             <a:extLst>
               <a:ext uri="{FF2B5EF4-FFF2-40B4-BE49-F238E27FC236}">
-                <a16:creationId xmlns:a16="http://schemas.microsoft.com/office/drawing/2014/main" id="{FB6E9C2A-B2ED-4566-B8C4-5606C6AEC172}"/>
+                <a16:creationId xmlns:a16="http://schemas.microsoft.com/office/drawing/2014/main" id="{AF5B14F4-B99F-4CF0-9B77-CC5C3DCFA7D6}"/>
               </a:ext>
             </a:extLst>
           </p:cNvPr>
@@ -11301,8 +11323,8 @@
         </p:blipFill>
         <p:spPr>
           <a:xfrm>
-            <a:off x="3581400" y="1143000"/>
-            <a:ext cx="5486400" cy="2128723"/>
+            <a:off x="3657600" y="4740015"/>
+            <a:ext cx="5334000" cy="2043348"/>
           </a:xfrm>
           <a:prstGeom prst="rect">
             <a:avLst/>
@@ -11330,10 +11352,10 @@
       </p:pic>
       <p:pic>
         <p:nvPicPr>
-          <p:cNvPr id="5" name="Picture 4">
+          <p:cNvPr id="6" name="Picture 5">
             <a:extLst>
               <a:ext uri="{FF2B5EF4-FFF2-40B4-BE49-F238E27FC236}">
-                <a16:creationId xmlns:a16="http://schemas.microsoft.com/office/drawing/2014/main" id="{AF5B14F4-B99F-4CF0-9B77-CC5C3DCFA7D6}"/>
+                <a16:creationId xmlns:a16="http://schemas.microsoft.com/office/drawing/2014/main" id="{9903E4F4-5EDE-4BDB-F46A-25BBE8A352C6}"/>
               </a:ext>
             </a:extLst>
           </p:cNvPr>
@@ -11350,8 +11372,8 @@
         </p:blipFill>
         <p:spPr>
           <a:xfrm>
-            <a:off x="3657600" y="4038236"/>
-            <a:ext cx="5334000" cy="2043348"/>
+            <a:off x="4267200" y="1123492"/>
+            <a:ext cx="3490722" cy="2782500"/>
           </a:xfrm>
           <a:prstGeom prst="rect">
             <a:avLst/>

--- a/Lecture/Joins 2/Joins_2_Lecture.pptx
+++ b/Lecture/Joins 2/Joins_2_Lecture.pptx
@@ -6,10 +6,10 @@
     <p:sldMasterId id="2147483676" r:id="rId2"/>
   </p:sldMasterIdLst>
   <p:notesMasterIdLst>
-    <p:notesMasterId r:id="rId12"/>
+    <p:notesMasterId r:id="rId9"/>
   </p:notesMasterIdLst>
   <p:handoutMasterIdLst>
-    <p:handoutMasterId r:id="rId13"/>
+    <p:handoutMasterId r:id="rId10"/>
   </p:handoutMasterIdLst>
   <p:sldIdLst>
     <p:sldId id="320" r:id="rId3"/>
@@ -17,15 +17,12 @@
     <p:sldId id="396" r:id="rId5"/>
     <p:sldId id="397" r:id="rId6"/>
     <p:sldId id="390" r:id="rId7"/>
-    <p:sldId id="392" r:id="rId8"/>
-    <p:sldId id="394" r:id="rId9"/>
-    <p:sldId id="393" r:id="rId10"/>
-    <p:sldId id="329" r:id="rId11"/>
+    <p:sldId id="329" r:id="rId8"/>
   </p:sldIdLst>
   <p:sldSz cx="9144000" cy="6858000" type="screen4x3"/>
   <p:notesSz cx="6858000" cy="9144000"/>
   <p:custDataLst>
-    <p:tags r:id="rId14"/>
+    <p:tags r:id="rId11"/>
   </p:custDataLst>
   <p:defaultTextStyle>
     <a:defPPr>
@@ -296,7 +293,7 @@
               <a:pPr>
                 <a:defRPr/>
               </a:pPr>
-              <a:t>6/30/2022</a:t>
+              <a:t>2/19/2023</a:t>
             </a:fld>
             <a:endParaRPr lang="en-US" dirty="0"/>
           </a:p>
@@ -508,7 +505,7 @@
               <a:pPr>
                 <a:defRPr/>
               </a:pPr>
-              <a:t>6/30/2022</a:t>
+              <a:t>2/19/2023</a:t>
             </a:fld>
             <a:endParaRPr lang="en-US" dirty="0"/>
           </a:p>
@@ -1027,7 +1024,7 @@
               <a:pPr>
                 <a:defRPr/>
               </a:pPr>
-              <a:t>6/30/2022</a:t>
+              <a:t>2/19/2023</a:t>
             </a:fld>
             <a:endParaRPr lang="en-US" dirty="0"/>
           </a:p>
@@ -1217,7 +1214,7 @@
               <a:pPr>
                 <a:defRPr/>
               </a:pPr>
-              <a:t>6/30/2022</a:t>
+              <a:t>2/19/2023</a:t>
             </a:fld>
             <a:endParaRPr lang="en-US" dirty="0"/>
           </a:p>
@@ -1417,7 +1414,7 @@
               <a:pPr>
                 <a:defRPr/>
               </a:pPr>
-              <a:t>6/30/2022</a:t>
+              <a:t>2/19/2023</a:t>
             </a:fld>
             <a:endParaRPr lang="en-US" dirty="0"/>
           </a:p>
@@ -1685,7 +1682,7 @@
               <a:pPr>
                 <a:defRPr/>
               </a:pPr>
-              <a:t>6/30/2022</a:t>
+              <a:t>2/19/2023</a:t>
             </a:fld>
             <a:endParaRPr lang="en-US" dirty="0">
               <a:solidFill>
@@ -1899,7 +1896,7 @@
               <a:pPr>
                 <a:defRPr/>
               </a:pPr>
-              <a:t>6/30/2022</a:t>
+              <a:t>2/19/2023</a:t>
             </a:fld>
             <a:endParaRPr lang="en-US" dirty="0">
               <a:solidFill>
@@ -2190,7 +2187,7 @@
               <a:pPr>
                 <a:defRPr/>
               </a:pPr>
-              <a:t>6/30/2022</a:t>
+              <a:t>2/19/2023</a:t>
             </a:fld>
             <a:endParaRPr lang="en-US" dirty="0">
               <a:solidFill>
@@ -2521,7 +2518,7 @@
               <a:pPr>
                 <a:defRPr/>
               </a:pPr>
-              <a:t>6/30/2022</a:t>
+              <a:t>2/19/2023</a:t>
             </a:fld>
             <a:endParaRPr lang="en-US" dirty="0">
               <a:solidFill>
@@ -2986,7 +2983,7 @@
               <a:pPr>
                 <a:defRPr/>
               </a:pPr>
-              <a:t>6/30/2022</a:t>
+              <a:t>2/19/2023</a:t>
             </a:fld>
             <a:endParaRPr lang="en-US" dirty="0">
               <a:solidFill>
@@ -3149,7 +3146,7 @@
               <a:pPr>
                 <a:defRPr/>
               </a:pPr>
-              <a:t>6/30/2022</a:t>
+              <a:t>2/19/2023</a:t>
             </a:fld>
             <a:endParaRPr lang="en-US" dirty="0">
               <a:solidFill>
@@ -3290,7 +3287,7 @@
               <a:pPr>
                 <a:defRPr/>
               </a:pPr>
-              <a:t>6/30/2022</a:t>
+              <a:t>2/19/2023</a:t>
             </a:fld>
             <a:endParaRPr lang="en-US" dirty="0">
               <a:solidFill>
@@ -3611,7 +3608,7 @@
               <a:pPr>
                 <a:defRPr/>
               </a:pPr>
-              <a:t>6/30/2022</a:t>
+              <a:t>2/19/2023</a:t>
             </a:fld>
             <a:endParaRPr lang="en-US" dirty="0">
               <a:solidFill>
@@ -3819,7 +3816,7 @@
               <a:pPr>
                 <a:defRPr/>
               </a:pPr>
-              <a:t>6/30/2022</a:t>
+              <a:t>2/19/2023</a:t>
             </a:fld>
             <a:endParaRPr lang="en-US" dirty="0"/>
           </a:p>
@@ -4102,7 +4099,7 @@
               <a:pPr>
                 <a:defRPr/>
               </a:pPr>
-              <a:t>6/30/2022</a:t>
+              <a:t>2/19/2023</a:t>
             </a:fld>
             <a:endParaRPr lang="en-US" dirty="0">
               <a:solidFill>
@@ -4316,7 +4313,7 @@
               <a:pPr>
                 <a:defRPr/>
               </a:pPr>
-              <a:t>6/30/2022</a:t>
+              <a:t>2/19/2023</a:t>
             </a:fld>
             <a:endParaRPr lang="en-US" dirty="0">
               <a:solidFill>
@@ -4540,7 +4537,7 @@
               <a:pPr>
                 <a:defRPr/>
               </a:pPr>
-              <a:t>6/30/2022</a:t>
+              <a:t>2/19/2023</a:t>
             </a:fld>
             <a:endParaRPr lang="en-US" dirty="0">
               <a:solidFill>
@@ -4750,7 +4747,7 @@
               <a:pPr>
                 <a:defRPr/>
               </a:pPr>
-              <a:t>6/30/2022</a:t>
+              <a:t>2/19/2023</a:t>
             </a:fld>
             <a:endParaRPr lang="en-US" dirty="0">
               <a:solidFill>
@@ -5027,7 +5024,7 @@
               <a:pPr>
                 <a:defRPr/>
               </a:pPr>
-              <a:t>6/30/2022</a:t>
+              <a:t>2/19/2023</a:t>
             </a:fld>
             <a:endParaRPr lang="en-US" dirty="0"/>
           </a:p>
@@ -5334,7 +5331,7 @@
               <a:pPr>
                 <a:defRPr/>
               </a:pPr>
-              <a:t>6/30/2022</a:t>
+              <a:t>2/19/2023</a:t>
             </a:fld>
             <a:endParaRPr lang="en-US" dirty="0"/>
           </a:p>
@@ -5775,7 +5772,7 @@
               <a:pPr>
                 <a:defRPr/>
               </a:pPr>
-              <a:t>6/30/2022</a:t>
+              <a:t>2/19/2023</a:t>
             </a:fld>
             <a:endParaRPr lang="en-US" dirty="0"/>
           </a:p>
@@ -5914,7 +5911,7 @@
               <a:pPr>
                 <a:defRPr/>
               </a:pPr>
-              <a:t>6/30/2022</a:t>
+              <a:t>2/19/2023</a:t>
             </a:fld>
             <a:endParaRPr lang="en-US" dirty="0"/>
           </a:p>
@@ -6031,7 +6028,7 @@
               <a:pPr>
                 <a:defRPr/>
               </a:pPr>
-              <a:t>6/30/2022</a:t>
+              <a:t>2/19/2023</a:t>
             </a:fld>
             <a:endParaRPr lang="en-US" dirty="0"/>
           </a:p>
@@ -6328,7 +6325,7 @@
               <a:pPr>
                 <a:defRPr/>
               </a:pPr>
-              <a:t>6/30/2022</a:t>
+              <a:t>2/19/2023</a:t>
             </a:fld>
             <a:endParaRPr lang="en-US" dirty="0"/>
           </a:p>
@@ -6605,7 +6602,7 @@
               <a:pPr>
                 <a:defRPr/>
               </a:pPr>
-              <a:t>6/30/2022</a:t>
+              <a:t>2/19/2023</a:t>
             </a:fld>
             <a:endParaRPr lang="en-US" dirty="0"/>
           </a:p>
@@ -6862,7 +6859,7 @@
               <a:pPr>
                 <a:defRPr/>
               </a:pPr>
-              <a:t>6/30/2022</a:t>
+              <a:t>2/19/2023</a:t>
             </a:fld>
             <a:endParaRPr lang="en-US" dirty="0"/>
           </a:p>
@@ -7572,7 +7569,7 @@
               <a:pPr>
                 <a:defRPr/>
               </a:pPr>
-              <a:t>6/30/2022</a:t>
+              <a:t>2/19/2023</a:t>
             </a:fld>
             <a:endParaRPr lang="en-US" dirty="0">
               <a:solidFill>
@@ -10338,8 +10335,21 @@
                   <a:srgbClr val="404040"/>
                 </a:solidFill>
               </a:rPr>
-              <a:t>Part 1: Scrape GDP Data</a:t>
-            </a:r>
+              <a:t>Part 1: </a:t>
+            </a:r>
+            <a:r>
+              <a:rPr lang="en-US">
+                <a:solidFill>
+                  <a:srgbClr val="404040"/>
+                </a:solidFill>
+              </a:rPr>
+              <a:t>Scrape Data</a:t>
+            </a:r>
+            <a:endParaRPr lang="en-US" dirty="0">
+              <a:solidFill>
+                <a:srgbClr val="404040"/>
+              </a:solidFill>
+            </a:endParaRPr>
           </a:p>
           <a:p>
             <a:pPr marL="800100" lvl="1" indent="-342900">
@@ -10413,1436 +10423,6 @@
 </file>
 
 <file path=ppt/slides/slide6.xml><?xml version="1.0" encoding="utf-8"?>
-<p:sld xmlns:a="http://schemas.openxmlformats.org/drawingml/2006/main" xmlns:r="http://schemas.openxmlformats.org/officeDocument/2006/relationships" xmlns:p="http://schemas.openxmlformats.org/presentationml/2006/main">
-  <p:cSld>
-    <p:bg>
-      <p:bgPr>
-        <a:solidFill>
-          <a:schemeClr val="bg1">
-            <a:lumMod val="85000"/>
-          </a:schemeClr>
-        </a:solidFill>
-        <a:effectLst/>
-      </p:bgPr>
-    </p:bg>
-    <p:spTree>
-      <p:nvGrpSpPr>
-        <p:cNvPr id="1" name=""/>
-        <p:cNvGrpSpPr/>
-        <p:nvPr/>
-      </p:nvGrpSpPr>
-      <p:grpSpPr>
-        <a:xfrm>
-          <a:off x="0" y="0"/>
-          <a:ext cx="0" cy="0"/>
-          <a:chOff x="0" y="0"/>
-          <a:chExt cx="0" cy="0"/>
-        </a:xfrm>
-      </p:grpSpPr>
-      <p:sp>
-        <p:nvSpPr>
-          <p:cNvPr id="15" name="Rectangle 12">
-            <a:extLst>
-              <a:ext uri="{FF2B5EF4-FFF2-40B4-BE49-F238E27FC236}">
-                <a16:creationId xmlns:a16="http://schemas.microsoft.com/office/drawing/2014/main" id="{867D4867-5BA7-4462-B2F6-A23F4A622AA7}"/>
-              </a:ext>
-              <a:ext uri="{C183D7F6-B498-43B3-948B-1728B52AA6E4}">
-                <adec:decorative xmlns:adec="http://schemas.microsoft.com/office/drawing/2017/decorative" val="1"/>
-              </a:ext>
-            </a:extLst>
-          </p:cNvPr>
-          <p:cNvSpPr>
-            <a:spLocks noGrp="1" noRot="1" noChangeAspect="1" noMove="1" noResize="1" noEditPoints="1" noAdjustHandles="1" noChangeArrowheads="1" noChangeShapeType="1" noTextEdit="1"/>
-          </p:cNvSpPr>
-          <p:nvPr>
-            <p:extLst>
-              <p:ext uri="{386F3935-93C4-4BCD-93E2-E3B085C9AB24}">
-                <p16:designElem xmlns:p16="http://schemas.microsoft.com/office/powerpoint/2015/main" val="1"/>
-              </p:ext>
-            </p:extLst>
-          </p:nvPr>
-        </p:nvSpPr>
-        <p:spPr>
-          <a:xfrm>
-            <a:off x="0" y="0"/>
-            <a:ext cx="3490722" cy="6858000"/>
-          </a:xfrm>
-          <a:prstGeom prst="rect">
-            <a:avLst/>
-          </a:prstGeom>
-          <a:solidFill>
-            <a:schemeClr val="tx1">
-              <a:lumMod val="75000"/>
-              <a:lumOff val="25000"/>
-            </a:schemeClr>
-          </a:solidFill>
-          <a:ln>
-            <a:noFill/>
-          </a:ln>
-        </p:spPr>
-        <p:style>
-          <a:lnRef idx="0">
-            <a:scrgbClr r="0" g="0" b="0"/>
-          </a:lnRef>
-          <a:fillRef idx="0">
-            <a:scrgbClr r="0" g="0" b="0"/>
-          </a:fillRef>
-          <a:effectRef idx="0">
-            <a:scrgbClr r="0" g="0" b="0"/>
-          </a:effectRef>
-          <a:fontRef idx="minor">
-            <a:schemeClr val="lt1"/>
-          </a:fontRef>
-        </p:style>
-        <p:txBody>
-          <a:bodyPr rtlCol="0" anchor="ctr"/>
-          <a:lstStyle/>
-          <a:p>
-            <a:pPr marL="0" marR="0" lvl="0" indent="0" algn="ctr" defTabSz="457200" rtl="0" eaLnBrk="1" fontAlgn="base" latinLnBrk="0" hangingPunct="1">
-              <a:lnSpc>
-                <a:spcPct val="100000"/>
-              </a:lnSpc>
-              <a:spcBef>
-                <a:spcPct val="0"/>
-              </a:spcBef>
-              <a:spcAft>
-                <a:spcPct val="0"/>
-              </a:spcAft>
-              <a:buClrTx/>
-              <a:buSzTx/>
-              <a:buFontTx/>
-              <a:buNone/>
-              <a:tabLst/>
-              <a:defRPr/>
-            </a:pPr>
-            <a:endParaRPr kumimoji="0" lang="en-US" sz="2400" b="0" i="0" u="none" strike="noStrike" kern="1200" cap="none" spc="0" normalizeH="0" baseline="0" noProof="0">
-              <a:ln>
-                <a:noFill/>
-              </a:ln>
-              <a:solidFill>
-                <a:prstClr val="white"/>
-              </a:solidFill>
-              <a:effectLst/>
-              <a:uLnTx/>
-              <a:uFillTx/>
-              <a:latin typeface="Calibri"/>
-              <a:ea typeface="+mn-ea"/>
-              <a:cs typeface="+mn-cs"/>
-            </a:endParaRPr>
-          </a:p>
-        </p:txBody>
-      </p:sp>
-      <p:sp>
-        <p:nvSpPr>
-          <p:cNvPr id="2" name="Title 1"/>
-          <p:cNvSpPr>
-            <a:spLocks noGrp="1"/>
-          </p:cNvSpPr>
-          <p:nvPr>
-            <p:ph type="title"/>
-          </p:nvPr>
-        </p:nvSpPr>
-        <p:spPr>
-          <a:xfrm>
-            <a:off x="482600" y="643467"/>
-            <a:ext cx="2522980" cy="1597315"/>
-          </a:xfrm>
-          <a:noFill/>
-          <a:ln w="19050">
-            <a:solidFill>
-              <a:schemeClr val="bg1"/>
-            </a:solidFill>
-          </a:ln>
-        </p:spPr>
-        <p:txBody>
-          <a:bodyPr vert="horz" wrap="square" lIns="91440" tIns="45720" rIns="91440" bIns="45720" rtlCol="0" anchor="ctr">
-            <a:normAutofit/>
-          </a:bodyPr>
-          <a:lstStyle/>
-          <a:p>
-            <a:pPr defTabSz="914400" eaLnBrk="1" hangingPunct="1">
-              <a:lnSpc>
-                <a:spcPct val="90000"/>
-              </a:lnSpc>
-            </a:pPr>
-            <a:r>
-              <a:rPr lang="en-US" sz="2400" kern="1200" dirty="0">
-                <a:solidFill>
-                  <a:schemeClr val="bg1"/>
-                </a:solidFill>
-                <a:latin typeface="+mj-lt"/>
-                <a:ea typeface="+mj-ea"/>
-                <a:cs typeface="+mj-cs"/>
-              </a:rPr>
-              <a:t>Part 1: GDP</a:t>
-            </a:r>
-          </a:p>
-        </p:txBody>
-      </p:sp>
-      <p:pic>
-        <p:nvPicPr>
-          <p:cNvPr id="8" name="Picture 7">
-            <a:extLst>
-              <a:ext uri="{FF2B5EF4-FFF2-40B4-BE49-F238E27FC236}">
-                <a16:creationId xmlns:a16="http://schemas.microsoft.com/office/drawing/2014/main" id="{521D4292-9ECC-4DA5-8CC0-C561A0DA118E}"/>
-              </a:ext>
-            </a:extLst>
-          </p:cNvPr>
-          <p:cNvPicPr>
-            <a:picLocks noChangeAspect="1"/>
-          </p:cNvPicPr>
-          <p:nvPr/>
-        </p:nvPicPr>
-        <p:blipFill rotWithShape="1">
-          <a:blip r:embed="rId3"/>
-          <a:srcRect l="8000" r="9400"/>
-          <a:stretch/>
-        </p:blipFill>
-        <p:spPr>
-          <a:xfrm>
-            <a:off x="660103" y="3048000"/>
-            <a:ext cx="2167974" cy="2624666"/>
-          </a:xfrm>
-          <a:prstGeom prst="rect">
-            <a:avLst/>
-          </a:prstGeom>
-          <a:noFill/>
-        </p:spPr>
-      </p:pic>
-      <p:sp>
-        <p:nvSpPr>
-          <p:cNvPr id="7" name="TextBox 6">
-            <a:extLst>
-              <a:ext uri="{FF2B5EF4-FFF2-40B4-BE49-F238E27FC236}">
-                <a16:creationId xmlns:a16="http://schemas.microsoft.com/office/drawing/2014/main" id="{313C0D66-7964-4225-8C79-22268E7FE93F}"/>
-              </a:ext>
-            </a:extLst>
-          </p:cNvPr>
-          <p:cNvSpPr txBox="1"/>
-          <p:nvPr/>
-        </p:nvSpPr>
-        <p:spPr>
-          <a:xfrm>
-            <a:off x="3810000" y="621916"/>
-            <a:ext cx="5257800" cy="6370975"/>
-          </a:xfrm>
-          <a:prstGeom prst="rect">
-            <a:avLst/>
-          </a:prstGeom>
-          <a:noFill/>
-        </p:spPr>
-        <p:txBody>
-          <a:bodyPr wrap="square" rtlCol="0">
-            <a:spAutoFit/>
-          </a:bodyPr>
-          <a:lstStyle/>
-          <a:p>
-            <a:pPr marL="342900" indent="-342900">
-              <a:buFont typeface="Arial" panose="020B0604020202020204" pitchFamily="34" charset="0"/>
-              <a:buChar char="•"/>
-            </a:pPr>
-            <a:r>
-              <a:rPr lang="en-US" dirty="0">
-                <a:solidFill>
-                  <a:srgbClr val="404040"/>
-                </a:solidFill>
-              </a:rPr>
-              <a:t>GDP Data by Country</a:t>
-            </a:r>
-          </a:p>
-          <a:p>
-            <a:pPr marL="342900" indent="-342900">
-              <a:buFont typeface="Arial" panose="020B0604020202020204" pitchFamily="34" charset="0"/>
-              <a:buChar char="•"/>
-            </a:pPr>
-            <a:endParaRPr lang="en-US" dirty="0">
-              <a:solidFill>
-                <a:srgbClr val="404040"/>
-              </a:solidFill>
-            </a:endParaRPr>
-          </a:p>
-          <a:p>
-            <a:pPr marL="342900" indent="-342900">
-              <a:buFont typeface="Arial" panose="020B0604020202020204" pitchFamily="34" charset="0"/>
-              <a:buChar char="•"/>
-            </a:pPr>
-            <a:endParaRPr lang="en-US" dirty="0">
-              <a:solidFill>
-                <a:srgbClr val="404040"/>
-              </a:solidFill>
-            </a:endParaRPr>
-          </a:p>
-          <a:p>
-            <a:pPr marL="342900" indent="-342900">
-              <a:buFont typeface="Arial" panose="020B0604020202020204" pitchFamily="34" charset="0"/>
-              <a:buChar char="•"/>
-            </a:pPr>
-            <a:endParaRPr lang="en-US" dirty="0">
-              <a:solidFill>
-                <a:srgbClr val="404040"/>
-              </a:solidFill>
-            </a:endParaRPr>
-          </a:p>
-          <a:p>
-            <a:pPr marL="342900" indent="-342900">
-              <a:buFont typeface="Arial" panose="020B0604020202020204" pitchFamily="34" charset="0"/>
-              <a:buChar char="•"/>
-            </a:pPr>
-            <a:endParaRPr lang="en-US" dirty="0">
-              <a:solidFill>
-                <a:srgbClr val="404040"/>
-              </a:solidFill>
-            </a:endParaRPr>
-          </a:p>
-          <a:p>
-            <a:pPr marL="342900" indent="-342900">
-              <a:buFont typeface="Arial" panose="020B0604020202020204" pitchFamily="34" charset="0"/>
-              <a:buChar char="•"/>
-            </a:pPr>
-            <a:endParaRPr lang="en-US" dirty="0">
-              <a:solidFill>
-                <a:srgbClr val="404040"/>
-              </a:solidFill>
-            </a:endParaRPr>
-          </a:p>
-          <a:p>
-            <a:pPr marL="342900" indent="-342900">
-              <a:buFont typeface="Arial" panose="020B0604020202020204" pitchFamily="34" charset="0"/>
-              <a:buChar char="•"/>
-            </a:pPr>
-            <a:endParaRPr lang="en-US" dirty="0">
-              <a:solidFill>
-                <a:srgbClr val="404040"/>
-              </a:solidFill>
-            </a:endParaRPr>
-          </a:p>
-          <a:p>
-            <a:pPr marL="342900" indent="-342900">
-              <a:buFont typeface="Arial" panose="020B0604020202020204" pitchFamily="34" charset="0"/>
-              <a:buChar char="•"/>
-            </a:pPr>
-            <a:endParaRPr lang="en-US" dirty="0">
-              <a:solidFill>
-                <a:srgbClr val="404040"/>
-              </a:solidFill>
-            </a:endParaRPr>
-          </a:p>
-          <a:p>
-            <a:pPr marL="342900" indent="-342900">
-              <a:buFont typeface="Arial" panose="020B0604020202020204" pitchFamily="34" charset="0"/>
-              <a:buChar char="•"/>
-            </a:pPr>
-            <a:endParaRPr lang="en-US" dirty="0">
-              <a:solidFill>
-                <a:srgbClr val="404040"/>
-              </a:solidFill>
-            </a:endParaRPr>
-          </a:p>
-          <a:p>
-            <a:pPr marL="342900" indent="-342900">
-              <a:buFont typeface="Arial" panose="020B0604020202020204" pitchFamily="34" charset="0"/>
-              <a:buChar char="•"/>
-            </a:pPr>
-            <a:endParaRPr lang="en-US" dirty="0">
-              <a:solidFill>
-                <a:srgbClr val="404040"/>
-              </a:solidFill>
-            </a:endParaRPr>
-          </a:p>
-          <a:p>
-            <a:pPr marL="342900" indent="-342900">
-              <a:buFont typeface="Arial" panose="020B0604020202020204" pitchFamily="34" charset="0"/>
-              <a:buChar char="•"/>
-            </a:pPr>
-            <a:r>
-              <a:rPr lang="en-US" dirty="0" err="1">
-                <a:solidFill>
-                  <a:srgbClr val="404040"/>
-                </a:solidFill>
-              </a:rPr>
-              <a:t>Webscrape</a:t>
-            </a:r>
-            <a:r>
-              <a:rPr lang="en-US" dirty="0">
-                <a:solidFill>
-                  <a:srgbClr val="404040"/>
-                </a:solidFill>
-              </a:rPr>
-              <a:t> Data Using </a:t>
-            </a:r>
-            <a:r>
-              <a:rPr lang="en-US" dirty="0" err="1">
-                <a:solidFill>
-                  <a:srgbClr val="404040"/>
-                </a:solidFill>
-              </a:rPr>
-              <a:t>rvest</a:t>
-            </a:r>
-            <a:endParaRPr lang="en-US" dirty="0">
-              <a:solidFill>
-                <a:srgbClr val="404040"/>
-              </a:solidFill>
-            </a:endParaRPr>
-          </a:p>
-          <a:p>
-            <a:pPr marL="342900" indent="-342900">
-              <a:buFont typeface="Arial" panose="020B0604020202020204" pitchFamily="34" charset="0"/>
-              <a:buChar char="•"/>
-            </a:pPr>
-            <a:endParaRPr lang="en-US" dirty="0">
-              <a:solidFill>
-                <a:srgbClr val="404040"/>
-              </a:solidFill>
-            </a:endParaRPr>
-          </a:p>
-          <a:p>
-            <a:pPr marL="342900" indent="-342900">
-              <a:buFont typeface="Arial" panose="020B0604020202020204" pitchFamily="34" charset="0"/>
-              <a:buChar char="•"/>
-            </a:pPr>
-            <a:r>
-              <a:rPr lang="en-US" dirty="0">
-                <a:solidFill>
-                  <a:srgbClr val="404040"/>
-                </a:solidFill>
-              </a:rPr>
-              <a:t>Clean Data Using</a:t>
-            </a:r>
-          </a:p>
-          <a:p>
-            <a:pPr marL="800100" lvl="1" indent="-342900">
-              <a:buFont typeface="Arial" panose="020B0604020202020204" pitchFamily="34" charset="0"/>
-              <a:buChar char="•"/>
-            </a:pPr>
-            <a:r>
-              <a:rPr lang="en-US" dirty="0" err="1">
-                <a:solidFill>
-                  <a:srgbClr val="404040"/>
-                </a:solidFill>
-              </a:rPr>
-              <a:t>str_replace</a:t>
-            </a:r>
-            <a:r>
-              <a:rPr lang="en-US" dirty="0">
-                <a:solidFill>
-                  <a:srgbClr val="404040"/>
-                </a:solidFill>
-              </a:rPr>
-              <a:t>()</a:t>
-            </a:r>
-          </a:p>
-          <a:p>
-            <a:pPr marL="800100" lvl="1" indent="-342900">
-              <a:buFont typeface="Arial" panose="020B0604020202020204" pitchFamily="34" charset="0"/>
-              <a:buChar char="•"/>
-            </a:pPr>
-            <a:r>
-              <a:rPr lang="en-US" dirty="0" err="1">
-                <a:solidFill>
-                  <a:srgbClr val="404040"/>
-                </a:solidFill>
-              </a:rPr>
-              <a:t>str_replace_all</a:t>
-            </a:r>
-            <a:r>
-              <a:rPr lang="en-US" dirty="0">
-                <a:solidFill>
-                  <a:srgbClr val="404040"/>
-                </a:solidFill>
-              </a:rPr>
-              <a:t>()</a:t>
-            </a:r>
-          </a:p>
-          <a:p>
-            <a:pPr marL="800100" lvl="1" indent="-342900">
-              <a:buFont typeface="Arial" panose="020B0604020202020204" pitchFamily="34" charset="0"/>
-              <a:buChar char="•"/>
-            </a:pPr>
-            <a:r>
-              <a:rPr lang="en-US" dirty="0">
-                <a:solidFill>
-                  <a:srgbClr val="404040"/>
-                </a:solidFill>
-              </a:rPr>
-              <a:t>Special Character: “$”</a:t>
-            </a:r>
-          </a:p>
-          <a:p>
-            <a:pPr marL="342900" indent="-342900">
-              <a:buFont typeface="Arial" panose="020B0604020202020204" pitchFamily="34" charset="0"/>
-              <a:buChar char="•"/>
-            </a:pPr>
-            <a:endParaRPr lang="en-US" dirty="0">
-              <a:solidFill>
-                <a:srgbClr val="404040"/>
-              </a:solidFill>
-            </a:endParaRPr>
-          </a:p>
-        </p:txBody>
-      </p:sp>
-      <p:pic>
-        <p:nvPicPr>
-          <p:cNvPr id="4" name="Picture 3">
-            <a:extLst>
-              <a:ext uri="{FF2B5EF4-FFF2-40B4-BE49-F238E27FC236}">
-                <a16:creationId xmlns:a16="http://schemas.microsoft.com/office/drawing/2014/main" id="{825FF9F4-7E84-4845-9298-1B351FE48D6B}"/>
-              </a:ext>
-            </a:extLst>
-          </p:cNvPr>
-          <p:cNvPicPr>
-            <a:picLocks noChangeAspect="1"/>
-          </p:cNvPicPr>
-          <p:nvPr/>
-        </p:nvPicPr>
-        <p:blipFill>
-          <a:blip r:embed="rId4"/>
-          <a:stretch>
-            <a:fillRect/>
-          </a:stretch>
-        </p:blipFill>
-        <p:spPr>
-          <a:xfrm>
-            <a:off x="3693686" y="1095366"/>
-            <a:ext cx="5387819" cy="3019434"/>
-          </a:xfrm>
-          <a:prstGeom prst="rect">
-            <a:avLst/>
-          </a:prstGeom>
-          <a:solidFill>
-            <a:srgbClr val="404040"/>
-          </a:solidFill>
-          <a:ln>
-            <a:solidFill>
-              <a:srgbClr val="404040"/>
-            </a:solidFill>
-          </a:ln>
-        </p:spPr>
-        <p:style>
-          <a:lnRef idx="2">
-            <a:schemeClr val="dk1"/>
-          </a:lnRef>
-          <a:fillRef idx="1">
-            <a:schemeClr val="lt1"/>
-          </a:fillRef>
-          <a:effectRef idx="0">
-            <a:schemeClr val="dk1"/>
-          </a:effectRef>
-          <a:fontRef idx="minor">
-            <a:schemeClr val="dk1"/>
-          </a:fontRef>
-        </p:style>
-      </p:pic>
-    </p:spTree>
-    <p:custDataLst>
-      <p:tags r:id="rId1"/>
-    </p:custDataLst>
-    <p:extLst>
-      <p:ext uri="{BB962C8B-B14F-4D97-AF65-F5344CB8AC3E}">
-        <p14:creationId xmlns:p14="http://schemas.microsoft.com/office/powerpoint/2010/main" val="1851462061"/>
-      </p:ext>
-    </p:extLst>
-  </p:cSld>
-  <p:clrMapOvr>
-    <a:masterClrMapping/>
-  </p:clrMapOvr>
-</p:sld>
-</file>
-
-<file path=ppt/slides/slide7.xml><?xml version="1.0" encoding="utf-8"?>
-<p:sld xmlns:a="http://schemas.openxmlformats.org/drawingml/2006/main" xmlns:r="http://schemas.openxmlformats.org/officeDocument/2006/relationships" xmlns:p="http://schemas.openxmlformats.org/presentationml/2006/main">
-  <p:cSld>
-    <p:bg>
-      <p:bgPr>
-        <a:solidFill>
-          <a:schemeClr val="bg1">
-            <a:lumMod val="85000"/>
-          </a:schemeClr>
-        </a:solidFill>
-        <a:effectLst/>
-      </p:bgPr>
-    </p:bg>
-    <p:spTree>
-      <p:nvGrpSpPr>
-        <p:cNvPr id="1" name=""/>
-        <p:cNvGrpSpPr/>
-        <p:nvPr/>
-      </p:nvGrpSpPr>
-      <p:grpSpPr>
-        <a:xfrm>
-          <a:off x="0" y="0"/>
-          <a:ext cx="0" cy="0"/>
-          <a:chOff x="0" y="0"/>
-          <a:chExt cx="0" cy="0"/>
-        </a:xfrm>
-      </p:grpSpPr>
-      <p:sp>
-        <p:nvSpPr>
-          <p:cNvPr id="15" name="Rectangle 12">
-            <a:extLst>
-              <a:ext uri="{FF2B5EF4-FFF2-40B4-BE49-F238E27FC236}">
-                <a16:creationId xmlns:a16="http://schemas.microsoft.com/office/drawing/2014/main" id="{867D4867-5BA7-4462-B2F6-A23F4A622AA7}"/>
-              </a:ext>
-              <a:ext uri="{C183D7F6-B498-43B3-948B-1728B52AA6E4}">
-                <adec:decorative xmlns:adec="http://schemas.microsoft.com/office/drawing/2017/decorative" val="1"/>
-              </a:ext>
-            </a:extLst>
-          </p:cNvPr>
-          <p:cNvSpPr>
-            <a:spLocks noGrp="1" noRot="1" noChangeAspect="1" noMove="1" noResize="1" noEditPoints="1" noAdjustHandles="1" noChangeArrowheads="1" noChangeShapeType="1" noTextEdit="1"/>
-          </p:cNvSpPr>
-          <p:nvPr>
-            <p:extLst>
-              <p:ext uri="{386F3935-93C4-4BCD-93E2-E3B085C9AB24}">
-                <p16:designElem xmlns:p16="http://schemas.microsoft.com/office/powerpoint/2015/main" val="1"/>
-              </p:ext>
-            </p:extLst>
-          </p:nvPr>
-        </p:nvSpPr>
-        <p:spPr>
-          <a:xfrm>
-            <a:off x="0" y="0"/>
-            <a:ext cx="3490722" cy="6858000"/>
-          </a:xfrm>
-          <a:prstGeom prst="rect">
-            <a:avLst/>
-          </a:prstGeom>
-          <a:solidFill>
-            <a:schemeClr val="tx1">
-              <a:lumMod val="75000"/>
-              <a:lumOff val="25000"/>
-            </a:schemeClr>
-          </a:solidFill>
-          <a:ln>
-            <a:noFill/>
-          </a:ln>
-        </p:spPr>
-        <p:style>
-          <a:lnRef idx="0">
-            <a:scrgbClr r="0" g="0" b="0"/>
-          </a:lnRef>
-          <a:fillRef idx="0">
-            <a:scrgbClr r="0" g="0" b="0"/>
-          </a:fillRef>
-          <a:effectRef idx="0">
-            <a:scrgbClr r="0" g="0" b="0"/>
-          </a:effectRef>
-          <a:fontRef idx="minor">
-            <a:schemeClr val="lt1"/>
-          </a:fontRef>
-        </p:style>
-        <p:txBody>
-          <a:bodyPr rtlCol="0" anchor="ctr"/>
-          <a:lstStyle/>
-          <a:p>
-            <a:pPr marL="0" marR="0" lvl="0" indent="0" algn="ctr" defTabSz="457200" rtl="0" eaLnBrk="1" fontAlgn="base" latinLnBrk="0" hangingPunct="1">
-              <a:lnSpc>
-                <a:spcPct val="100000"/>
-              </a:lnSpc>
-              <a:spcBef>
-                <a:spcPct val="0"/>
-              </a:spcBef>
-              <a:spcAft>
-                <a:spcPct val="0"/>
-              </a:spcAft>
-              <a:buClrTx/>
-              <a:buSzTx/>
-              <a:buFontTx/>
-              <a:buNone/>
-              <a:tabLst/>
-              <a:defRPr/>
-            </a:pPr>
-            <a:endParaRPr kumimoji="0" lang="en-US" sz="2400" b="0" i="0" u="none" strike="noStrike" kern="1200" cap="none" spc="0" normalizeH="0" baseline="0" noProof="0">
-              <a:ln>
-                <a:noFill/>
-              </a:ln>
-              <a:solidFill>
-                <a:prstClr val="white"/>
-              </a:solidFill>
-              <a:effectLst/>
-              <a:uLnTx/>
-              <a:uFillTx/>
-              <a:latin typeface="Calibri"/>
-              <a:ea typeface="+mn-ea"/>
-              <a:cs typeface="+mn-cs"/>
-            </a:endParaRPr>
-          </a:p>
-        </p:txBody>
-      </p:sp>
-      <p:sp>
-        <p:nvSpPr>
-          <p:cNvPr id="2" name="Title 1"/>
-          <p:cNvSpPr>
-            <a:spLocks noGrp="1"/>
-          </p:cNvSpPr>
-          <p:nvPr>
-            <p:ph type="title"/>
-          </p:nvPr>
-        </p:nvSpPr>
-        <p:spPr>
-          <a:xfrm>
-            <a:off x="482600" y="643467"/>
-            <a:ext cx="2522980" cy="1597315"/>
-          </a:xfrm>
-          <a:noFill/>
-          <a:ln w="19050">
-            <a:solidFill>
-              <a:schemeClr val="bg1"/>
-            </a:solidFill>
-          </a:ln>
-        </p:spPr>
-        <p:txBody>
-          <a:bodyPr vert="horz" wrap="square" lIns="91440" tIns="45720" rIns="91440" bIns="45720" rtlCol="0" anchor="ctr">
-            <a:normAutofit/>
-          </a:bodyPr>
-          <a:lstStyle/>
-          <a:p>
-            <a:pPr defTabSz="914400" eaLnBrk="1" hangingPunct="1">
-              <a:lnSpc>
-                <a:spcPct val="90000"/>
-              </a:lnSpc>
-            </a:pPr>
-            <a:r>
-              <a:rPr lang="en-US" sz="2400" kern="1200" dirty="0">
-                <a:solidFill>
-                  <a:schemeClr val="bg1"/>
-                </a:solidFill>
-                <a:latin typeface="+mj-lt"/>
-                <a:ea typeface="+mj-ea"/>
-                <a:cs typeface="+mj-cs"/>
-              </a:rPr>
-              <a:t>Part 2: More Data</a:t>
-            </a:r>
-          </a:p>
-        </p:txBody>
-      </p:sp>
-      <p:pic>
-        <p:nvPicPr>
-          <p:cNvPr id="8" name="Picture 7">
-            <a:extLst>
-              <a:ext uri="{FF2B5EF4-FFF2-40B4-BE49-F238E27FC236}">
-                <a16:creationId xmlns:a16="http://schemas.microsoft.com/office/drawing/2014/main" id="{521D4292-9ECC-4DA5-8CC0-C561A0DA118E}"/>
-              </a:ext>
-            </a:extLst>
-          </p:cNvPr>
-          <p:cNvPicPr>
-            <a:picLocks noChangeAspect="1"/>
-          </p:cNvPicPr>
-          <p:nvPr/>
-        </p:nvPicPr>
-        <p:blipFill rotWithShape="1">
-          <a:blip r:embed="rId3"/>
-          <a:srcRect l="8000" r="9400"/>
-          <a:stretch/>
-        </p:blipFill>
-        <p:spPr>
-          <a:xfrm>
-            <a:off x="660103" y="3048000"/>
-            <a:ext cx="2167974" cy="2624666"/>
-          </a:xfrm>
-          <a:prstGeom prst="rect">
-            <a:avLst/>
-          </a:prstGeom>
-          <a:noFill/>
-        </p:spPr>
-      </p:pic>
-      <p:sp>
-        <p:nvSpPr>
-          <p:cNvPr id="7" name="TextBox 6">
-            <a:extLst>
-              <a:ext uri="{FF2B5EF4-FFF2-40B4-BE49-F238E27FC236}">
-                <a16:creationId xmlns:a16="http://schemas.microsoft.com/office/drawing/2014/main" id="{313C0D66-7964-4225-8C79-22268E7FE93F}"/>
-              </a:ext>
-            </a:extLst>
-          </p:cNvPr>
-          <p:cNvSpPr txBox="1"/>
-          <p:nvPr/>
-        </p:nvSpPr>
-        <p:spPr>
-          <a:xfrm>
-            <a:off x="3810000" y="621916"/>
-            <a:ext cx="5257800" cy="4154984"/>
-          </a:xfrm>
-          <a:prstGeom prst="rect">
-            <a:avLst/>
-          </a:prstGeom>
-          <a:noFill/>
-        </p:spPr>
-        <p:txBody>
-          <a:bodyPr wrap="square" rtlCol="0">
-            <a:spAutoFit/>
-          </a:bodyPr>
-          <a:lstStyle/>
-          <a:p>
-            <a:pPr marL="342900" indent="-342900">
-              <a:buFont typeface="Arial" panose="020B0604020202020204" pitchFamily="34" charset="0"/>
-              <a:buChar char="•"/>
-            </a:pPr>
-            <a:r>
-              <a:rPr lang="en-US" dirty="0">
-                <a:solidFill>
-                  <a:srgbClr val="404040"/>
-                </a:solidFill>
-              </a:rPr>
-              <a:t>Education Data</a:t>
-            </a:r>
-          </a:p>
-          <a:p>
-            <a:pPr marL="342900" indent="-342900">
-              <a:buFont typeface="Arial" panose="020B0604020202020204" pitchFamily="34" charset="0"/>
-              <a:buChar char="•"/>
-            </a:pPr>
-            <a:endParaRPr lang="en-US" dirty="0">
-              <a:solidFill>
-                <a:srgbClr val="404040"/>
-              </a:solidFill>
-            </a:endParaRPr>
-          </a:p>
-          <a:p>
-            <a:pPr marL="342900" indent="-342900">
-              <a:buFont typeface="Arial" panose="020B0604020202020204" pitchFamily="34" charset="0"/>
-              <a:buChar char="•"/>
-            </a:pPr>
-            <a:endParaRPr lang="en-US" dirty="0">
-              <a:solidFill>
-                <a:srgbClr val="404040"/>
-              </a:solidFill>
-            </a:endParaRPr>
-          </a:p>
-          <a:p>
-            <a:pPr marL="342900" indent="-342900">
-              <a:buFont typeface="Arial" panose="020B0604020202020204" pitchFamily="34" charset="0"/>
-              <a:buChar char="•"/>
-            </a:pPr>
-            <a:endParaRPr lang="en-US" dirty="0">
-              <a:solidFill>
-                <a:srgbClr val="404040"/>
-              </a:solidFill>
-            </a:endParaRPr>
-          </a:p>
-          <a:p>
-            <a:pPr marL="342900" indent="-342900">
-              <a:buFont typeface="Arial" panose="020B0604020202020204" pitchFamily="34" charset="0"/>
-              <a:buChar char="•"/>
-            </a:pPr>
-            <a:endParaRPr lang="en-US" dirty="0">
-              <a:solidFill>
-                <a:srgbClr val="404040"/>
-              </a:solidFill>
-            </a:endParaRPr>
-          </a:p>
-          <a:p>
-            <a:pPr marL="342900" indent="-342900">
-              <a:buFont typeface="Arial" panose="020B0604020202020204" pitchFamily="34" charset="0"/>
-              <a:buChar char="•"/>
-            </a:pPr>
-            <a:endParaRPr lang="en-US" dirty="0">
-              <a:solidFill>
-                <a:srgbClr val="404040"/>
-              </a:solidFill>
-            </a:endParaRPr>
-          </a:p>
-          <a:p>
-            <a:pPr marL="342900" indent="-342900">
-              <a:buFont typeface="Arial" panose="020B0604020202020204" pitchFamily="34" charset="0"/>
-              <a:buChar char="•"/>
-            </a:pPr>
-            <a:endParaRPr lang="en-US" dirty="0">
-              <a:solidFill>
-                <a:srgbClr val="404040"/>
-              </a:solidFill>
-            </a:endParaRPr>
-          </a:p>
-          <a:p>
-            <a:pPr marL="342900" indent="-342900">
-              <a:buFont typeface="Arial" panose="020B0604020202020204" pitchFamily="34" charset="0"/>
-              <a:buChar char="•"/>
-            </a:pPr>
-            <a:endParaRPr lang="en-US" dirty="0">
-              <a:solidFill>
-                <a:srgbClr val="404040"/>
-              </a:solidFill>
-            </a:endParaRPr>
-          </a:p>
-          <a:p>
-            <a:pPr marL="342900" indent="-342900">
-              <a:buFont typeface="Arial" panose="020B0604020202020204" pitchFamily="34" charset="0"/>
-              <a:buChar char="•"/>
-            </a:pPr>
-            <a:endParaRPr lang="en-US" dirty="0">
-              <a:solidFill>
-                <a:srgbClr val="404040"/>
-              </a:solidFill>
-            </a:endParaRPr>
-          </a:p>
-          <a:p>
-            <a:pPr marL="342900" indent="-342900">
-              <a:buFont typeface="Arial" panose="020B0604020202020204" pitchFamily="34" charset="0"/>
-              <a:buChar char="•"/>
-            </a:pPr>
-            <a:endParaRPr lang="en-US" dirty="0">
-              <a:solidFill>
-                <a:srgbClr val="404040"/>
-              </a:solidFill>
-            </a:endParaRPr>
-          </a:p>
-          <a:p>
-            <a:pPr marL="342900" indent="-342900">
-              <a:buFont typeface="Arial" panose="020B0604020202020204" pitchFamily="34" charset="0"/>
-              <a:buChar char="•"/>
-            </a:pPr>
-            <a:r>
-              <a:rPr lang="en-US" dirty="0">
-                <a:solidFill>
-                  <a:srgbClr val="404040"/>
-                </a:solidFill>
-              </a:rPr>
-              <a:t>Coronavirus Data</a:t>
-            </a:r>
-          </a:p>
-        </p:txBody>
-      </p:sp>
-      <p:pic>
-        <p:nvPicPr>
-          <p:cNvPr id="5" name="Picture 4">
-            <a:extLst>
-              <a:ext uri="{FF2B5EF4-FFF2-40B4-BE49-F238E27FC236}">
-                <a16:creationId xmlns:a16="http://schemas.microsoft.com/office/drawing/2014/main" id="{AF5B14F4-B99F-4CF0-9B77-CC5C3DCFA7D6}"/>
-              </a:ext>
-            </a:extLst>
-          </p:cNvPr>
-          <p:cNvPicPr>
-            <a:picLocks noChangeAspect="1"/>
-          </p:cNvPicPr>
-          <p:nvPr/>
-        </p:nvPicPr>
-        <p:blipFill>
-          <a:blip r:embed="rId4"/>
-          <a:stretch>
-            <a:fillRect/>
-          </a:stretch>
-        </p:blipFill>
-        <p:spPr>
-          <a:xfrm>
-            <a:off x="3657600" y="4740015"/>
-            <a:ext cx="5334000" cy="2043348"/>
-          </a:xfrm>
-          <a:prstGeom prst="rect">
-            <a:avLst/>
-          </a:prstGeom>
-          <a:ln>
-            <a:solidFill>
-              <a:srgbClr val="404040"/>
-            </a:solidFill>
-          </a:ln>
-        </p:spPr>
-        <p:style>
-          <a:lnRef idx="2">
-            <a:schemeClr val="dk1"/>
-          </a:lnRef>
-          <a:fillRef idx="1">
-            <a:schemeClr val="lt1"/>
-          </a:fillRef>
-          <a:effectRef idx="0">
-            <a:schemeClr val="dk1"/>
-          </a:effectRef>
-          <a:fontRef idx="minor">
-            <a:schemeClr val="dk1"/>
-          </a:fontRef>
-        </p:style>
-      </p:pic>
-      <p:pic>
-        <p:nvPicPr>
-          <p:cNvPr id="6" name="Picture 5">
-            <a:extLst>
-              <a:ext uri="{FF2B5EF4-FFF2-40B4-BE49-F238E27FC236}">
-                <a16:creationId xmlns:a16="http://schemas.microsoft.com/office/drawing/2014/main" id="{9903E4F4-5EDE-4BDB-F46A-25BBE8A352C6}"/>
-              </a:ext>
-            </a:extLst>
-          </p:cNvPr>
-          <p:cNvPicPr>
-            <a:picLocks noChangeAspect="1"/>
-          </p:cNvPicPr>
-          <p:nvPr/>
-        </p:nvPicPr>
-        <p:blipFill>
-          <a:blip r:embed="rId5"/>
-          <a:stretch>
-            <a:fillRect/>
-          </a:stretch>
-        </p:blipFill>
-        <p:spPr>
-          <a:xfrm>
-            <a:off x="4267200" y="1123492"/>
-            <a:ext cx="3490722" cy="2782500"/>
-          </a:xfrm>
-          <a:prstGeom prst="rect">
-            <a:avLst/>
-          </a:prstGeom>
-          <a:ln>
-            <a:solidFill>
-              <a:srgbClr val="404040"/>
-            </a:solidFill>
-          </a:ln>
-        </p:spPr>
-        <p:style>
-          <a:lnRef idx="2">
-            <a:schemeClr val="dk1"/>
-          </a:lnRef>
-          <a:fillRef idx="1">
-            <a:schemeClr val="lt1"/>
-          </a:fillRef>
-          <a:effectRef idx="0">
-            <a:schemeClr val="dk1"/>
-          </a:effectRef>
-          <a:fontRef idx="minor">
-            <a:schemeClr val="dk1"/>
-          </a:fontRef>
-        </p:style>
-      </p:pic>
-    </p:spTree>
-    <p:custDataLst>
-      <p:tags r:id="rId1"/>
-    </p:custDataLst>
-    <p:extLst>
-      <p:ext uri="{BB962C8B-B14F-4D97-AF65-F5344CB8AC3E}">
-        <p14:creationId xmlns:p14="http://schemas.microsoft.com/office/powerpoint/2010/main" val="4278742092"/>
-      </p:ext>
-    </p:extLst>
-  </p:cSld>
-  <p:clrMapOvr>
-    <a:masterClrMapping/>
-  </p:clrMapOvr>
-</p:sld>
-</file>
-
-<file path=ppt/slides/slide8.xml><?xml version="1.0" encoding="utf-8"?>
-<p:sld xmlns:a="http://schemas.openxmlformats.org/drawingml/2006/main" xmlns:r="http://schemas.openxmlformats.org/officeDocument/2006/relationships" xmlns:p="http://schemas.openxmlformats.org/presentationml/2006/main">
-  <p:cSld>
-    <p:bg>
-      <p:bgPr>
-        <a:solidFill>
-          <a:schemeClr val="bg1">
-            <a:lumMod val="85000"/>
-          </a:schemeClr>
-        </a:solidFill>
-        <a:effectLst/>
-      </p:bgPr>
-    </p:bg>
-    <p:spTree>
-      <p:nvGrpSpPr>
-        <p:cNvPr id="1" name=""/>
-        <p:cNvGrpSpPr/>
-        <p:nvPr/>
-      </p:nvGrpSpPr>
-      <p:grpSpPr>
-        <a:xfrm>
-          <a:off x="0" y="0"/>
-          <a:ext cx="0" cy="0"/>
-          <a:chOff x="0" y="0"/>
-          <a:chExt cx="0" cy="0"/>
-        </a:xfrm>
-      </p:grpSpPr>
-      <p:sp>
-        <p:nvSpPr>
-          <p:cNvPr id="15" name="Rectangle 12">
-            <a:extLst>
-              <a:ext uri="{FF2B5EF4-FFF2-40B4-BE49-F238E27FC236}">
-                <a16:creationId xmlns:a16="http://schemas.microsoft.com/office/drawing/2014/main" id="{867D4867-5BA7-4462-B2F6-A23F4A622AA7}"/>
-              </a:ext>
-              <a:ext uri="{C183D7F6-B498-43B3-948B-1728B52AA6E4}">
-                <adec:decorative xmlns:adec="http://schemas.microsoft.com/office/drawing/2017/decorative" val="1"/>
-              </a:ext>
-            </a:extLst>
-          </p:cNvPr>
-          <p:cNvSpPr>
-            <a:spLocks noGrp="1" noRot="1" noChangeAspect="1" noMove="1" noResize="1" noEditPoints="1" noAdjustHandles="1" noChangeArrowheads="1" noChangeShapeType="1" noTextEdit="1"/>
-          </p:cNvSpPr>
-          <p:nvPr>
-            <p:extLst>
-              <p:ext uri="{386F3935-93C4-4BCD-93E2-E3B085C9AB24}">
-                <p16:designElem xmlns:p16="http://schemas.microsoft.com/office/powerpoint/2015/main" val="1"/>
-              </p:ext>
-            </p:extLst>
-          </p:nvPr>
-        </p:nvSpPr>
-        <p:spPr>
-          <a:xfrm>
-            <a:off x="0" y="0"/>
-            <a:ext cx="3490722" cy="6858000"/>
-          </a:xfrm>
-          <a:prstGeom prst="rect">
-            <a:avLst/>
-          </a:prstGeom>
-          <a:solidFill>
-            <a:schemeClr val="tx1">
-              <a:lumMod val="75000"/>
-              <a:lumOff val="25000"/>
-            </a:schemeClr>
-          </a:solidFill>
-          <a:ln>
-            <a:noFill/>
-          </a:ln>
-        </p:spPr>
-        <p:style>
-          <a:lnRef idx="0">
-            <a:scrgbClr r="0" g="0" b="0"/>
-          </a:lnRef>
-          <a:fillRef idx="0">
-            <a:scrgbClr r="0" g="0" b="0"/>
-          </a:fillRef>
-          <a:effectRef idx="0">
-            <a:scrgbClr r="0" g="0" b="0"/>
-          </a:effectRef>
-          <a:fontRef idx="minor">
-            <a:schemeClr val="lt1"/>
-          </a:fontRef>
-        </p:style>
-        <p:txBody>
-          <a:bodyPr rtlCol="0" anchor="ctr"/>
-          <a:lstStyle/>
-          <a:p>
-            <a:pPr marL="0" marR="0" lvl="0" indent="0" algn="ctr" defTabSz="457200" rtl="0" eaLnBrk="1" fontAlgn="base" latinLnBrk="0" hangingPunct="1">
-              <a:lnSpc>
-                <a:spcPct val="100000"/>
-              </a:lnSpc>
-              <a:spcBef>
-                <a:spcPct val="0"/>
-              </a:spcBef>
-              <a:spcAft>
-                <a:spcPct val="0"/>
-              </a:spcAft>
-              <a:buClrTx/>
-              <a:buSzTx/>
-              <a:buFontTx/>
-              <a:buNone/>
-              <a:tabLst/>
-              <a:defRPr/>
-            </a:pPr>
-            <a:endParaRPr kumimoji="0" lang="en-US" sz="2400" b="0" i="0" u="none" strike="noStrike" kern="1200" cap="none" spc="0" normalizeH="0" baseline="0" noProof="0">
-              <a:ln>
-                <a:noFill/>
-              </a:ln>
-              <a:solidFill>
-                <a:prstClr val="white"/>
-              </a:solidFill>
-              <a:effectLst/>
-              <a:uLnTx/>
-              <a:uFillTx/>
-              <a:latin typeface="Calibri"/>
-              <a:ea typeface="+mn-ea"/>
-              <a:cs typeface="+mn-cs"/>
-            </a:endParaRPr>
-          </a:p>
-        </p:txBody>
-      </p:sp>
-      <p:sp>
-        <p:nvSpPr>
-          <p:cNvPr id="2" name="Title 1"/>
-          <p:cNvSpPr>
-            <a:spLocks noGrp="1"/>
-          </p:cNvSpPr>
-          <p:nvPr>
-            <p:ph type="title"/>
-          </p:nvPr>
-        </p:nvSpPr>
-        <p:spPr>
-          <a:xfrm>
-            <a:off x="482600" y="643467"/>
-            <a:ext cx="2522980" cy="1597315"/>
-          </a:xfrm>
-          <a:noFill/>
-          <a:ln w="19050">
-            <a:solidFill>
-              <a:schemeClr val="bg1"/>
-            </a:solidFill>
-          </a:ln>
-        </p:spPr>
-        <p:txBody>
-          <a:bodyPr vert="horz" wrap="square" lIns="91440" tIns="45720" rIns="91440" bIns="45720" rtlCol="0" anchor="ctr">
-            <a:normAutofit/>
-          </a:bodyPr>
-          <a:lstStyle/>
-          <a:p>
-            <a:pPr defTabSz="914400" eaLnBrk="1" hangingPunct="1">
-              <a:lnSpc>
-                <a:spcPct val="90000"/>
-              </a:lnSpc>
-            </a:pPr>
-            <a:r>
-              <a:rPr lang="en-US" sz="2400" kern="1200" dirty="0">
-                <a:solidFill>
-                  <a:schemeClr val="bg1"/>
-                </a:solidFill>
-                <a:latin typeface="+mj-lt"/>
-                <a:ea typeface="+mj-ea"/>
-                <a:cs typeface="+mj-cs"/>
-              </a:rPr>
-              <a:t>Part 3: Merges</a:t>
-            </a:r>
-          </a:p>
-        </p:txBody>
-      </p:sp>
-      <p:pic>
-        <p:nvPicPr>
-          <p:cNvPr id="8" name="Picture 7">
-            <a:extLst>
-              <a:ext uri="{FF2B5EF4-FFF2-40B4-BE49-F238E27FC236}">
-                <a16:creationId xmlns:a16="http://schemas.microsoft.com/office/drawing/2014/main" id="{521D4292-9ECC-4DA5-8CC0-C561A0DA118E}"/>
-              </a:ext>
-            </a:extLst>
-          </p:cNvPr>
-          <p:cNvPicPr>
-            <a:picLocks noChangeAspect="1"/>
-          </p:cNvPicPr>
-          <p:nvPr/>
-        </p:nvPicPr>
-        <p:blipFill rotWithShape="1">
-          <a:blip r:embed="rId3"/>
-          <a:srcRect l="8000" r="9400"/>
-          <a:stretch/>
-        </p:blipFill>
-        <p:spPr>
-          <a:xfrm>
-            <a:off x="660103" y="3048000"/>
-            <a:ext cx="2167974" cy="2624666"/>
-          </a:xfrm>
-          <a:prstGeom prst="rect">
-            <a:avLst/>
-          </a:prstGeom>
-          <a:noFill/>
-        </p:spPr>
-      </p:pic>
-      <p:sp>
-        <p:nvSpPr>
-          <p:cNvPr id="7" name="TextBox 6">
-            <a:extLst>
-              <a:ext uri="{FF2B5EF4-FFF2-40B4-BE49-F238E27FC236}">
-                <a16:creationId xmlns:a16="http://schemas.microsoft.com/office/drawing/2014/main" id="{313C0D66-7964-4225-8C79-22268E7FE93F}"/>
-              </a:ext>
-            </a:extLst>
-          </p:cNvPr>
-          <p:cNvSpPr txBox="1"/>
-          <p:nvPr/>
-        </p:nvSpPr>
-        <p:spPr>
-          <a:xfrm>
-            <a:off x="3810000" y="621916"/>
-            <a:ext cx="5029200" cy="3785652"/>
-          </a:xfrm>
-          <a:prstGeom prst="rect">
-            <a:avLst/>
-          </a:prstGeom>
-          <a:noFill/>
-        </p:spPr>
-        <p:txBody>
-          <a:bodyPr wrap="square" rtlCol="0">
-            <a:spAutoFit/>
-          </a:bodyPr>
-          <a:lstStyle/>
-          <a:p>
-            <a:pPr marL="342900" indent="-342900">
-              <a:buFont typeface="Arial" panose="020B0604020202020204" pitchFamily="34" charset="0"/>
-              <a:buChar char="•"/>
-            </a:pPr>
-            <a:r>
-              <a:rPr lang="en-US" dirty="0">
-                <a:solidFill>
-                  <a:srgbClr val="404040"/>
-                </a:solidFill>
-              </a:rPr>
-              <a:t>Two Different Merges</a:t>
-            </a:r>
-          </a:p>
-          <a:p>
-            <a:pPr marL="800100" lvl="1" indent="-342900">
-              <a:buFont typeface="Arial" panose="020B0604020202020204" pitchFamily="34" charset="0"/>
-              <a:buChar char="•"/>
-            </a:pPr>
-            <a:r>
-              <a:rPr lang="en-US" dirty="0">
-                <a:solidFill>
-                  <a:srgbClr val="404040"/>
-                </a:solidFill>
-              </a:rPr>
-              <a:t>Education Into GDP</a:t>
-            </a:r>
-          </a:p>
-          <a:p>
-            <a:pPr marL="800100" lvl="1" indent="-342900">
-              <a:buFont typeface="Arial" panose="020B0604020202020204" pitchFamily="34" charset="0"/>
-              <a:buChar char="•"/>
-            </a:pPr>
-            <a:r>
-              <a:rPr lang="en-US" dirty="0">
-                <a:solidFill>
-                  <a:srgbClr val="404040"/>
-                </a:solidFill>
-              </a:rPr>
-              <a:t>GDP Into COVID</a:t>
-            </a:r>
-          </a:p>
-          <a:p>
-            <a:pPr marL="800100" lvl="1" indent="-342900">
-              <a:buFont typeface="Arial" panose="020B0604020202020204" pitchFamily="34" charset="0"/>
-              <a:buChar char="•"/>
-            </a:pPr>
-            <a:endParaRPr lang="en-US" dirty="0">
-              <a:solidFill>
-                <a:srgbClr val="404040"/>
-              </a:solidFill>
-            </a:endParaRPr>
-          </a:p>
-          <a:p>
-            <a:pPr marL="342900" indent="-342900">
-              <a:buFont typeface="Arial" panose="020B0604020202020204" pitchFamily="34" charset="0"/>
-              <a:buChar char="•"/>
-            </a:pPr>
-            <a:r>
-              <a:rPr lang="en-US" dirty="0">
-                <a:solidFill>
-                  <a:srgbClr val="404040"/>
-                </a:solidFill>
-              </a:rPr>
-              <a:t>Use Appropriate Join -&gt; “Into”</a:t>
-            </a:r>
-          </a:p>
-          <a:p>
-            <a:pPr marL="342900" indent="-342900">
-              <a:buFont typeface="Arial" panose="020B0604020202020204" pitchFamily="34" charset="0"/>
-              <a:buChar char="•"/>
-            </a:pPr>
-            <a:endParaRPr lang="en-US" dirty="0">
-              <a:solidFill>
-                <a:srgbClr val="404040"/>
-              </a:solidFill>
-            </a:endParaRPr>
-          </a:p>
-          <a:p>
-            <a:pPr marL="342900" indent="-342900">
-              <a:buFont typeface="Arial" panose="020B0604020202020204" pitchFamily="34" charset="0"/>
-              <a:buChar char="•"/>
-            </a:pPr>
-            <a:r>
-              <a:rPr lang="en-US" dirty="0">
-                <a:solidFill>
-                  <a:srgbClr val="404040"/>
-                </a:solidFill>
-              </a:rPr>
-              <a:t>Answer All Follow-Up Questions</a:t>
-            </a:r>
-          </a:p>
-          <a:p>
-            <a:pPr marL="342900" indent="-342900">
-              <a:buFont typeface="Arial" panose="020B0604020202020204" pitchFamily="34" charset="0"/>
-              <a:buChar char="•"/>
-            </a:pPr>
-            <a:endParaRPr lang="en-US" dirty="0">
-              <a:solidFill>
-                <a:srgbClr val="404040"/>
-              </a:solidFill>
-            </a:endParaRPr>
-          </a:p>
-          <a:p>
-            <a:pPr marL="342900" indent="-342900">
-              <a:buFont typeface="Arial" panose="020B0604020202020204" pitchFamily="34" charset="0"/>
-              <a:buChar char="•"/>
-            </a:pPr>
-            <a:r>
-              <a:rPr lang="en-US" dirty="0">
-                <a:solidFill>
-                  <a:srgbClr val="404040"/>
-                </a:solidFill>
-              </a:rPr>
-              <a:t>Fix Specific Instances</a:t>
-            </a:r>
-          </a:p>
-          <a:p>
-            <a:pPr marL="800100" lvl="1" indent="-342900">
-              <a:buFont typeface="Arial" panose="020B0604020202020204" pitchFamily="34" charset="0"/>
-              <a:buChar char="•"/>
-            </a:pPr>
-            <a:endParaRPr lang="en-US" dirty="0">
-              <a:solidFill>
-                <a:srgbClr val="404040"/>
-              </a:solidFill>
-            </a:endParaRPr>
-          </a:p>
-        </p:txBody>
-      </p:sp>
-      <p:sp>
-        <p:nvSpPr>
-          <p:cNvPr id="3" name="TextBox 2">
-            <a:extLst>
-              <a:ext uri="{FF2B5EF4-FFF2-40B4-BE49-F238E27FC236}">
-                <a16:creationId xmlns:a16="http://schemas.microsoft.com/office/drawing/2014/main" id="{1583623D-6E30-4A28-9476-0A3F654BA91D}"/>
-              </a:ext>
-            </a:extLst>
-          </p:cNvPr>
-          <p:cNvSpPr txBox="1"/>
-          <p:nvPr/>
-        </p:nvSpPr>
-        <p:spPr>
-          <a:xfrm>
-            <a:off x="4203400" y="4031521"/>
-            <a:ext cx="4242399" cy="400110"/>
-          </a:xfrm>
-          <a:prstGeom prst="rect">
-            <a:avLst/>
-          </a:prstGeom>
-          <a:solidFill>
-            <a:srgbClr val="404040"/>
-          </a:solidFill>
-        </p:spPr>
-        <p:txBody>
-          <a:bodyPr wrap="square" rtlCol="0">
-            <a:spAutoFit/>
-          </a:bodyPr>
-          <a:lstStyle/>
-          <a:p>
-            <a:r>
-              <a:rPr lang="en-US" sz="2000" dirty="0">
-                <a:solidFill>
-                  <a:schemeClr val="bg1"/>
-                </a:solidFill>
-              </a:rPr>
-              <a:t>&gt; </a:t>
-            </a:r>
-            <a:r>
-              <a:rPr lang="en-US" sz="2000" dirty="0" err="1">
-                <a:solidFill>
-                  <a:schemeClr val="bg1"/>
-                </a:solidFill>
-              </a:rPr>
-              <a:t>ifelse</a:t>
-            </a:r>
-            <a:r>
-              <a:rPr lang="en-US" sz="2000" dirty="0">
-                <a:solidFill>
-                  <a:schemeClr val="bg1"/>
-                </a:solidFill>
-              </a:rPr>
-              <a:t>(VAR==“OLD”, “NEW”, VAR)</a:t>
-            </a:r>
-          </a:p>
-        </p:txBody>
-      </p:sp>
-    </p:spTree>
-    <p:custDataLst>
-      <p:tags r:id="rId1"/>
-    </p:custDataLst>
-    <p:extLst>
-      <p:ext uri="{BB962C8B-B14F-4D97-AF65-F5344CB8AC3E}">
-        <p14:creationId xmlns:p14="http://schemas.microsoft.com/office/powerpoint/2010/main" val="3069520809"/>
-      </p:ext>
-    </p:extLst>
-  </p:cSld>
-  <p:clrMapOvr>
-    <a:masterClrMapping/>
-  </p:clrMapOvr>
-</p:sld>
-</file>
-
-<file path=ppt/slides/slide9.xml><?xml version="1.0" encoding="utf-8"?>
 <p:sld xmlns:a="http://schemas.openxmlformats.org/drawingml/2006/main" xmlns:r="http://schemas.openxmlformats.org/officeDocument/2006/relationships" xmlns:p="http://schemas.openxmlformats.org/presentationml/2006/main">
   <p:cSld>
     <p:bg>
@@ -12608,12 +11188,6 @@
 </p:tagLst>
 </file>
 
-<file path=ppt/tags/tag10.xml><?xml version="1.0" encoding="utf-8"?>
-<p:tagLst xmlns:a="http://schemas.openxmlformats.org/drawingml/2006/main" xmlns:r="http://schemas.openxmlformats.org/officeDocument/2006/relationships" xmlns:p="http://schemas.openxmlformats.org/presentationml/2006/main">
-  <p:tag name="DELIMITERS" val="3.1"/>
-</p:tagLst>
-</file>
-
 <file path=ppt/tags/tag2.xml><?xml version="1.0" encoding="utf-8"?>
 <p:tagLst xmlns:a="http://schemas.openxmlformats.org/drawingml/2006/main" xmlns:r="http://schemas.openxmlformats.org/officeDocument/2006/relationships" xmlns:p="http://schemas.openxmlformats.org/presentationml/2006/main">
   <p:tag name="DELIMITERS" val="3.1"/>
@@ -12645,18 +11219,6 @@
 </file>
 
 <file path=ppt/tags/tag7.xml><?xml version="1.0" encoding="utf-8"?>
-<p:tagLst xmlns:a="http://schemas.openxmlformats.org/drawingml/2006/main" xmlns:r="http://schemas.openxmlformats.org/officeDocument/2006/relationships" xmlns:p="http://schemas.openxmlformats.org/presentationml/2006/main">
-  <p:tag name="DELIMITERS" val="3.1"/>
-</p:tagLst>
-</file>
-
-<file path=ppt/tags/tag8.xml><?xml version="1.0" encoding="utf-8"?>
-<p:tagLst xmlns:a="http://schemas.openxmlformats.org/drawingml/2006/main" xmlns:r="http://schemas.openxmlformats.org/officeDocument/2006/relationships" xmlns:p="http://schemas.openxmlformats.org/presentationml/2006/main">
-  <p:tag name="DELIMITERS" val="3.1"/>
-</p:tagLst>
-</file>
-
-<file path=ppt/tags/tag9.xml><?xml version="1.0" encoding="utf-8"?>
 <p:tagLst xmlns:a="http://schemas.openxmlformats.org/drawingml/2006/main" xmlns:r="http://schemas.openxmlformats.org/officeDocument/2006/relationships" xmlns:p="http://schemas.openxmlformats.org/presentationml/2006/main">
   <p:tag name="DELIMITERS" val="3.1"/>
 </p:tagLst>

--- a/Lecture/Joins 2/Joins_2_Lecture.pptx
+++ b/Lecture/Joins 2/Joins_2_Lecture.pptx
@@ -6,23 +6,22 @@
     <p:sldMasterId id="2147483676" r:id="rId2"/>
   </p:sldMasterIdLst>
   <p:notesMasterIdLst>
-    <p:notesMasterId r:id="rId9"/>
+    <p:notesMasterId r:id="rId8"/>
   </p:notesMasterIdLst>
   <p:handoutMasterIdLst>
-    <p:handoutMasterId r:id="rId10"/>
+    <p:handoutMasterId r:id="rId9"/>
   </p:handoutMasterIdLst>
   <p:sldIdLst>
     <p:sldId id="320" r:id="rId3"/>
     <p:sldId id="395" r:id="rId4"/>
     <p:sldId id="396" r:id="rId5"/>
     <p:sldId id="397" r:id="rId6"/>
-    <p:sldId id="390" r:id="rId7"/>
-    <p:sldId id="329" r:id="rId8"/>
+    <p:sldId id="329" r:id="rId7"/>
   </p:sldIdLst>
   <p:sldSz cx="9144000" cy="6858000" type="screen4x3"/>
   <p:notesSz cx="6858000" cy="9144000"/>
   <p:custDataLst>
-    <p:tags r:id="rId11"/>
+    <p:tags r:id="rId10"/>
   </p:custDataLst>
   <p:defaultTextStyle>
     <a:defPPr>
@@ -293,7 +292,7 @@
               <a:pPr>
                 <a:defRPr/>
               </a:pPr>
-              <a:t>2/19/2023</a:t>
+              <a:t>9/26/2023</a:t>
             </a:fld>
             <a:endParaRPr lang="en-US" dirty="0"/>
           </a:p>
@@ -505,7 +504,7 @@
               <a:pPr>
                 <a:defRPr/>
               </a:pPr>
-              <a:t>2/19/2023</a:t>
+              <a:t>9/26/2023</a:t>
             </a:fld>
             <a:endParaRPr lang="en-US" dirty="0"/>
           </a:p>
@@ -1024,7 +1023,7 @@
               <a:pPr>
                 <a:defRPr/>
               </a:pPr>
-              <a:t>2/19/2023</a:t>
+              <a:t>9/26/2023</a:t>
             </a:fld>
             <a:endParaRPr lang="en-US" dirty="0"/>
           </a:p>
@@ -1214,7 +1213,7 @@
               <a:pPr>
                 <a:defRPr/>
               </a:pPr>
-              <a:t>2/19/2023</a:t>
+              <a:t>9/26/2023</a:t>
             </a:fld>
             <a:endParaRPr lang="en-US" dirty="0"/>
           </a:p>
@@ -1414,7 +1413,7 @@
               <a:pPr>
                 <a:defRPr/>
               </a:pPr>
-              <a:t>2/19/2023</a:t>
+              <a:t>9/26/2023</a:t>
             </a:fld>
             <a:endParaRPr lang="en-US" dirty="0"/>
           </a:p>
@@ -1682,7 +1681,7 @@
               <a:pPr>
                 <a:defRPr/>
               </a:pPr>
-              <a:t>2/19/2023</a:t>
+              <a:t>9/26/2023</a:t>
             </a:fld>
             <a:endParaRPr lang="en-US" dirty="0">
               <a:solidFill>
@@ -1896,7 +1895,7 @@
               <a:pPr>
                 <a:defRPr/>
               </a:pPr>
-              <a:t>2/19/2023</a:t>
+              <a:t>9/26/2023</a:t>
             </a:fld>
             <a:endParaRPr lang="en-US" dirty="0">
               <a:solidFill>
@@ -2187,7 +2186,7 @@
               <a:pPr>
                 <a:defRPr/>
               </a:pPr>
-              <a:t>2/19/2023</a:t>
+              <a:t>9/26/2023</a:t>
             </a:fld>
             <a:endParaRPr lang="en-US" dirty="0">
               <a:solidFill>
@@ -2518,7 +2517,7 @@
               <a:pPr>
                 <a:defRPr/>
               </a:pPr>
-              <a:t>2/19/2023</a:t>
+              <a:t>9/26/2023</a:t>
             </a:fld>
             <a:endParaRPr lang="en-US" dirty="0">
               <a:solidFill>
@@ -2983,7 +2982,7 @@
               <a:pPr>
                 <a:defRPr/>
               </a:pPr>
-              <a:t>2/19/2023</a:t>
+              <a:t>9/26/2023</a:t>
             </a:fld>
             <a:endParaRPr lang="en-US" dirty="0">
               <a:solidFill>
@@ -3146,7 +3145,7 @@
               <a:pPr>
                 <a:defRPr/>
               </a:pPr>
-              <a:t>2/19/2023</a:t>
+              <a:t>9/26/2023</a:t>
             </a:fld>
             <a:endParaRPr lang="en-US" dirty="0">
               <a:solidFill>
@@ -3287,7 +3286,7 @@
               <a:pPr>
                 <a:defRPr/>
               </a:pPr>
-              <a:t>2/19/2023</a:t>
+              <a:t>9/26/2023</a:t>
             </a:fld>
             <a:endParaRPr lang="en-US" dirty="0">
               <a:solidFill>
@@ -3608,7 +3607,7 @@
               <a:pPr>
                 <a:defRPr/>
               </a:pPr>
-              <a:t>2/19/2023</a:t>
+              <a:t>9/26/2023</a:t>
             </a:fld>
             <a:endParaRPr lang="en-US" dirty="0">
               <a:solidFill>
@@ -3816,7 +3815,7 @@
               <a:pPr>
                 <a:defRPr/>
               </a:pPr>
-              <a:t>2/19/2023</a:t>
+              <a:t>9/26/2023</a:t>
             </a:fld>
             <a:endParaRPr lang="en-US" dirty="0"/>
           </a:p>
@@ -4099,7 +4098,7 @@
               <a:pPr>
                 <a:defRPr/>
               </a:pPr>
-              <a:t>2/19/2023</a:t>
+              <a:t>9/26/2023</a:t>
             </a:fld>
             <a:endParaRPr lang="en-US" dirty="0">
               <a:solidFill>
@@ -4313,7 +4312,7 @@
               <a:pPr>
                 <a:defRPr/>
               </a:pPr>
-              <a:t>2/19/2023</a:t>
+              <a:t>9/26/2023</a:t>
             </a:fld>
             <a:endParaRPr lang="en-US" dirty="0">
               <a:solidFill>
@@ -4537,7 +4536,7 @@
               <a:pPr>
                 <a:defRPr/>
               </a:pPr>
-              <a:t>2/19/2023</a:t>
+              <a:t>9/26/2023</a:t>
             </a:fld>
             <a:endParaRPr lang="en-US" dirty="0">
               <a:solidFill>
@@ -4747,7 +4746,7 @@
               <a:pPr>
                 <a:defRPr/>
               </a:pPr>
-              <a:t>2/19/2023</a:t>
+              <a:t>9/26/2023</a:t>
             </a:fld>
             <a:endParaRPr lang="en-US" dirty="0">
               <a:solidFill>
@@ -5024,7 +5023,7 @@
               <a:pPr>
                 <a:defRPr/>
               </a:pPr>
-              <a:t>2/19/2023</a:t>
+              <a:t>9/26/2023</a:t>
             </a:fld>
             <a:endParaRPr lang="en-US" dirty="0"/>
           </a:p>
@@ -5331,7 +5330,7 @@
               <a:pPr>
                 <a:defRPr/>
               </a:pPr>
-              <a:t>2/19/2023</a:t>
+              <a:t>9/26/2023</a:t>
             </a:fld>
             <a:endParaRPr lang="en-US" dirty="0"/>
           </a:p>
@@ -5772,7 +5771,7 @@
               <a:pPr>
                 <a:defRPr/>
               </a:pPr>
-              <a:t>2/19/2023</a:t>
+              <a:t>9/26/2023</a:t>
             </a:fld>
             <a:endParaRPr lang="en-US" dirty="0"/>
           </a:p>
@@ -5911,7 +5910,7 @@
               <a:pPr>
                 <a:defRPr/>
               </a:pPr>
-              <a:t>2/19/2023</a:t>
+              <a:t>9/26/2023</a:t>
             </a:fld>
             <a:endParaRPr lang="en-US" dirty="0"/>
           </a:p>
@@ -6028,7 +6027,7 @@
               <a:pPr>
                 <a:defRPr/>
               </a:pPr>
-              <a:t>2/19/2023</a:t>
+              <a:t>9/26/2023</a:t>
             </a:fld>
             <a:endParaRPr lang="en-US" dirty="0"/>
           </a:p>
@@ -6325,7 +6324,7 @@
               <a:pPr>
                 <a:defRPr/>
               </a:pPr>
-              <a:t>2/19/2023</a:t>
+              <a:t>9/26/2023</a:t>
             </a:fld>
             <a:endParaRPr lang="en-US" dirty="0"/>
           </a:p>
@@ -6602,7 +6601,7 @@
               <a:pPr>
                 <a:defRPr/>
               </a:pPr>
-              <a:t>2/19/2023</a:t>
+              <a:t>9/26/2023</a:t>
             </a:fld>
             <a:endParaRPr lang="en-US" dirty="0"/>
           </a:p>
@@ -6859,7 +6858,7 @@
               <a:pPr>
                 <a:defRPr/>
               </a:pPr>
-              <a:t>2/19/2023</a:t>
+              <a:t>9/26/2023</a:t>
             </a:fld>
             <a:endParaRPr lang="en-US" dirty="0"/>
           </a:p>
@@ -7569,7 +7568,7 @@
               <a:pPr>
                 <a:defRPr/>
               </a:pPr>
-              <a:t>2/19/2023</a:t>
+              <a:t>9/26/2023</a:t>
             </a:fld>
             <a:endParaRPr lang="en-US" dirty="0">
               <a:solidFill>
@@ -10049,465 +10048,6 @@
           <a:bodyPr rtlCol="0" anchor="ctr"/>
           <a:lstStyle/>
           <a:p>
-            <a:pPr marL="0" marR="0" lvl="0" indent="0" algn="ctr" defTabSz="457200" rtl="0" eaLnBrk="1" fontAlgn="base" latinLnBrk="0" hangingPunct="1">
-              <a:lnSpc>
-                <a:spcPct val="100000"/>
-              </a:lnSpc>
-              <a:spcBef>
-                <a:spcPct val="0"/>
-              </a:spcBef>
-              <a:spcAft>
-                <a:spcPct val="0"/>
-              </a:spcAft>
-              <a:buClrTx/>
-              <a:buSzTx/>
-              <a:buFontTx/>
-              <a:buNone/>
-              <a:tabLst/>
-              <a:defRPr/>
-            </a:pPr>
-            <a:endParaRPr kumimoji="0" lang="en-US" sz="2400" b="0" i="0" u="none" strike="noStrike" kern="1200" cap="none" spc="0" normalizeH="0" baseline="0" noProof="0">
-              <a:ln>
-                <a:noFill/>
-              </a:ln>
-              <a:solidFill>
-                <a:prstClr val="white"/>
-              </a:solidFill>
-              <a:effectLst/>
-              <a:uLnTx/>
-              <a:uFillTx/>
-              <a:latin typeface="Calibri"/>
-              <a:ea typeface="+mn-ea"/>
-              <a:cs typeface="+mn-cs"/>
-            </a:endParaRPr>
-          </a:p>
-        </p:txBody>
-      </p:sp>
-      <p:sp>
-        <p:nvSpPr>
-          <p:cNvPr id="2" name="Title 1"/>
-          <p:cNvSpPr>
-            <a:spLocks noGrp="1"/>
-          </p:cNvSpPr>
-          <p:nvPr>
-            <p:ph type="title"/>
-          </p:nvPr>
-        </p:nvSpPr>
-        <p:spPr>
-          <a:xfrm>
-            <a:off x="482600" y="643467"/>
-            <a:ext cx="2522980" cy="1597315"/>
-          </a:xfrm>
-          <a:noFill/>
-          <a:ln w="19050">
-            <a:solidFill>
-              <a:schemeClr val="bg1"/>
-            </a:solidFill>
-          </a:ln>
-        </p:spPr>
-        <p:txBody>
-          <a:bodyPr vert="horz" wrap="square" lIns="91440" tIns="45720" rIns="91440" bIns="45720" rtlCol="0" anchor="ctr">
-            <a:normAutofit/>
-          </a:bodyPr>
-          <a:lstStyle/>
-          <a:p>
-            <a:pPr defTabSz="914400" eaLnBrk="1" hangingPunct="1">
-              <a:lnSpc>
-                <a:spcPct val="90000"/>
-              </a:lnSpc>
-            </a:pPr>
-            <a:r>
-              <a:rPr lang="en-US" sz="2400" dirty="0">
-                <a:solidFill>
-                  <a:schemeClr val="bg1"/>
-                </a:solidFill>
-                <a:ea typeface="+mj-ea"/>
-                <a:cs typeface="+mj-cs"/>
-              </a:rPr>
-              <a:t>Joins</a:t>
-            </a:r>
-            <a:br>
-              <a:rPr lang="en-US" sz="2400" dirty="0">
-                <a:solidFill>
-                  <a:schemeClr val="bg1"/>
-                </a:solidFill>
-                <a:ea typeface="+mj-ea"/>
-                <a:cs typeface="+mj-cs"/>
-              </a:rPr>
-            </a:br>
-            <a:r>
-              <a:rPr lang="en-US" sz="2400" dirty="0">
-                <a:solidFill>
-                  <a:schemeClr val="bg1"/>
-                </a:solidFill>
-                <a:ea typeface="+mj-ea"/>
-                <a:cs typeface="+mj-cs"/>
-              </a:rPr>
-              <a:t>Assignment</a:t>
-            </a:r>
-            <a:endParaRPr lang="en-US" sz="2400" kern="1200" dirty="0">
-              <a:solidFill>
-                <a:schemeClr val="bg1"/>
-              </a:solidFill>
-              <a:latin typeface="+mj-lt"/>
-              <a:ea typeface="+mj-ea"/>
-              <a:cs typeface="+mj-cs"/>
-            </a:endParaRPr>
-          </a:p>
-        </p:txBody>
-      </p:sp>
-      <p:pic>
-        <p:nvPicPr>
-          <p:cNvPr id="8" name="Picture 7">
-            <a:extLst>
-              <a:ext uri="{FF2B5EF4-FFF2-40B4-BE49-F238E27FC236}">
-                <a16:creationId xmlns:a16="http://schemas.microsoft.com/office/drawing/2014/main" id="{521D4292-9ECC-4DA5-8CC0-C561A0DA118E}"/>
-              </a:ext>
-            </a:extLst>
-          </p:cNvPr>
-          <p:cNvPicPr>
-            <a:picLocks noChangeAspect="1"/>
-          </p:cNvPicPr>
-          <p:nvPr/>
-        </p:nvPicPr>
-        <p:blipFill rotWithShape="1">
-          <a:blip r:embed="rId3"/>
-          <a:srcRect l="8000" r="9400"/>
-          <a:stretch/>
-        </p:blipFill>
-        <p:spPr>
-          <a:xfrm>
-            <a:off x="660103" y="3048000"/>
-            <a:ext cx="2167974" cy="2624666"/>
-          </a:xfrm>
-          <a:prstGeom prst="rect">
-            <a:avLst/>
-          </a:prstGeom>
-          <a:noFill/>
-        </p:spPr>
-      </p:pic>
-      <p:sp>
-        <p:nvSpPr>
-          <p:cNvPr id="6" name="TextBox 5">
-            <a:extLst>
-              <a:ext uri="{FF2B5EF4-FFF2-40B4-BE49-F238E27FC236}">
-                <a16:creationId xmlns:a16="http://schemas.microsoft.com/office/drawing/2014/main" id="{E58EF064-51FF-48A9-8810-E84BE6F6F09D}"/>
-              </a:ext>
-            </a:extLst>
-          </p:cNvPr>
-          <p:cNvSpPr txBox="1"/>
-          <p:nvPr/>
-        </p:nvSpPr>
-        <p:spPr>
-          <a:xfrm>
-            <a:off x="3810000" y="621916"/>
-            <a:ext cx="5334000" cy="4524315"/>
-          </a:xfrm>
-          <a:prstGeom prst="rect">
-            <a:avLst/>
-          </a:prstGeom>
-          <a:noFill/>
-        </p:spPr>
-        <p:txBody>
-          <a:bodyPr wrap="square" rtlCol="0">
-            <a:spAutoFit/>
-          </a:bodyPr>
-          <a:lstStyle/>
-          <a:p>
-            <a:pPr marL="342900" indent="-342900">
-              <a:buFont typeface="Arial" panose="020B0604020202020204" pitchFamily="34" charset="0"/>
-              <a:buChar char="•"/>
-            </a:pPr>
-            <a:r>
-              <a:rPr lang="en-US" dirty="0">
-                <a:solidFill>
-                  <a:srgbClr val="404040"/>
-                </a:solidFill>
-              </a:rPr>
-              <a:t>Instructions</a:t>
-            </a:r>
-          </a:p>
-          <a:p>
-            <a:pPr marL="800100" lvl="1" indent="-342900">
-              <a:buFont typeface="Arial" panose="020B0604020202020204" pitchFamily="34" charset="0"/>
-              <a:buChar char="•"/>
-            </a:pPr>
-            <a:r>
-              <a:rPr lang="en-US" dirty="0">
-                <a:solidFill>
-                  <a:srgbClr val="404040"/>
-                </a:solidFill>
-              </a:rPr>
-              <a:t>Download Analysis 2 File</a:t>
-            </a:r>
-          </a:p>
-          <a:p>
-            <a:pPr marL="800100" lvl="1" indent="-342900">
-              <a:buFont typeface="Arial" panose="020B0604020202020204" pitchFamily="34" charset="0"/>
-              <a:buChar char="•"/>
-            </a:pPr>
-            <a:r>
-              <a:rPr lang="en-US" dirty="0">
-                <a:solidFill>
-                  <a:srgbClr val="404040"/>
-                </a:solidFill>
-              </a:rPr>
-              <a:t>Open Analysis 2 </a:t>
-            </a:r>
-            <a:r>
-              <a:rPr lang="en-US" dirty="0" err="1">
-                <a:solidFill>
-                  <a:srgbClr val="404040"/>
-                </a:solidFill>
-              </a:rPr>
-              <a:t>Rmd</a:t>
-            </a:r>
-            <a:r>
-              <a:rPr lang="en-US" dirty="0">
-                <a:solidFill>
-                  <a:srgbClr val="404040"/>
-                </a:solidFill>
-              </a:rPr>
-              <a:t> File</a:t>
-            </a:r>
-          </a:p>
-          <a:p>
-            <a:pPr marL="800100" lvl="1" indent="-342900">
-              <a:buFont typeface="Arial" panose="020B0604020202020204" pitchFamily="34" charset="0"/>
-              <a:buChar char="•"/>
-            </a:pPr>
-            <a:r>
-              <a:rPr lang="en-US" dirty="0">
-                <a:solidFill>
-                  <a:srgbClr val="404040"/>
-                </a:solidFill>
-              </a:rPr>
-              <a:t>Knit to HTML</a:t>
-            </a:r>
-          </a:p>
-          <a:p>
-            <a:pPr marL="800100" lvl="1" indent="-342900">
-              <a:buFont typeface="Arial" panose="020B0604020202020204" pitchFamily="34" charset="0"/>
-              <a:buChar char="•"/>
-            </a:pPr>
-            <a:r>
-              <a:rPr lang="en-US" dirty="0">
-                <a:solidFill>
-                  <a:srgbClr val="404040"/>
-                </a:solidFill>
-              </a:rPr>
-              <a:t>Read Introduction</a:t>
-            </a:r>
-          </a:p>
-          <a:p>
-            <a:pPr marL="800100" lvl="1" indent="-342900">
-              <a:buFont typeface="Arial" panose="020B0604020202020204" pitchFamily="34" charset="0"/>
-              <a:buChar char="•"/>
-            </a:pPr>
-            <a:endParaRPr lang="en-US" dirty="0">
-              <a:solidFill>
-                <a:srgbClr val="404040"/>
-              </a:solidFill>
-            </a:endParaRPr>
-          </a:p>
-          <a:p>
-            <a:pPr marL="342900" indent="-342900">
-              <a:buFont typeface="Arial" panose="020B0604020202020204" pitchFamily="34" charset="0"/>
-              <a:buChar char="•"/>
-            </a:pPr>
-            <a:r>
-              <a:rPr lang="en-US" dirty="0">
-                <a:solidFill>
-                  <a:srgbClr val="404040"/>
-                </a:solidFill>
-              </a:rPr>
-              <a:t>Three Part Assignment</a:t>
-            </a:r>
-          </a:p>
-          <a:p>
-            <a:pPr marL="800100" lvl="1" indent="-342900">
-              <a:buFont typeface="Arial" panose="020B0604020202020204" pitchFamily="34" charset="0"/>
-              <a:buChar char="•"/>
-            </a:pPr>
-            <a:r>
-              <a:rPr lang="en-US" dirty="0">
-                <a:solidFill>
-                  <a:srgbClr val="404040"/>
-                </a:solidFill>
-              </a:rPr>
-              <a:t>Part 1: </a:t>
-            </a:r>
-            <a:r>
-              <a:rPr lang="en-US">
-                <a:solidFill>
-                  <a:srgbClr val="404040"/>
-                </a:solidFill>
-              </a:rPr>
-              <a:t>Scrape Data</a:t>
-            </a:r>
-            <a:endParaRPr lang="en-US" dirty="0">
-              <a:solidFill>
-                <a:srgbClr val="404040"/>
-              </a:solidFill>
-            </a:endParaRPr>
-          </a:p>
-          <a:p>
-            <a:pPr marL="800100" lvl="1" indent="-342900">
-              <a:buFont typeface="Arial" panose="020B0604020202020204" pitchFamily="34" charset="0"/>
-              <a:buChar char="•"/>
-            </a:pPr>
-            <a:r>
-              <a:rPr lang="en-US" dirty="0">
-                <a:solidFill>
-                  <a:srgbClr val="404040"/>
-                </a:solidFill>
-              </a:rPr>
-              <a:t>Part 2: Scrape Additional Data</a:t>
-            </a:r>
-          </a:p>
-          <a:p>
-            <a:pPr marL="800100" lvl="1" indent="-342900">
-              <a:buFont typeface="Arial" panose="020B0604020202020204" pitchFamily="34" charset="0"/>
-              <a:buChar char="•"/>
-            </a:pPr>
-            <a:r>
-              <a:rPr lang="en-US" dirty="0">
-                <a:solidFill>
-                  <a:srgbClr val="404040"/>
-                </a:solidFill>
-              </a:rPr>
-              <a:t>Part 3: Merge Datasets</a:t>
-            </a:r>
-          </a:p>
-          <a:p>
-            <a:pPr marL="800100" lvl="1" indent="-342900">
-              <a:buFont typeface="Arial" panose="020B0604020202020204" pitchFamily="34" charset="0"/>
-              <a:buChar char="•"/>
-            </a:pPr>
-            <a:endParaRPr lang="en-US" dirty="0">
-              <a:solidFill>
-                <a:srgbClr val="404040"/>
-              </a:solidFill>
-            </a:endParaRPr>
-          </a:p>
-          <a:p>
-            <a:pPr marL="342900" indent="-342900">
-              <a:buFont typeface="Arial" panose="020B0604020202020204" pitchFamily="34" charset="0"/>
-              <a:buChar char="•"/>
-            </a:pPr>
-            <a:r>
-              <a:rPr lang="en-US" dirty="0">
-                <a:solidFill>
-                  <a:srgbClr val="404040"/>
-                </a:solidFill>
-              </a:rPr>
-              <a:t>All Data in HTML Tables</a:t>
-            </a:r>
-          </a:p>
-        </p:txBody>
-      </p:sp>
-    </p:spTree>
-    <p:custDataLst>
-      <p:tags r:id="rId1"/>
-    </p:custDataLst>
-    <p:extLst>
-      <p:ext uri="{BB962C8B-B14F-4D97-AF65-F5344CB8AC3E}">
-        <p14:creationId xmlns:p14="http://schemas.microsoft.com/office/powerpoint/2010/main" val="2811406856"/>
-      </p:ext>
-    </p:extLst>
-  </p:cSld>
-  <p:clrMapOvr>
-    <a:masterClrMapping/>
-  </p:clrMapOvr>
-</p:sld>
-</file>
-
-<file path=ppt/slides/slide6.xml><?xml version="1.0" encoding="utf-8"?>
-<p:sld xmlns:a="http://schemas.openxmlformats.org/drawingml/2006/main" xmlns:r="http://schemas.openxmlformats.org/officeDocument/2006/relationships" xmlns:p="http://schemas.openxmlformats.org/presentationml/2006/main">
-  <p:cSld>
-    <p:bg>
-      <p:bgPr>
-        <a:solidFill>
-          <a:schemeClr val="bg1">
-            <a:lumMod val="85000"/>
-          </a:schemeClr>
-        </a:solidFill>
-        <a:effectLst/>
-      </p:bgPr>
-    </p:bg>
-    <p:spTree>
-      <p:nvGrpSpPr>
-        <p:cNvPr id="1" name=""/>
-        <p:cNvGrpSpPr/>
-        <p:nvPr/>
-      </p:nvGrpSpPr>
-      <p:grpSpPr>
-        <a:xfrm>
-          <a:off x="0" y="0"/>
-          <a:ext cx="0" cy="0"/>
-          <a:chOff x="0" y="0"/>
-          <a:chExt cx="0" cy="0"/>
-        </a:xfrm>
-      </p:grpSpPr>
-      <p:sp>
-        <p:nvSpPr>
-          <p:cNvPr id="15" name="Rectangle 12">
-            <a:extLst>
-              <a:ext uri="{FF2B5EF4-FFF2-40B4-BE49-F238E27FC236}">
-                <a16:creationId xmlns:a16="http://schemas.microsoft.com/office/drawing/2014/main" id="{867D4867-5BA7-4462-B2F6-A23F4A622AA7}"/>
-              </a:ext>
-              <a:ext uri="{C183D7F6-B498-43B3-948B-1728B52AA6E4}">
-                <adec:decorative xmlns:adec="http://schemas.microsoft.com/office/drawing/2017/decorative" val="1"/>
-              </a:ext>
-            </a:extLst>
-          </p:cNvPr>
-          <p:cNvSpPr>
-            <a:spLocks noGrp="1" noRot="1" noChangeAspect="1" noMove="1" noResize="1" noEditPoints="1" noAdjustHandles="1" noChangeArrowheads="1" noChangeShapeType="1" noTextEdit="1"/>
-          </p:cNvSpPr>
-          <p:nvPr>
-            <p:extLst>
-              <p:ext uri="{386F3935-93C4-4BCD-93E2-E3B085C9AB24}">
-                <p16:designElem xmlns:p16="http://schemas.microsoft.com/office/powerpoint/2015/main" val="1"/>
-              </p:ext>
-            </p:extLst>
-          </p:nvPr>
-        </p:nvSpPr>
-        <p:spPr>
-          <a:xfrm>
-            <a:off x="0" y="0"/>
-            <a:ext cx="3490722" cy="6858000"/>
-          </a:xfrm>
-          <a:prstGeom prst="rect">
-            <a:avLst/>
-          </a:prstGeom>
-          <a:solidFill>
-            <a:schemeClr val="tx1">
-              <a:lumMod val="75000"/>
-              <a:lumOff val="25000"/>
-            </a:schemeClr>
-          </a:solidFill>
-          <a:ln>
-            <a:noFill/>
-          </a:ln>
-        </p:spPr>
-        <p:style>
-          <a:lnRef idx="0">
-            <a:scrgbClr r="0" g="0" b="0"/>
-          </a:lnRef>
-          <a:fillRef idx="0">
-            <a:scrgbClr r="0" g="0" b="0"/>
-          </a:fillRef>
-          <a:effectRef idx="0">
-            <a:scrgbClr r="0" g="0" b="0"/>
-          </a:effectRef>
-          <a:fontRef idx="minor">
-            <a:schemeClr val="lt1"/>
-          </a:fontRef>
-        </p:style>
-        <p:txBody>
-          <a:bodyPr rtlCol="0" anchor="ctr"/>
-          <a:lstStyle/>
-          <a:p>
             <a:pPr algn="ctr"/>
             <a:endParaRPr lang="en-US"/>
           </a:p>
@@ -11213,12 +10753,6 @@
 </file>
 
 <file path=ppt/tags/tag6.xml><?xml version="1.0" encoding="utf-8"?>
-<p:tagLst xmlns:a="http://schemas.openxmlformats.org/drawingml/2006/main" xmlns:r="http://schemas.openxmlformats.org/officeDocument/2006/relationships" xmlns:p="http://schemas.openxmlformats.org/presentationml/2006/main">
-  <p:tag name="DELIMITERS" val="3.1"/>
-</p:tagLst>
-</file>
-
-<file path=ppt/tags/tag7.xml><?xml version="1.0" encoding="utf-8"?>
 <p:tagLst xmlns:a="http://schemas.openxmlformats.org/drawingml/2006/main" xmlns:r="http://schemas.openxmlformats.org/officeDocument/2006/relationships" xmlns:p="http://schemas.openxmlformats.org/presentationml/2006/main">
   <p:tag name="DELIMITERS" val="3.1"/>
 </p:tagLst>
